--- a/prezentacija/PredvidanjeTrzistaDionica.pptx
+++ b/prezentacija/PredvidanjeTrzistaDionica.pptx
@@ -5,7 +5,7 @@
     <p:sldMasterId id="2147483726" r:id="rId1"/>
   </p:sldMasterIdLst>
   <p:notesMasterIdLst>
-    <p:notesMasterId r:id="rId12"/>
+    <p:notesMasterId r:id="rId20"/>
   </p:notesMasterIdLst>
   <p:sldIdLst>
     <p:sldId id="256" r:id="rId2"/>
@@ -17,7 +17,15 @@
     <p:sldId id="261" r:id="rId8"/>
     <p:sldId id="265" r:id="rId9"/>
     <p:sldId id="262" r:id="rId10"/>
-    <p:sldId id="263" r:id="rId11"/>
+    <p:sldId id="274" r:id="rId11"/>
+    <p:sldId id="263" r:id="rId12"/>
+    <p:sldId id="266" r:id="rId13"/>
+    <p:sldId id="268" r:id="rId14"/>
+    <p:sldId id="269" r:id="rId15"/>
+    <p:sldId id="270" r:id="rId16"/>
+    <p:sldId id="271" r:id="rId17"/>
+    <p:sldId id="272" r:id="rId18"/>
+    <p:sldId id="273" r:id="rId19"/>
   </p:sldIdLst>
   <p:sldSz cx="12192000" cy="6858000"/>
   <p:notesSz cx="6858000" cy="9144000"/>
@@ -206,7 +214,7 @@
           <a:p>
             <a:fld id="{E219AC8D-0A35-4993-A6C7-6F3EAE83E744}" type="datetimeFigureOut">
               <a:rPr lang="hr-HR" smtClean="0"/>
-              <a:t>4.7.2022.</a:t>
+              <a:t>5.7.2022.</a:t>
             </a:fld>
             <a:endParaRPr lang="hr-HR"/>
           </a:p>
@@ -585,6 +593,784 @@
 </p:notes>
 </file>
 
+<file path=ppt/notesSlides/notesSlide10.xml><?xml version="1.0" encoding="utf-8"?>
+<p:notes xmlns:a="http://schemas.openxmlformats.org/drawingml/2006/main" xmlns:r="http://schemas.openxmlformats.org/officeDocument/2006/relationships" xmlns:p="http://schemas.openxmlformats.org/presentationml/2006/main">
+  <p:cSld>
+    <p:spTree>
+      <p:nvGrpSpPr>
+        <p:cNvPr id="1" name=""/>
+        <p:cNvGrpSpPr/>
+        <p:nvPr/>
+      </p:nvGrpSpPr>
+      <p:grpSpPr>
+        <a:xfrm>
+          <a:off x="0" y="0"/>
+          <a:ext cx="0" cy="0"/>
+          <a:chOff x="0" y="0"/>
+          <a:chExt cx="0" cy="0"/>
+        </a:xfrm>
+      </p:grpSpPr>
+      <p:sp>
+        <p:nvSpPr>
+          <p:cNvPr id="2" name="Slide Image Placeholder 1"/>
+          <p:cNvSpPr>
+            <a:spLocks noGrp="1" noRot="1" noChangeAspect="1"/>
+          </p:cNvSpPr>
+          <p:nvPr>
+            <p:ph type="sldImg"/>
+          </p:nvPr>
+        </p:nvSpPr>
+        <p:spPr/>
+      </p:sp>
+      <p:sp>
+        <p:nvSpPr>
+          <p:cNvPr id="3" name="Notes Placeholder 2"/>
+          <p:cNvSpPr>
+            <a:spLocks noGrp="1"/>
+          </p:cNvSpPr>
+          <p:nvPr>
+            <p:ph type="body" idx="1"/>
+          </p:nvPr>
+        </p:nvSpPr>
+        <p:spPr/>
+        <p:txBody>
+          <a:bodyPr/>
+          <a:lstStyle/>
+          <a:p>
+            <a:r>
+              <a:rPr lang="hr-HR" dirty="0"/>
+              <a:t>Rezultati za određene parametre. Graf predviđanja generalno čak i prati graf pravih cijena.</a:t>
+            </a:r>
+          </a:p>
+        </p:txBody>
+      </p:sp>
+      <p:sp>
+        <p:nvSpPr>
+          <p:cNvPr id="4" name="Slide Number Placeholder 3"/>
+          <p:cNvSpPr>
+            <a:spLocks noGrp="1"/>
+          </p:cNvSpPr>
+          <p:nvPr>
+            <p:ph type="sldNum" sz="quarter" idx="5"/>
+          </p:nvPr>
+        </p:nvSpPr>
+        <p:spPr/>
+        <p:txBody>
+          <a:bodyPr/>
+          <a:lstStyle/>
+          <a:p>
+            <a:fld id="{52ABE4E5-DEF0-425F-B246-2112215672D0}" type="slidenum">
+              <a:rPr lang="hr-HR" smtClean="0"/>
+              <a:t>11</a:t>
+            </a:fld>
+            <a:endParaRPr lang="hr-HR"/>
+          </a:p>
+        </p:txBody>
+      </p:sp>
+    </p:spTree>
+    <p:extLst>
+      <p:ext uri="{BB962C8B-B14F-4D97-AF65-F5344CB8AC3E}">
+        <p14:creationId xmlns:p14="http://schemas.microsoft.com/office/powerpoint/2010/main" val="3383726918"/>
+      </p:ext>
+    </p:extLst>
+  </p:cSld>
+  <p:clrMapOvr>
+    <a:masterClrMapping/>
+  </p:clrMapOvr>
+</p:notes>
+</file>
+
+<file path=ppt/notesSlides/notesSlide11.xml><?xml version="1.0" encoding="utf-8"?>
+<p:notes xmlns:a="http://schemas.openxmlformats.org/drawingml/2006/main" xmlns:r="http://schemas.openxmlformats.org/officeDocument/2006/relationships" xmlns:p="http://schemas.openxmlformats.org/presentationml/2006/main">
+  <p:cSld>
+    <p:spTree>
+      <p:nvGrpSpPr>
+        <p:cNvPr id="1" name=""/>
+        <p:cNvGrpSpPr/>
+        <p:nvPr/>
+      </p:nvGrpSpPr>
+      <p:grpSpPr>
+        <a:xfrm>
+          <a:off x="0" y="0"/>
+          <a:ext cx="0" cy="0"/>
+          <a:chOff x="0" y="0"/>
+          <a:chExt cx="0" cy="0"/>
+        </a:xfrm>
+      </p:grpSpPr>
+      <p:sp>
+        <p:nvSpPr>
+          <p:cNvPr id="2" name="Slide Image Placeholder 1"/>
+          <p:cNvSpPr>
+            <a:spLocks noGrp="1" noRot="1" noChangeAspect="1"/>
+          </p:cNvSpPr>
+          <p:nvPr>
+            <p:ph type="sldImg"/>
+          </p:nvPr>
+        </p:nvSpPr>
+        <p:spPr/>
+      </p:sp>
+      <p:sp>
+        <p:nvSpPr>
+          <p:cNvPr id="3" name="Notes Placeholder 2"/>
+          <p:cNvSpPr>
+            <a:spLocks noGrp="1"/>
+          </p:cNvSpPr>
+          <p:nvPr>
+            <p:ph type="body" idx="1"/>
+          </p:nvPr>
+        </p:nvSpPr>
+        <p:spPr/>
+        <p:txBody>
+          <a:bodyPr/>
+          <a:lstStyle/>
+          <a:p>
+            <a:endParaRPr lang="hr-HR" dirty="0"/>
+          </a:p>
+        </p:txBody>
+      </p:sp>
+      <p:sp>
+        <p:nvSpPr>
+          <p:cNvPr id="4" name="Slide Number Placeholder 3"/>
+          <p:cNvSpPr>
+            <a:spLocks noGrp="1"/>
+          </p:cNvSpPr>
+          <p:nvPr>
+            <p:ph type="sldNum" sz="quarter" idx="5"/>
+          </p:nvPr>
+        </p:nvSpPr>
+        <p:spPr/>
+        <p:txBody>
+          <a:bodyPr/>
+          <a:lstStyle/>
+          <a:p>
+            <a:fld id="{52ABE4E5-DEF0-425F-B246-2112215672D0}" type="slidenum">
+              <a:rPr lang="hr-HR" smtClean="0"/>
+              <a:t>12</a:t>
+            </a:fld>
+            <a:endParaRPr lang="hr-HR"/>
+          </a:p>
+        </p:txBody>
+      </p:sp>
+    </p:spTree>
+    <p:extLst>
+      <p:ext uri="{BB962C8B-B14F-4D97-AF65-F5344CB8AC3E}">
+        <p14:creationId xmlns:p14="http://schemas.microsoft.com/office/powerpoint/2010/main" val="1696589410"/>
+      </p:ext>
+    </p:extLst>
+  </p:cSld>
+  <p:clrMapOvr>
+    <a:masterClrMapping/>
+  </p:clrMapOvr>
+</p:notes>
+</file>
+
+<file path=ppt/notesSlides/notesSlide12.xml><?xml version="1.0" encoding="utf-8"?>
+<p:notes xmlns:a="http://schemas.openxmlformats.org/drawingml/2006/main" xmlns:r="http://schemas.openxmlformats.org/officeDocument/2006/relationships" xmlns:p="http://schemas.openxmlformats.org/presentationml/2006/main">
+  <p:cSld>
+    <p:spTree>
+      <p:nvGrpSpPr>
+        <p:cNvPr id="1" name=""/>
+        <p:cNvGrpSpPr/>
+        <p:nvPr/>
+      </p:nvGrpSpPr>
+      <p:grpSpPr>
+        <a:xfrm>
+          <a:off x="0" y="0"/>
+          <a:ext cx="0" cy="0"/>
+          <a:chOff x="0" y="0"/>
+          <a:chExt cx="0" cy="0"/>
+        </a:xfrm>
+      </p:grpSpPr>
+      <p:sp>
+        <p:nvSpPr>
+          <p:cNvPr id="2" name="Slide Image Placeholder 1"/>
+          <p:cNvSpPr>
+            <a:spLocks noGrp="1" noRot="1" noChangeAspect="1"/>
+          </p:cNvSpPr>
+          <p:nvPr>
+            <p:ph type="sldImg"/>
+          </p:nvPr>
+        </p:nvSpPr>
+        <p:spPr/>
+      </p:sp>
+      <p:sp>
+        <p:nvSpPr>
+          <p:cNvPr id="3" name="Notes Placeholder 2"/>
+          <p:cNvSpPr>
+            <a:spLocks noGrp="1"/>
+          </p:cNvSpPr>
+          <p:nvPr>
+            <p:ph type="body" idx="1"/>
+          </p:nvPr>
+        </p:nvSpPr>
+        <p:spPr/>
+        <p:txBody>
+          <a:bodyPr/>
+          <a:lstStyle/>
+          <a:p>
+            <a:r>
+              <a:rPr lang="hr-HR" dirty="0"/>
+              <a:t>Rezultati s </a:t>
+            </a:r>
+            <a:r>
+              <a:rPr lang="hr-HR" dirty="0" err="1"/>
+              <a:t>varirajućim</a:t>
+            </a:r>
+            <a:r>
+              <a:rPr lang="hr-HR" dirty="0"/>
+              <a:t> </a:t>
+            </a:r>
+            <a:r>
+              <a:rPr lang="hr-HR" dirty="0" err="1"/>
+              <a:t>batch</a:t>
+            </a:r>
+            <a:r>
+              <a:rPr lang="hr-HR" dirty="0"/>
+              <a:t> </a:t>
+            </a:r>
+            <a:r>
+              <a:rPr lang="hr-HR" dirty="0" err="1"/>
+              <a:t>sizeom</a:t>
+            </a:r>
+            <a:r>
+              <a:rPr lang="hr-HR" dirty="0"/>
+              <a:t>. (32 </a:t>
+            </a:r>
+            <a:r>
+              <a:rPr lang="hr-HR" dirty="0" err="1"/>
+              <a:t>size</a:t>
+            </a:r>
+            <a:r>
+              <a:rPr lang="hr-HR" dirty="0"/>
+              <a:t> optimalan)</a:t>
+            </a:r>
+          </a:p>
+        </p:txBody>
+      </p:sp>
+      <p:sp>
+        <p:nvSpPr>
+          <p:cNvPr id="4" name="Slide Number Placeholder 3"/>
+          <p:cNvSpPr>
+            <a:spLocks noGrp="1"/>
+          </p:cNvSpPr>
+          <p:nvPr>
+            <p:ph type="sldNum" sz="quarter" idx="5"/>
+          </p:nvPr>
+        </p:nvSpPr>
+        <p:spPr/>
+        <p:txBody>
+          <a:bodyPr/>
+          <a:lstStyle/>
+          <a:p>
+            <a:fld id="{52ABE4E5-DEF0-425F-B246-2112215672D0}" type="slidenum">
+              <a:rPr lang="hr-HR" smtClean="0"/>
+              <a:t>13</a:t>
+            </a:fld>
+            <a:endParaRPr lang="hr-HR"/>
+          </a:p>
+        </p:txBody>
+      </p:sp>
+    </p:spTree>
+    <p:extLst>
+      <p:ext uri="{BB962C8B-B14F-4D97-AF65-F5344CB8AC3E}">
+        <p14:creationId xmlns:p14="http://schemas.microsoft.com/office/powerpoint/2010/main" val="3815606011"/>
+      </p:ext>
+    </p:extLst>
+  </p:cSld>
+  <p:clrMapOvr>
+    <a:masterClrMapping/>
+  </p:clrMapOvr>
+</p:notes>
+</file>
+
+<file path=ppt/notesSlides/notesSlide13.xml><?xml version="1.0" encoding="utf-8"?>
+<p:notes xmlns:a="http://schemas.openxmlformats.org/drawingml/2006/main" xmlns:r="http://schemas.openxmlformats.org/officeDocument/2006/relationships" xmlns:p="http://schemas.openxmlformats.org/presentationml/2006/main">
+  <p:cSld>
+    <p:spTree>
+      <p:nvGrpSpPr>
+        <p:cNvPr id="1" name=""/>
+        <p:cNvGrpSpPr/>
+        <p:nvPr/>
+      </p:nvGrpSpPr>
+      <p:grpSpPr>
+        <a:xfrm>
+          <a:off x="0" y="0"/>
+          <a:ext cx="0" cy="0"/>
+          <a:chOff x="0" y="0"/>
+          <a:chExt cx="0" cy="0"/>
+        </a:xfrm>
+      </p:grpSpPr>
+      <p:sp>
+        <p:nvSpPr>
+          <p:cNvPr id="2" name="Slide Image Placeholder 1"/>
+          <p:cNvSpPr>
+            <a:spLocks noGrp="1" noRot="1" noChangeAspect="1"/>
+          </p:cNvSpPr>
+          <p:nvPr>
+            <p:ph type="sldImg"/>
+          </p:nvPr>
+        </p:nvSpPr>
+        <p:spPr/>
+      </p:sp>
+      <p:sp>
+        <p:nvSpPr>
+          <p:cNvPr id="3" name="Notes Placeholder 2"/>
+          <p:cNvSpPr>
+            <a:spLocks noGrp="1"/>
+          </p:cNvSpPr>
+          <p:nvPr>
+            <p:ph type="body" idx="1"/>
+          </p:nvPr>
+        </p:nvSpPr>
+        <p:spPr/>
+        <p:txBody>
+          <a:bodyPr/>
+          <a:lstStyle/>
+          <a:p>
+            <a:r>
+              <a:rPr lang="hr-HR" dirty="0"/>
+              <a:t>Rezultati s </a:t>
+            </a:r>
+            <a:r>
+              <a:rPr lang="hr-HR" dirty="0" err="1"/>
+              <a:t>varirajućom</a:t>
+            </a:r>
+            <a:r>
+              <a:rPr lang="hr-HR" dirty="0"/>
+              <a:t> </a:t>
+            </a:r>
+            <a:r>
+              <a:rPr lang="hr-HR" dirty="0" err="1"/>
+              <a:t>timestep</a:t>
+            </a:r>
+            <a:r>
+              <a:rPr lang="hr-HR" dirty="0"/>
+              <a:t> varijablom. (Zaglađenost)</a:t>
+            </a:r>
+          </a:p>
+        </p:txBody>
+      </p:sp>
+      <p:sp>
+        <p:nvSpPr>
+          <p:cNvPr id="4" name="Slide Number Placeholder 3"/>
+          <p:cNvSpPr>
+            <a:spLocks noGrp="1"/>
+          </p:cNvSpPr>
+          <p:nvPr>
+            <p:ph type="sldNum" sz="quarter" idx="5"/>
+          </p:nvPr>
+        </p:nvSpPr>
+        <p:spPr/>
+        <p:txBody>
+          <a:bodyPr/>
+          <a:lstStyle/>
+          <a:p>
+            <a:fld id="{52ABE4E5-DEF0-425F-B246-2112215672D0}" type="slidenum">
+              <a:rPr lang="hr-HR" smtClean="0"/>
+              <a:t>14</a:t>
+            </a:fld>
+            <a:endParaRPr lang="hr-HR"/>
+          </a:p>
+        </p:txBody>
+      </p:sp>
+    </p:spTree>
+    <p:extLst>
+      <p:ext uri="{BB962C8B-B14F-4D97-AF65-F5344CB8AC3E}">
+        <p14:creationId xmlns:p14="http://schemas.microsoft.com/office/powerpoint/2010/main" val="690641248"/>
+      </p:ext>
+    </p:extLst>
+  </p:cSld>
+  <p:clrMapOvr>
+    <a:masterClrMapping/>
+  </p:clrMapOvr>
+</p:notes>
+</file>
+
+<file path=ppt/notesSlides/notesSlide14.xml><?xml version="1.0" encoding="utf-8"?>
+<p:notes xmlns:a="http://schemas.openxmlformats.org/drawingml/2006/main" xmlns:r="http://schemas.openxmlformats.org/officeDocument/2006/relationships" xmlns:p="http://schemas.openxmlformats.org/presentationml/2006/main">
+  <p:cSld>
+    <p:spTree>
+      <p:nvGrpSpPr>
+        <p:cNvPr id="1" name=""/>
+        <p:cNvGrpSpPr/>
+        <p:nvPr/>
+      </p:nvGrpSpPr>
+      <p:grpSpPr>
+        <a:xfrm>
+          <a:off x="0" y="0"/>
+          <a:ext cx="0" cy="0"/>
+          <a:chOff x="0" y="0"/>
+          <a:chExt cx="0" cy="0"/>
+        </a:xfrm>
+      </p:grpSpPr>
+      <p:sp>
+        <p:nvSpPr>
+          <p:cNvPr id="2" name="Slide Image Placeholder 1"/>
+          <p:cNvSpPr>
+            <a:spLocks noGrp="1" noRot="1" noChangeAspect="1"/>
+          </p:cNvSpPr>
+          <p:nvPr>
+            <p:ph type="sldImg"/>
+          </p:nvPr>
+        </p:nvSpPr>
+        <p:spPr/>
+      </p:sp>
+      <p:sp>
+        <p:nvSpPr>
+          <p:cNvPr id="3" name="Notes Placeholder 2"/>
+          <p:cNvSpPr>
+            <a:spLocks noGrp="1"/>
+          </p:cNvSpPr>
+          <p:nvPr>
+            <p:ph type="body" idx="1"/>
+          </p:nvPr>
+        </p:nvSpPr>
+        <p:spPr/>
+        <p:txBody>
+          <a:bodyPr/>
+          <a:lstStyle/>
+          <a:p>
+            <a:r>
+              <a:rPr lang="hr-HR" dirty="0"/>
+              <a:t>Rezultati s </a:t>
+            </a:r>
+            <a:r>
+              <a:rPr lang="hr-HR" dirty="0" err="1"/>
+              <a:t>varirajućom</a:t>
+            </a:r>
+            <a:r>
+              <a:rPr lang="hr-HR" dirty="0"/>
+              <a:t> </a:t>
+            </a:r>
+            <a:r>
+              <a:rPr lang="hr-HR" dirty="0" err="1"/>
+              <a:t>epochs</a:t>
+            </a:r>
+            <a:r>
+              <a:rPr lang="hr-HR" dirty="0"/>
+              <a:t> varijablom. (7, 8 optimalno). </a:t>
+            </a:r>
+            <a:r>
+              <a:rPr lang="hr-HR" dirty="0" err="1"/>
+              <a:t>Epochs</a:t>
+            </a:r>
+            <a:r>
+              <a:rPr lang="hr-HR" dirty="0"/>
+              <a:t> određuje koliko puta ćemo provući isti skup podataka za učenje.</a:t>
+            </a:r>
+          </a:p>
+        </p:txBody>
+      </p:sp>
+      <p:sp>
+        <p:nvSpPr>
+          <p:cNvPr id="4" name="Slide Number Placeholder 3"/>
+          <p:cNvSpPr>
+            <a:spLocks noGrp="1"/>
+          </p:cNvSpPr>
+          <p:nvPr>
+            <p:ph type="sldNum" sz="quarter" idx="5"/>
+          </p:nvPr>
+        </p:nvSpPr>
+        <p:spPr/>
+        <p:txBody>
+          <a:bodyPr/>
+          <a:lstStyle/>
+          <a:p>
+            <a:fld id="{52ABE4E5-DEF0-425F-B246-2112215672D0}" type="slidenum">
+              <a:rPr lang="hr-HR" smtClean="0"/>
+              <a:t>15</a:t>
+            </a:fld>
+            <a:endParaRPr lang="hr-HR"/>
+          </a:p>
+        </p:txBody>
+      </p:sp>
+    </p:spTree>
+    <p:extLst>
+      <p:ext uri="{BB962C8B-B14F-4D97-AF65-F5344CB8AC3E}">
+        <p14:creationId xmlns:p14="http://schemas.microsoft.com/office/powerpoint/2010/main" val="274240322"/>
+      </p:ext>
+    </p:extLst>
+  </p:cSld>
+  <p:clrMapOvr>
+    <a:masterClrMapping/>
+  </p:clrMapOvr>
+</p:notes>
+</file>
+
+<file path=ppt/notesSlides/notesSlide15.xml><?xml version="1.0" encoding="utf-8"?>
+<p:notes xmlns:a="http://schemas.openxmlformats.org/drawingml/2006/main" xmlns:r="http://schemas.openxmlformats.org/officeDocument/2006/relationships" xmlns:p="http://schemas.openxmlformats.org/presentationml/2006/main">
+  <p:cSld>
+    <p:spTree>
+      <p:nvGrpSpPr>
+        <p:cNvPr id="1" name=""/>
+        <p:cNvGrpSpPr/>
+        <p:nvPr/>
+      </p:nvGrpSpPr>
+      <p:grpSpPr>
+        <a:xfrm>
+          <a:off x="0" y="0"/>
+          <a:ext cx="0" cy="0"/>
+          <a:chOff x="0" y="0"/>
+          <a:chExt cx="0" cy="0"/>
+        </a:xfrm>
+      </p:grpSpPr>
+      <p:sp>
+        <p:nvSpPr>
+          <p:cNvPr id="2" name="Slide Image Placeholder 1"/>
+          <p:cNvSpPr>
+            <a:spLocks noGrp="1" noRot="1" noChangeAspect="1"/>
+          </p:cNvSpPr>
+          <p:nvPr>
+            <p:ph type="sldImg"/>
+          </p:nvPr>
+        </p:nvSpPr>
+        <p:spPr/>
+      </p:sp>
+      <p:sp>
+        <p:nvSpPr>
+          <p:cNvPr id="3" name="Notes Placeholder 2"/>
+          <p:cNvSpPr>
+            <a:spLocks noGrp="1"/>
+          </p:cNvSpPr>
+          <p:nvPr>
+            <p:ph type="body" idx="1"/>
+          </p:nvPr>
+        </p:nvSpPr>
+        <p:spPr/>
+        <p:txBody>
+          <a:bodyPr/>
+          <a:lstStyle/>
+          <a:p>
+            <a:r>
+              <a:rPr lang="hr-HR" dirty="0"/>
+              <a:t>Rezultati modela predviđanja sa svojim vlastitim vrijednostima.</a:t>
+            </a:r>
+          </a:p>
+        </p:txBody>
+      </p:sp>
+      <p:sp>
+        <p:nvSpPr>
+          <p:cNvPr id="4" name="Slide Number Placeholder 3"/>
+          <p:cNvSpPr>
+            <a:spLocks noGrp="1"/>
+          </p:cNvSpPr>
+          <p:nvPr>
+            <p:ph type="sldNum" sz="quarter" idx="5"/>
+          </p:nvPr>
+        </p:nvSpPr>
+        <p:spPr/>
+        <p:txBody>
+          <a:bodyPr/>
+          <a:lstStyle/>
+          <a:p>
+            <a:fld id="{52ABE4E5-DEF0-425F-B246-2112215672D0}" type="slidenum">
+              <a:rPr lang="hr-HR" smtClean="0"/>
+              <a:t>16</a:t>
+            </a:fld>
+            <a:endParaRPr lang="hr-HR"/>
+          </a:p>
+        </p:txBody>
+      </p:sp>
+    </p:spTree>
+    <p:extLst>
+      <p:ext uri="{BB962C8B-B14F-4D97-AF65-F5344CB8AC3E}">
+        <p14:creationId xmlns:p14="http://schemas.microsoft.com/office/powerpoint/2010/main" val="429040577"/>
+      </p:ext>
+    </p:extLst>
+  </p:cSld>
+  <p:clrMapOvr>
+    <a:masterClrMapping/>
+  </p:clrMapOvr>
+</p:notes>
+</file>
+
+<file path=ppt/notesSlides/notesSlide16.xml><?xml version="1.0" encoding="utf-8"?>
+<p:notes xmlns:a="http://schemas.openxmlformats.org/drawingml/2006/main" xmlns:r="http://schemas.openxmlformats.org/officeDocument/2006/relationships" xmlns:p="http://schemas.openxmlformats.org/presentationml/2006/main">
+  <p:cSld>
+    <p:spTree>
+      <p:nvGrpSpPr>
+        <p:cNvPr id="1" name=""/>
+        <p:cNvGrpSpPr/>
+        <p:nvPr/>
+      </p:nvGrpSpPr>
+      <p:grpSpPr>
+        <a:xfrm>
+          <a:off x="0" y="0"/>
+          <a:ext cx="0" cy="0"/>
+          <a:chOff x="0" y="0"/>
+          <a:chExt cx="0" cy="0"/>
+        </a:xfrm>
+      </p:grpSpPr>
+      <p:sp>
+        <p:nvSpPr>
+          <p:cNvPr id="2" name="Slide Image Placeholder 1"/>
+          <p:cNvSpPr>
+            <a:spLocks noGrp="1" noRot="1" noChangeAspect="1"/>
+          </p:cNvSpPr>
+          <p:nvPr>
+            <p:ph type="sldImg"/>
+          </p:nvPr>
+        </p:nvSpPr>
+        <p:spPr/>
+      </p:sp>
+      <p:sp>
+        <p:nvSpPr>
+          <p:cNvPr id="3" name="Notes Placeholder 2"/>
+          <p:cNvSpPr>
+            <a:spLocks noGrp="1"/>
+          </p:cNvSpPr>
+          <p:nvPr>
+            <p:ph type="body" idx="1"/>
+          </p:nvPr>
+        </p:nvSpPr>
+        <p:spPr/>
+        <p:txBody>
+          <a:bodyPr/>
+          <a:lstStyle/>
+          <a:p>
+            <a:r>
+              <a:rPr lang="hr-HR" dirty="0"/>
+              <a:t>Cijene uzimane za predviđanje su uglavnom bile od Meta dionica, pošto je Meta generalno stabilna, za neke druge dionice su rezultati uglavnom i gori. Iako su predviđanja bila loša, LSTM za predviđanje možemo pokušati koristiti, ali bi najbolje bilo da su to neki kraći rasponi koje uzimamo u obzir. Predviđanja modela gdje koristi vlastita predviđanja za nadolazeće dane je ispao jako loš, njega bi trebalo izbjegavati. Kao odgovor na pitanje kako poboljšati sustav, trebalo bi na neki način uvesti kako će vanjski faktori više utjecati na predviđanje nevezano uz čiste podatke. Spajati se na Twitter API i potencijalno uzimati u obzir </a:t>
+            </a:r>
+            <a:r>
+              <a:rPr lang="hr-HR" dirty="0" err="1"/>
+              <a:t>tweetove</a:t>
+            </a:r>
+            <a:r>
+              <a:rPr lang="hr-HR" dirty="0"/>
+              <a:t>, </a:t>
+            </a:r>
+            <a:r>
+              <a:rPr lang="hr-HR" dirty="0" err="1"/>
+              <a:t>webscrapeati</a:t>
+            </a:r>
+            <a:r>
+              <a:rPr lang="hr-HR" dirty="0"/>
+              <a:t> članke koje pišu o određenim tvrtkama, pratiti inflaciju, omjer potražnje i opskrbe, pratiti trendove online kupovine.</a:t>
+            </a:r>
+          </a:p>
+        </p:txBody>
+      </p:sp>
+      <p:sp>
+        <p:nvSpPr>
+          <p:cNvPr id="4" name="Slide Number Placeholder 3"/>
+          <p:cNvSpPr>
+            <a:spLocks noGrp="1"/>
+          </p:cNvSpPr>
+          <p:nvPr>
+            <p:ph type="sldNum" sz="quarter" idx="5"/>
+          </p:nvPr>
+        </p:nvSpPr>
+        <p:spPr/>
+        <p:txBody>
+          <a:bodyPr/>
+          <a:lstStyle/>
+          <a:p>
+            <a:fld id="{52ABE4E5-DEF0-425F-B246-2112215672D0}" type="slidenum">
+              <a:rPr lang="hr-HR" smtClean="0"/>
+              <a:t>17</a:t>
+            </a:fld>
+            <a:endParaRPr lang="hr-HR"/>
+          </a:p>
+        </p:txBody>
+      </p:sp>
+    </p:spTree>
+    <p:extLst>
+      <p:ext uri="{BB962C8B-B14F-4D97-AF65-F5344CB8AC3E}">
+        <p14:creationId xmlns:p14="http://schemas.microsoft.com/office/powerpoint/2010/main" val="1367659866"/>
+      </p:ext>
+    </p:extLst>
+  </p:cSld>
+  <p:clrMapOvr>
+    <a:masterClrMapping/>
+  </p:clrMapOvr>
+</p:notes>
+</file>
+
+<file path=ppt/notesSlides/notesSlide17.xml><?xml version="1.0" encoding="utf-8"?>
+<p:notes xmlns:a="http://schemas.openxmlformats.org/drawingml/2006/main" xmlns:r="http://schemas.openxmlformats.org/officeDocument/2006/relationships" xmlns:p="http://schemas.openxmlformats.org/presentationml/2006/main">
+  <p:cSld>
+    <p:spTree>
+      <p:nvGrpSpPr>
+        <p:cNvPr id="1" name=""/>
+        <p:cNvGrpSpPr/>
+        <p:nvPr/>
+      </p:nvGrpSpPr>
+      <p:grpSpPr>
+        <a:xfrm>
+          <a:off x="0" y="0"/>
+          <a:ext cx="0" cy="0"/>
+          <a:chOff x="0" y="0"/>
+          <a:chExt cx="0" cy="0"/>
+        </a:xfrm>
+      </p:grpSpPr>
+      <p:sp>
+        <p:nvSpPr>
+          <p:cNvPr id="2" name="Slide Image Placeholder 1"/>
+          <p:cNvSpPr>
+            <a:spLocks noGrp="1" noRot="1" noChangeAspect="1"/>
+          </p:cNvSpPr>
+          <p:nvPr>
+            <p:ph type="sldImg"/>
+          </p:nvPr>
+        </p:nvSpPr>
+        <p:spPr/>
+      </p:sp>
+      <p:sp>
+        <p:nvSpPr>
+          <p:cNvPr id="3" name="Notes Placeholder 2"/>
+          <p:cNvSpPr>
+            <a:spLocks noGrp="1"/>
+          </p:cNvSpPr>
+          <p:nvPr>
+            <p:ph type="body" idx="1"/>
+          </p:nvPr>
+        </p:nvSpPr>
+        <p:spPr/>
+        <p:txBody>
+          <a:bodyPr/>
+          <a:lstStyle/>
+          <a:p>
+            <a:endParaRPr lang="hr-HR" dirty="0"/>
+          </a:p>
+        </p:txBody>
+      </p:sp>
+      <p:sp>
+        <p:nvSpPr>
+          <p:cNvPr id="4" name="Slide Number Placeholder 3"/>
+          <p:cNvSpPr>
+            <a:spLocks noGrp="1"/>
+          </p:cNvSpPr>
+          <p:nvPr>
+            <p:ph type="sldNum" sz="quarter" idx="5"/>
+          </p:nvPr>
+        </p:nvSpPr>
+        <p:spPr/>
+        <p:txBody>
+          <a:bodyPr/>
+          <a:lstStyle/>
+          <a:p>
+            <a:fld id="{52ABE4E5-DEF0-425F-B246-2112215672D0}" type="slidenum">
+              <a:rPr lang="hr-HR" smtClean="0"/>
+              <a:t>18</a:t>
+            </a:fld>
+            <a:endParaRPr lang="hr-HR"/>
+          </a:p>
+        </p:txBody>
+      </p:sp>
+    </p:spTree>
+    <p:extLst>
+      <p:ext uri="{BB962C8B-B14F-4D97-AF65-F5344CB8AC3E}">
+        <p14:creationId xmlns:p14="http://schemas.microsoft.com/office/powerpoint/2010/main" val="2108661185"/>
+      </p:ext>
+    </p:extLst>
+  </p:cSld>
+  <p:clrMapOvr>
+    <a:masterClrMapping/>
+  </p:clrMapOvr>
+</p:notes>
+</file>
+
 <file path=ppt/notesSlides/notesSlide2.xml><?xml version="1.0" encoding="utf-8"?>
 <p:notes xmlns:a="http://schemas.openxmlformats.org/drawingml/2006/main" xmlns:r="http://schemas.openxmlformats.org/officeDocument/2006/relationships" xmlns:p="http://schemas.openxmlformats.org/presentationml/2006/main">
   <p:cSld>
@@ -949,7 +1735,39 @@
             </a:r>
             <a:r>
               <a:rPr lang="hr-HR" dirty="0"/>
-              <a:t> aktivacijsku funkciju.</a:t>
+              <a:t> aktivacijsku funkciju. Funkcija input gate odlučuje hoćemo li ažurirati ćeliju, funkcija </a:t>
+            </a:r>
+            <a:r>
+              <a:rPr lang="hr-HR" dirty="0" err="1"/>
+              <a:t>forget</a:t>
+            </a:r>
+            <a:r>
+              <a:rPr lang="hr-HR" dirty="0"/>
+              <a:t> gate koja odlučuje koliko primjenjujemo prethodno stanje i funkcija output gate koju </a:t>
+            </a:r>
+            <a:r>
+              <a:rPr lang="hr-HR" dirty="0" err="1"/>
+              <a:t>primjenjuemo</a:t>
+            </a:r>
+            <a:r>
+              <a:rPr lang="hr-HR" dirty="0"/>
+              <a:t> na </a:t>
+            </a:r>
+            <a:r>
+              <a:rPr lang="hr-HR" dirty="0" err="1"/>
+              <a:t>hidden</a:t>
+            </a:r>
+            <a:r>
+              <a:rPr lang="hr-HR" dirty="0"/>
+              <a:t> </a:t>
+            </a:r>
+            <a:r>
+              <a:rPr lang="hr-HR" dirty="0" err="1"/>
+              <a:t>state</a:t>
+            </a:r>
+            <a:r>
+              <a:rPr lang="hr-HR" dirty="0"/>
+              <a:t>. </a:t>
             </a:r>
           </a:p>
         </p:txBody>
@@ -1175,7 +1993,23 @@
           <a:p>
             <a:r>
               <a:rPr lang="hr-HR" dirty="0"/>
-              <a:t>Izgled mreže, cilj je da mi koristimo određeni broj dana unazad da bi odredili jedan dan.</a:t>
+              <a:t>Izgled mreže, cilj je da mi koristimo određeni broj dana unazad da bi odredili jedan dan. </a:t>
+            </a:r>
+            <a:r>
+              <a:rPr lang="hr-HR" dirty="0" err="1"/>
+              <a:t>Return</a:t>
+            </a:r>
+            <a:r>
+              <a:rPr lang="hr-HR" dirty="0"/>
+              <a:t> </a:t>
+            </a:r>
+            <a:r>
+              <a:rPr lang="hr-HR" dirty="0" err="1"/>
+              <a:t>sequences</a:t>
+            </a:r>
+            <a:r>
+              <a:rPr lang="hr-HR" dirty="0"/>
+              <a:t> odlučuje vraća li zadnji izlaz ili cijeli slijed.</a:t>
             </a:r>
           </a:p>
         </p:txBody>
@@ -1285,10 +2119,9 @@
               <a:t>close</a:t>
             </a:r>
             <a:r>
-              <a:rPr lang="hr-HR"/>
+              <a:rPr lang="hr-HR" dirty="0"/>
               <a:t> i datume.</a:t>
             </a:r>
-            <a:endParaRPr lang="hr-HR" dirty="0"/>
           </a:p>
         </p:txBody>
       </p:sp>
@@ -1489,7 +2322,7 @@
     </p:spTree>
     <p:extLst>
       <p:ext uri="{BB962C8B-B14F-4D97-AF65-F5344CB8AC3E}">
-        <p14:creationId xmlns:p14="http://schemas.microsoft.com/office/powerpoint/2010/main" val="3383726918"/>
+        <p14:creationId xmlns:p14="http://schemas.microsoft.com/office/powerpoint/2010/main" val="1588549554"/>
       </p:ext>
     </p:extLst>
   </p:cSld>
@@ -1549,7 +2382,7 @@
           <a:noFill/>
           <a:extLst>
             <a:ext uri="{909E8E84-426E-40dd-AFC4-6F175D3DCCD1}">
-              <a14:hiddenFill xmlns="" xmlns:a14="http://schemas.microsoft.com/office/drawing/2010/main">
+              <a14:hiddenFill xmlns:a14="http://schemas.microsoft.com/office/drawing/2010/main" xmlns="">
                 <a:solidFill>
                   <a:srgbClr val="FFFFFF"/>
                 </a:solidFill>
@@ -1609,7 +2442,7 @@
             </a:ln>
             <a:extLst>
               <a:ext uri="{91240B29-F687-4f45-9708-019B960494DF}">
-                <a14:hiddenLine xmlns="" xmlns:a14="http://schemas.microsoft.com/office/drawing/2010/main" w="9525">
+                <a14:hiddenLine xmlns:a14="http://schemas.microsoft.com/office/drawing/2010/main" xmlns="" w="9525">
                   <a:solidFill>
                     <a:srgbClr val="000000"/>
                   </a:solidFill>
@@ -1699,7 +2532,7 @@
             </a:ln>
             <a:extLst>
               <a:ext uri="{91240B29-F687-4f45-9708-019B960494DF}">
-                <a14:hiddenLine xmlns="" xmlns:a14="http://schemas.microsoft.com/office/drawing/2010/main" w="9525">
+                <a14:hiddenLine xmlns:a14="http://schemas.microsoft.com/office/drawing/2010/main" xmlns="" w="9525">
                   <a:solidFill>
                     <a:srgbClr val="000000"/>
                   </a:solidFill>
@@ -1789,7 +2622,7 @@
             </a:ln>
             <a:extLst>
               <a:ext uri="{91240B29-F687-4f45-9708-019B960494DF}">
-                <a14:hiddenLine xmlns="" xmlns:a14="http://schemas.microsoft.com/office/drawing/2010/main" w="9525">
+                <a14:hiddenLine xmlns:a14="http://schemas.microsoft.com/office/drawing/2010/main" xmlns="" w="9525">
                   <a:solidFill>
                     <a:srgbClr val="000000"/>
                   </a:solidFill>
@@ -1823,7 +2656,7 @@
             </a:ln>
             <a:extLst>
               <a:ext uri="{91240B29-F687-4f45-9708-019B960494DF}">
-                <a14:hiddenLine xmlns="" xmlns:a14="http://schemas.microsoft.com/office/drawing/2010/main" w="9525">
+                <a14:hiddenLine xmlns:a14="http://schemas.microsoft.com/office/drawing/2010/main" xmlns="" w="9525">
                   <a:solidFill>
                     <a:srgbClr val="000000"/>
                   </a:solidFill>
@@ -1913,7 +2746,7 @@
             </a:ln>
             <a:extLst>
               <a:ext uri="{91240B29-F687-4f45-9708-019B960494DF}">
-                <a14:hiddenLine xmlns="" xmlns:a14="http://schemas.microsoft.com/office/drawing/2010/main" w="9525">
+                <a14:hiddenLine xmlns:a14="http://schemas.microsoft.com/office/drawing/2010/main" xmlns="" w="9525">
                   <a:solidFill>
                     <a:srgbClr val="000000"/>
                   </a:solidFill>
@@ -1975,7 +2808,7 @@
             </a:ln>
             <a:extLst>
               <a:ext uri="{91240B29-F687-4f45-9708-019B960494DF}">
-                <a14:hiddenLine xmlns="" xmlns:a14="http://schemas.microsoft.com/office/drawing/2010/main" w="9525">
+                <a14:hiddenLine xmlns:a14="http://schemas.microsoft.com/office/drawing/2010/main" xmlns="" w="9525">
                   <a:solidFill>
                     <a:srgbClr val="000000"/>
                   </a:solidFill>
@@ -2037,7 +2870,7 @@
             </a:ln>
             <a:extLst>
               <a:ext uri="{91240B29-F687-4f45-9708-019B960494DF}">
-                <a14:hiddenLine xmlns="" xmlns:a14="http://schemas.microsoft.com/office/drawing/2010/main" w="9525">
+                <a14:hiddenLine xmlns:a14="http://schemas.microsoft.com/office/drawing/2010/main" xmlns="" w="9525">
                   <a:solidFill>
                     <a:srgbClr val="000000"/>
                   </a:solidFill>
@@ -2127,7 +2960,7 @@
             </a:ln>
             <a:extLst>
               <a:ext uri="{91240B29-F687-4f45-9708-019B960494DF}">
-                <a14:hiddenLine xmlns="" xmlns:a14="http://schemas.microsoft.com/office/drawing/2010/main" w="9525">
+                <a14:hiddenLine xmlns:a14="http://schemas.microsoft.com/office/drawing/2010/main" xmlns="" w="9525">
                   <a:solidFill>
                     <a:srgbClr val="000000"/>
                   </a:solidFill>
@@ -2189,7 +3022,7 @@
             </a:ln>
             <a:extLst>
               <a:ext uri="{91240B29-F687-4f45-9708-019B960494DF}">
-                <a14:hiddenLine xmlns="" xmlns:a14="http://schemas.microsoft.com/office/drawing/2010/main" w="9525">
+                <a14:hiddenLine xmlns:a14="http://schemas.microsoft.com/office/drawing/2010/main" xmlns="" w="9525">
                   <a:solidFill>
                     <a:srgbClr val="000000"/>
                   </a:solidFill>
@@ -2251,7 +3084,7 @@
             </a:ln>
             <a:extLst>
               <a:ext uri="{91240B29-F687-4f45-9708-019B960494DF}">
-                <a14:hiddenLine xmlns="" xmlns:a14="http://schemas.microsoft.com/office/drawing/2010/main" w="9525">
+                <a14:hiddenLine xmlns:a14="http://schemas.microsoft.com/office/drawing/2010/main" xmlns="" w="9525">
                   <a:solidFill>
                     <a:srgbClr val="000000"/>
                   </a:solidFill>
@@ -2341,7 +3174,7 @@
             </a:ln>
             <a:extLst>
               <a:ext uri="{91240B29-F687-4f45-9708-019B960494DF}">
-                <a14:hiddenLine xmlns="" xmlns:a14="http://schemas.microsoft.com/office/drawing/2010/main" w="9525">
+                <a14:hiddenLine xmlns:a14="http://schemas.microsoft.com/office/drawing/2010/main" xmlns="" w="9525">
                   <a:solidFill>
                     <a:srgbClr val="000000"/>
                   </a:solidFill>
@@ -2431,7 +3264,7 @@
             </a:ln>
             <a:extLst>
               <a:ext uri="{91240B29-F687-4f45-9708-019B960494DF}">
-                <a14:hiddenLine xmlns="" xmlns:a14="http://schemas.microsoft.com/office/drawing/2010/main" w="9525">
+                <a14:hiddenLine xmlns:a14="http://schemas.microsoft.com/office/drawing/2010/main" xmlns="" w="9525">
                   <a:solidFill>
                     <a:srgbClr val="000000"/>
                   </a:solidFill>
@@ -2493,7 +3326,7 @@
             </a:ln>
             <a:extLst>
               <a:ext uri="{91240B29-F687-4f45-9708-019B960494DF}">
-                <a14:hiddenLine xmlns="" xmlns:a14="http://schemas.microsoft.com/office/drawing/2010/main" w="9525">
+                <a14:hiddenLine xmlns:a14="http://schemas.microsoft.com/office/drawing/2010/main" xmlns="" w="9525">
                   <a:solidFill>
                     <a:srgbClr val="000000"/>
                   </a:solidFill>
@@ -2603,7 +3436,7 @@
             </a:ln>
             <a:extLst>
               <a:ext uri="{91240B29-F687-4f45-9708-019B960494DF}">
-                <a14:hiddenLine xmlns="" xmlns:a14="http://schemas.microsoft.com/office/drawing/2010/main" w="9525">
+                <a14:hiddenLine xmlns:a14="http://schemas.microsoft.com/office/drawing/2010/main" xmlns="" w="9525">
                   <a:solidFill>
                     <a:srgbClr val="000000"/>
                   </a:solidFill>
@@ -2665,7 +3498,7 @@
             </a:ln>
             <a:extLst>
               <a:ext uri="{91240B29-F687-4f45-9708-019B960494DF}">
-                <a14:hiddenLine xmlns="" xmlns:a14="http://schemas.microsoft.com/office/drawing/2010/main" w="9525">
+                <a14:hiddenLine xmlns:a14="http://schemas.microsoft.com/office/drawing/2010/main" xmlns="" w="9525">
                   <a:solidFill>
                     <a:srgbClr val="000000"/>
                   </a:solidFill>
@@ -2755,7 +3588,7 @@
             </a:ln>
             <a:extLst>
               <a:ext uri="{91240B29-F687-4f45-9708-019B960494DF}">
-                <a14:hiddenLine xmlns="" xmlns:a14="http://schemas.microsoft.com/office/drawing/2010/main" w="9525">
+                <a14:hiddenLine xmlns:a14="http://schemas.microsoft.com/office/drawing/2010/main" xmlns="" w="9525">
                   <a:solidFill>
                     <a:srgbClr val="000000"/>
                   </a:solidFill>
@@ -2845,7 +3678,7 @@
             </a:ln>
             <a:extLst>
               <a:ext uri="{91240B29-F687-4f45-9708-019B960494DF}">
-                <a14:hiddenLine xmlns="" xmlns:a14="http://schemas.microsoft.com/office/drawing/2010/main" w="9525">
+                <a14:hiddenLine xmlns:a14="http://schemas.microsoft.com/office/drawing/2010/main" xmlns="" w="9525">
                   <a:solidFill>
                     <a:srgbClr val="000000"/>
                   </a:solidFill>
@@ -2907,7 +3740,7 @@
             </a:ln>
             <a:extLst>
               <a:ext uri="{91240B29-F687-4f45-9708-019B960494DF}">
-                <a14:hiddenLine xmlns="" xmlns:a14="http://schemas.microsoft.com/office/drawing/2010/main" w="9525">
+                <a14:hiddenLine xmlns:a14="http://schemas.microsoft.com/office/drawing/2010/main" xmlns="" w="9525">
                   <a:solidFill>
                     <a:srgbClr val="000000"/>
                   </a:solidFill>
@@ -2997,7 +3830,7 @@
             </a:ln>
             <a:extLst>
               <a:ext uri="{91240B29-F687-4f45-9708-019B960494DF}">
-                <a14:hiddenLine xmlns="" xmlns:a14="http://schemas.microsoft.com/office/drawing/2010/main" w="9525">
+                <a14:hiddenLine xmlns:a14="http://schemas.microsoft.com/office/drawing/2010/main" xmlns="" w="9525">
                   <a:solidFill>
                     <a:srgbClr val="000000"/>
                   </a:solidFill>
@@ -3087,7 +3920,7 @@
             </a:ln>
             <a:extLst>
               <a:ext uri="{91240B29-F687-4f45-9708-019B960494DF}">
-                <a14:hiddenLine xmlns="" xmlns:a14="http://schemas.microsoft.com/office/drawing/2010/main" w="9525">
+                <a14:hiddenLine xmlns:a14="http://schemas.microsoft.com/office/drawing/2010/main" xmlns="" w="9525">
                   <a:solidFill>
                     <a:srgbClr val="000000"/>
                   </a:solidFill>
@@ -3143,7 +3976,7 @@
             </a:ln>
             <a:extLst>
               <a:ext uri="{91240B29-F687-4f45-9708-019B960494DF}">
-                <a14:hiddenLine xmlns="" xmlns:a14="http://schemas.microsoft.com/office/drawing/2010/main" w="9525">
+                <a14:hiddenLine xmlns:a14="http://schemas.microsoft.com/office/drawing/2010/main" xmlns="" w="9525">
                   <a:solidFill>
                     <a:srgbClr val="000000"/>
                   </a:solidFill>
@@ -3233,7 +4066,7 @@
             </a:ln>
             <a:extLst>
               <a:ext uri="{91240B29-F687-4f45-9708-019B960494DF}">
-                <a14:hiddenLine xmlns="" xmlns:a14="http://schemas.microsoft.com/office/drawing/2010/main" w="9525">
+                <a14:hiddenLine xmlns:a14="http://schemas.microsoft.com/office/drawing/2010/main" xmlns="" w="9525">
                   <a:solidFill>
                     <a:srgbClr val="000000"/>
                   </a:solidFill>
@@ -3289,7 +4122,7 @@
             </a:ln>
             <a:extLst>
               <a:ext uri="{91240B29-F687-4f45-9708-019B960494DF}">
-                <a14:hiddenLine xmlns="" xmlns:a14="http://schemas.microsoft.com/office/drawing/2010/main" w="9525">
+                <a14:hiddenLine xmlns:a14="http://schemas.microsoft.com/office/drawing/2010/main" xmlns="" w="9525">
                   <a:solidFill>
                     <a:srgbClr val="000000"/>
                   </a:solidFill>
@@ -3379,7 +4212,7 @@
             </a:ln>
             <a:extLst>
               <a:ext uri="{91240B29-F687-4f45-9708-019B960494DF}">
-                <a14:hiddenLine xmlns="" xmlns:a14="http://schemas.microsoft.com/office/drawing/2010/main" w="9525">
+                <a14:hiddenLine xmlns:a14="http://schemas.microsoft.com/office/drawing/2010/main" xmlns="" w="9525">
                   <a:solidFill>
                     <a:srgbClr val="000000"/>
                   </a:solidFill>
@@ -3447,7 +4280,7 @@
             </a:ln>
             <a:extLst>
               <a:ext uri="{91240B29-F687-4f45-9708-019B960494DF}">
-                <a14:hiddenLine xmlns="" xmlns:a14="http://schemas.microsoft.com/office/drawing/2010/main" w="9525">
+                <a14:hiddenLine xmlns:a14="http://schemas.microsoft.com/office/drawing/2010/main" xmlns="" w="9525">
                   <a:solidFill>
                     <a:srgbClr val="000000"/>
                   </a:solidFill>
@@ -3537,7 +4370,7 @@
             </a:ln>
             <a:extLst>
               <a:ext uri="{91240B29-F687-4f45-9708-019B960494DF}">
-                <a14:hiddenLine xmlns="" xmlns:a14="http://schemas.microsoft.com/office/drawing/2010/main" w="9525">
+                <a14:hiddenLine xmlns:a14="http://schemas.microsoft.com/office/drawing/2010/main" xmlns="" w="9525">
                   <a:solidFill>
                     <a:srgbClr val="000000"/>
                   </a:solidFill>
@@ -3605,7 +4438,7 @@
             </a:ln>
             <a:extLst>
               <a:ext uri="{91240B29-F687-4f45-9708-019B960494DF}">
-                <a14:hiddenLine xmlns="" xmlns:a14="http://schemas.microsoft.com/office/drawing/2010/main" w="9525">
+                <a14:hiddenLine xmlns:a14="http://schemas.microsoft.com/office/drawing/2010/main" xmlns="" w="9525">
                   <a:solidFill>
                     <a:srgbClr val="000000"/>
                   </a:solidFill>
@@ -3695,7 +4528,7 @@
             </a:ln>
             <a:extLst>
               <a:ext uri="{91240B29-F687-4f45-9708-019B960494DF}">
-                <a14:hiddenLine xmlns="" xmlns:a14="http://schemas.microsoft.com/office/drawing/2010/main" w="9525">
+                <a14:hiddenLine xmlns:a14="http://schemas.microsoft.com/office/drawing/2010/main" xmlns="" w="9525">
                   <a:solidFill>
                     <a:srgbClr val="000000"/>
                   </a:solidFill>
@@ -3729,7 +4562,7 @@
             </a:ln>
             <a:extLst>
               <a:ext uri="{91240B29-F687-4f45-9708-019B960494DF}">
-                <a14:hiddenLine xmlns="" xmlns:a14="http://schemas.microsoft.com/office/drawing/2010/main" w="9525">
+                <a14:hiddenLine xmlns:a14="http://schemas.microsoft.com/office/drawing/2010/main" xmlns="" w="9525">
                   <a:solidFill>
                     <a:srgbClr val="000000"/>
                   </a:solidFill>
@@ -3819,7 +4652,7 @@
             </a:ln>
             <a:extLst>
               <a:ext uri="{91240B29-F687-4f45-9708-019B960494DF}">
-                <a14:hiddenLine xmlns="" xmlns:a14="http://schemas.microsoft.com/office/drawing/2010/main" w="9525">
+                <a14:hiddenLine xmlns:a14="http://schemas.microsoft.com/office/drawing/2010/main" xmlns="" w="9525">
                   <a:solidFill>
                     <a:srgbClr val="000000"/>
                   </a:solidFill>
@@ -3881,7 +4714,7 @@
             </a:ln>
             <a:extLst>
               <a:ext uri="{91240B29-F687-4f45-9708-019B960494DF}">
-                <a14:hiddenLine xmlns="" xmlns:a14="http://schemas.microsoft.com/office/drawing/2010/main" w="9525">
+                <a14:hiddenLine xmlns:a14="http://schemas.microsoft.com/office/drawing/2010/main" xmlns="" w="9525">
                   <a:solidFill>
                     <a:srgbClr val="000000"/>
                   </a:solidFill>
@@ -3943,7 +4776,7 @@
             </a:ln>
             <a:extLst>
               <a:ext uri="{91240B29-F687-4f45-9708-019B960494DF}">
-                <a14:hiddenLine xmlns="" xmlns:a14="http://schemas.microsoft.com/office/drawing/2010/main" w="9525">
+                <a14:hiddenLine xmlns:a14="http://schemas.microsoft.com/office/drawing/2010/main" xmlns="" w="9525">
                   <a:solidFill>
                     <a:srgbClr val="000000"/>
                   </a:solidFill>
@@ -4033,7 +4866,7 @@
             </a:ln>
             <a:extLst>
               <a:ext uri="{91240B29-F687-4f45-9708-019B960494DF}">
-                <a14:hiddenLine xmlns="" xmlns:a14="http://schemas.microsoft.com/office/drawing/2010/main" w="9525">
+                <a14:hiddenLine xmlns:a14="http://schemas.microsoft.com/office/drawing/2010/main" xmlns="" w="9525">
                   <a:solidFill>
                     <a:srgbClr val="000000"/>
                   </a:solidFill>
@@ -4101,7 +4934,7 @@
             </a:ln>
             <a:extLst>
               <a:ext uri="{91240B29-F687-4f45-9708-019B960494DF}">
-                <a14:hiddenLine xmlns="" xmlns:a14="http://schemas.microsoft.com/office/drawing/2010/main" w="9525">
+                <a14:hiddenLine xmlns:a14="http://schemas.microsoft.com/office/drawing/2010/main" xmlns="" w="9525">
                   <a:solidFill>
                     <a:srgbClr val="000000"/>
                   </a:solidFill>
@@ -4163,7 +4996,7 @@
             </a:ln>
             <a:extLst>
               <a:ext uri="{91240B29-F687-4f45-9708-019B960494DF}">
-                <a14:hiddenLine xmlns="" xmlns:a14="http://schemas.microsoft.com/office/drawing/2010/main" w="9525">
+                <a14:hiddenLine xmlns:a14="http://schemas.microsoft.com/office/drawing/2010/main" xmlns="" w="9525">
                   <a:solidFill>
                     <a:srgbClr val="000000"/>
                   </a:solidFill>
@@ -4253,7 +5086,7 @@
             </a:ln>
             <a:extLst>
               <a:ext uri="{91240B29-F687-4f45-9708-019B960494DF}">
-                <a14:hiddenLine xmlns="" xmlns:a14="http://schemas.microsoft.com/office/drawing/2010/main" w="9525">
+                <a14:hiddenLine xmlns:a14="http://schemas.microsoft.com/office/drawing/2010/main" xmlns="" w="9525">
                   <a:solidFill>
                     <a:srgbClr val="000000"/>
                   </a:solidFill>
@@ -4315,7 +5148,7 @@
             </a:ln>
             <a:extLst>
               <a:ext uri="{91240B29-F687-4f45-9708-019B960494DF}">
-                <a14:hiddenLine xmlns="" xmlns:a14="http://schemas.microsoft.com/office/drawing/2010/main" w="9525">
+                <a14:hiddenLine xmlns:a14="http://schemas.microsoft.com/office/drawing/2010/main" xmlns="" w="9525">
                   <a:solidFill>
                     <a:srgbClr val="000000"/>
                   </a:solidFill>
@@ -4405,7 +5238,7 @@
             </a:ln>
             <a:extLst>
               <a:ext uri="{91240B29-F687-4f45-9708-019B960494DF}">
-                <a14:hiddenLine xmlns="" xmlns:a14="http://schemas.microsoft.com/office/drawing/2010/main" w="9525">
+                <a14:hiddenLine xmlns:a14="http://schemas.microsoft.com/office/drawing/2010/main" xmlns="" w="9525">
                   <a:solidFill>
                     <a:srgbClr val="000000"/>
                   </a:solidFill>
@@ -4467,7 +5300,7 @@
             </a:ln>
             <a:extLst>
               <a:ext uri="{91240B29-F687-4f45-9708-019B960494DF}">
-                <a14:hiddenLine xmlns="" xmlns:a14="http://schemas.microsoft.com/office/drawing/2010/main" w="9525">
+                <a14:hiddenLine xmlns:a14="http://schemas.microsoft.com/office/drawing/2010/main" xmlns="" w="9525">
                   <a:solidFill>
                     <a:srgbClr val="000000"/>
                   </a:solidFill>
@@ -4557,7 +5390,7 @@
             </a:ln>
             <a:extLst>
               <a:ext uri="{91240B29-F687-4f45-9708-019B960494DF}">
-                <a14:hiddenLine xmlns="" xmlns:a14="http://schemas.microsoft.com/office/drawing/2010/main" w="9525">
+                <a14:hiddenLine xmlns:a14="http://schemas.microsoft.com/office/drawing/2010/main" xmlns="" w="9525">
                   <a:solidFill>
                     <a:srgbClr val="000000"/>
                   </a:solidFill>
@@ -4591,7 +5424,7 @@
             </a:ln>
             <a:extLst>
               <a:ext uri="{91240B29-F687-4f45-9708-019B960494DF}">
-                <a14:hiddenLine xmlns="" xmlns:a14="http://schemas.microsoft.com/office/drawing/2010/main" w="9525">
+                <a14:hiddenLine xmlns:a14="http://schemas.microsoft.com/office/drawing/2010/main" xmlns="" w="9525">
                   <a:solidFill>
                     <a:srgbClr val="000000"/>
                   </a:solidFill>
@@ -4656,7 +5489,7 @@
             </a:ln>
             <a:extLst>
               <a:ext uri="{91240B29-F687-4f45-9708-019B960494DF}">
-                <a14:hiddenLine xmlns="" xmlns:a14="http://schemas.microsoft.com/office/drawing/2010/main" w="9525">
+                <a14:hiddenLine xmlns:a14="http://schemas.microsoft.com/office/drawing/2010/main" xmlns="" w="9525">
                   <a:solidFill>
                     <a:srgbClr val="000000"/>
                   </a:solidFill>
@@ -4746,7 +5579,7 @@
             </a:ln>
             <a:extLst>
               <a:ext uri="{91240B29-F687-4f45-9708-019B960494DF}">
-                <a14:hiddenLine xmlns="" xmlns:a14="http://schemas.microsoft.com/office/drawing/2010/main" w="9525">
+                <a14:hiddenLine xmlns:a14="http://schemas.microsoft.com/office/drawing/2010/main" xmlns="" w="9525">
                   <a:solidFill>
                     <a:srgbClr val="000000"/>
                   </a:solidFill>
@@ -4808,7 +5641,7 @@
             </a:ln>
             <a:extLst>
               <a:ext uri="{91240B29-F687-4f45-9708-019B960494DF}">
-                <a14:hiddenLine xmlns="" xmlns:a14="http://schemas.microsoft.com/office/drawing/2010/main" w="9525">
+                <a14:hiddenLine xmlns:a14="http://schemas.microsoft.com/office/drawing/2010/main" xmlns="" w="9525">
                   <a:solidFill>
                     <a:srgbClr val="000000"/>
                   </a:solidFill>
@@ -4898,7 +5731,7 @@
             </a:ln>
             <a:extLst>
               <a:ext uri="{91240B29-F687-4f45-9708-019B960494DF}">
-                <a14:hiddenLine xmlns="" xmlns:a14="http://schemas.microsoft.com/office/drawing/2010/main" w="9525">
+                <a14:hiddenLine xmlns:a14="http://schemas.microsoft.com/office/drawing/2010/main" xmlns="" w="9525">
                   <a:solidFill>
                     <a:srgbClr val="000000"/>
                   </a:solidFill>
@@ -4988,7 +5821,7 @@
             </a:ln>
             <a:extLst>
               <a:ext uri="{91240B29-F687-4f45-9708-019B960494DF}">
-                <a14:hiddenLine xmlns="" xmlns:a14="http://schemas.microsoft.com/office/drawing/2010/main" w="9525">
+                <a14:hiddenLine xmlns:a14="http://schemas.microsoft.com/office/drawing/2010/main" xmlns="" w="9525">
                   <a:solidFill>
                     <a:srgbClr val="000000"/>
                   </a:solidFill>
@@ -5053,7 +5886,7 @@
             </a:ln>
             <a:extLst>
               <a:ext uri="{91240B29-F687-4f45-9708-019B960494DF}">
-                <a14:hiddenLine xmlns="" xmlns:a14="http://schemas.microsoft.com/office/drawing/2010/main" w="9525">
+                <a14:hiddenLine xmlns:a14="http://schemas.microsoft.com/office/drawing/2010/main" xmlns="" w="9525">
                   <a:solidFill>
                     <a:srgbClr val="000000"/>
                   </a:solidFill>
@@ -5115,7 +5948,7 @@
             </a:ln>
             <a:extLst>
               <a:ext uri="{91240B29-F687-4f45-9708-019B960494DF}">
-                <a14:hiddenLine xmlns="" xmlns:a14="http://schemas.microsoft.com/office/drawing/2010/main" w="9525">
+                <a14:hiddenLine xmlns:a14="http://schemas.microsoft.com/office/drawing/2010/main" xmlns="" w="9525">
                   <a:solidFill>
                     <a:srgbClr val="000000"/>
                   </a:solidFill>
@@ -5205,7 +6038,7 @@
             </a:ln>
             <a:extLst>
               <a:ext uri="{91240B29-F687-4f45-9708-019B960494DF}">
-                <a14:hiddenLine xmlns="" xmlns:a14="http://schemas.microsoft.com/office/drawing/2010/main" w="9525">
+                <a14:hiddenLine xmlns:a14="http://schemas.microsoft.com/office/drawing/2010/main" xmlns="" w="9525">
                   <a:solidFill>
                     <a:srgbClr val="000000"/>
                   </a:solidFill>
@@ -5295,7 +6128,7 @@
             </a:ln>
             <a:extLst>
               <a:ext uri="{91240B29-F687-4f45-9708-019B960494DF}">
-                <a14:hiddenLine xmlns="" xmlns:a14="http://schemas.microsoft.com/office/drawing/2010/main" w="9525">
+                <a14:hiddenLine xmlns:a14="http://schemas.microsoft.com/office/drawing/2010/main" xmlns="" w="9525">
                   <a:solidFill>
                     <a:srgbClr val="000000"/>
                   </a:solidFill>
@@ -5357,7 +6190,7 @@
             </a:ln>
             <a:extLst>
               <a:ext uri="{91240B29-F687-4f45-9708-019B960494DF}">
-                <a14:hiddenLine xmlns="" xmlns:a14="http://schemas.microsoft.com/office/drawing/2010/main" w="9525">
+                <a14:hiddenLine xmlns:a14="http://schemas.microsoft.com/office/drawing/2010/main" xmlns="" w="9525">
                   <a:solidFill>
                     <a:srgbClr val="000000"/>
                   </a:solidFill>
@@ -5477,7 +6310,7 @@
             </a:ln>
             <a:extLst>
               <a:ext uri="{91240B29-F687-4f45-9708-019B960494DF}">
-                <a14:hiddenLine xmlns="" xmlns:a14="http://schemas.microsoft.com/office/drawing/2010/main" w="9525">
+                <a14:hiddenLine xmlns:a14="http://schemas.microsoft.com/office/drawing/2010/main" xmlns="" w="9525">
                   <a:solidFill>
                     <a:srgbClr val="000000"/>
                   </a:solidFill>
@@ -5545,7 +6378,7 @@
             </a:ln>
             <a:extLst>
               <a:ext uri="{91240B29-F687-4f45-9708-019B960494DF}">
-                <a14:hiddenLine xmlns="" xmlns:a14="http://schemas.microsoft.com/office/drawing/2010/main" w="9525">
+                <a14:hiddenLine xmlns:a14="http://schemas.microsoft.com/office/drawing/2010/main" xmlns="" w="9525">
                   <a:solidFill>
                     <a:srgbClr val="000000"/>
                   </a:solidFill>
@@ -5635,7 +6468,7 @@
             </a:ln>
             <a:extLst>
               <a:ext uri="{91240B29-F687-4f45-9708-019B960494DF}">
-                <a14:hiddenLine xmlns="" xmlns:a14="http://schemas.microsoft.com/office/drawing/2010/main" w="9525">
+                <a14:hiddenLine xmlns:a14="http://schemas.microsoft.com/office/drawing/2010/main" xmlns="" w="9525">
                   <a:solidFill>
                     <a:srgbClr val="000000"/>
                   </a:solidFill>
@@ -5775,7 +6608,7 @@
           <a:p>
             <a:fld id="{1387C735-D39C-4538-8D1E-09880C9425CA}" type="datetime1">
               <a:rPr lang="en-US" smtClean="0"/>
-              <a:t>7/4/2022</a:t>
+              <a:t>7/5/2022</a:t>
             </a:fld>
             <a:endParaRPr lang="en-US"/>
           </a:p>
@@ -6042,7 +6875,7 @@
           <a:p>
             <a:fld id="{FB2CE956-ECF9-4EE9-B455-F6327AEA3B26}" type="datetime1">
               <a:rPr lang="en-US" smtClean="0"/>
-              <a:t>7/4/2022</a:t>
+              <a:t>7/5/2022</a:t>
             </a:fld>
             <a:endParaRPr lang="en-US" dirty="0"/>
           </a:p>
@@ -6240,7 +7073,7 @@
           <a:p>
             <a:fld id="{FB2CE956-ECF9-4EE9-B455-F6327AEA3B26}" type="datetime1">
               <a:rPr lang="en-US" smtClean="0"/>
-              <a:t>7/4/2022</a:t>
+              <a:t>7/5/2022</a:t>
             </a:fld>
             <a:endParaRPr lang="en-US" dirty="0"/>
           </a:p>
@@ -6505,7 +7338,7 @@
           <a:p>
             <a:fld id="{FB2CE956-ECF9-4EE9-B455-F6327AEA3B26}" type="datetime1">
               <a:rPr lang="en-US" smtClean="0"/>
-              <a:t>7/4/2022</a:t>
+              <a:t>7/5/2022</a:t>
             </a:fld>
             <a:endParaRPr lang="en-US" dirty="0"/>
           </a:p>
@@ -6941,7 +7774,7 @@
           <a:p>
             <a:fld id="{FB2CE956-ECF9-4EE9-B455-F6327AEA3B26}" type="datetime1">
               <a:rPr lang="en-US" smtClean="0"/>
-              <a:t>7/4/2022</a:t>
+              <a:t>7/5/2022</a:t>
             </a:fld>
             <a:endParaRPr lang="en-US" dirty="0"/>
           </a:p>
@@ -7489,7 +8322,7 @@
           <a:p>
             <a:fld id="{FB2CE956-ECF9-4EE9-B455-F6327AEA3B26}" type="datetime1">
               <a:rPr lang="en-US" smtClean="0"/>
-              <a:t>7/4/2022</a:t>
+              <a:t>7/5/2022</a:t>
             </a:fld>
             <a:endParaRPr lang="en-US" dirty="0"/>
           </a:p>
@@ -8211,7 +9044,7 @@
           <a:p>
             <a:fld id="{FB2CE956-ECF9-4EE9-B455-F6327AEA3B26}" type="datetime1">
               <a:rPr lang="en-US" smtClean="0"/>
-              <a:t>7/4/2022</a:t>
+              <a:t>7/5/2022</a:t>
             </a:fld>
             <a:endParaRPr lang="en-US" dirty="0"/>
           </a:p>
@@ -8383,7 +9216,7 @@
           <a:p>
             <a:fld id="{E58CA5B7-6099-4F4D-B8C5-6CC0717BF85A}" type="datetime1">
               <a:rPr lang="en-US" smtClean="0"/>
-              <a:t>7/4/2022</a:t>
+              <a:t>7/5/2022</a:t>
             </a:fld>
             <a:endParaRPr lang="en-US"/>
           </a:p>
@@ -8563,7 +9396,7 @@
           <a:p>
             <a:fld id="{57A4A62E-75E4-4033-B161-6FC77022C31B}" type="datetime1">
               <a:rPr lang="en-US" smtClean="0"/>
-              <a:t>7/4/2022</a:t>
+              <a:t>7/5/2022</a:t>
             </a:fld>
             <a:endParaRPr lang="en-US"/>
           </a:p>
@@ -8733,7 +9566,7 @@
           <a:p>
             <a:fld id="{783BF1D8-27C2-44DA-ADCA-B89E0C92F3E6}" type="datetime1">
               <a:rPr lang="en-US" smtClean="0"/>
-              <a:t>7/4/2022</a:t>
+              <a:t>7/5/2022</a:t>
             </a:fld>
             <a:endParaRPr lang="en-US"/>
           </a:p>
@@ -8983,7 +9816,7 @@
           <a:p>
             <a:fld id="{B1CE5A7E-0EE7-48A1-A73D-65126F8C0C29}" type="datetime1">
               <a:rPr lang="en-US" smtClean="0"/>
-              <a:t>7/4/2022</a:t>
+              <a:t>7/5/2022</a:t>
             </a:fld>
             <a:endParaRPr lang="en-US"/>
           </a:p>
@@ -9215,7 +10048,7 @@
           <a:p>
             <a:fld id="{FAACCA50-CE8F-4FCD-9F43-B0F54D1823AC}" type="datetime1">
               <a:rPr lang="en-US" smtClean="0"/>
-              <a:t>7/4/2022</a:t>
+              <a:t>7/5/2022</a:t>
             </a:fld>
             <a:endParaRPr lang="en-US"/>
           </a:p>
@@ -9596,7 +10429,7 @@
           <a:p>
             <a:fld id="{5CB9A55B-811B-4040-876B-B37F66ED4392}" type="datetime1">
               <a:rPr lang="en-US" smtClean="0"/>
-              <a:t>7/4/2022</a:t>
+              <a:t>7/5/2022</a:t>
             </a:fld>
             <a:endParaRPr lang="en-US"/>
           </a:p>
@@ -9714,7 +10547,7 @@
           <a:p>
             <a:fld id="{DB224E16-698F-46AE-A872-B8543C63A85B}" type="datetime1">
               <a:rPr lang="en-US" smtClean="0"/>
-              <a:t>7/4/2022</a:t>
+              <a:t>7/5/2022</a:t>
             </a:fld>
             <a:endParaRPr lang="en-US"/>
           </a:p>
@@ -9809,7 +10642,7 @@
           <a:p>
             <a:fld id="{86D7A804-268A-4E63-93A7-3CA04B4FFF2B}" type="datetime1">
               <a:rPr lang="en-US" smtClean="0"/>
-              <a:t>7/4/2022</a:t>
+              <a:t>7/5/2022</a:t>
             </a:fld>
             <a:endParaRPr lang="en-US"/>
           </a:p>
@@ -10058,7 +10891,7 @@
           <a:p>
             <a:fld id="{2B5BFC5D-8987-462D-B7E1-41C0322BAA5A}" type="datetime1">
               <a:rPr lang="en-US" smtClean="0"/>
-              <a:t>7/4/2022</a:t>
+              <a:t>7/5/2022</a:t>
             </a:fld>
             <a:endParaRPr lang="en-US"/>
           </a:p>
@@ -10338,7 +11171,7 @@
           <a:p>
             <a:fld id="{50D64951-B59E-47DA-8B95-F82E6343A7CF}" type="datetime1">
               <a:rPr lang="en-US" smtClean="0"/>
-              <a:t>7/4/2022</a:t>
+              <a:t>7/5/2022</a:t>
             </a:fld>
             <a:endParaRPr lang="en-US"/>
           </a:p>
@@ -10454,7 +11287,7 @@
           <a:noFill/>
           <a:extLst>
             <a:ext uri="{909E8E84-426E-40dd-AFC4-6F175D3DCCD1}">
-              <a14:hiddenFill xmlns="" xmlns:a14="http://schemas.microsoft.com/office/drawing/2010/main">
+              <a14:hiddenFill xmlns:a14="http://schemas.microsoft.com/office/drawing/2010/main" xmlns="">
                 <a:solidFill>
                   <a:srgbClr val="FFFFFF"/>
                 </a:solidFill>
@@ -10528,7 +11361,7 @@
               </a:ln>
               <a:extLst>
                 <a:ext uri="{91240B29-F687-4f45-9708-019B960494DF}">
-                  <a14:hiddenLine xmlns="" xmlns:a14="http://schemas.microsoft.com/office/drawing/2010/main" w="9525">
+                  <a14:hiddenLine xmlns:a14="http://schemas.microsoft.com/office/drawing/2010/main" xmlns="" w="9525">
                     <a:solidFill>
                       <a:srgbClr val="000000"/>
                     </a:solidFill>
@@ -10618,7 +11451,7 @@
               </a:ln>
               <a:extLst>
                 <a:ext uri="{91240B29-F687-4f45-9708-019B960494DF}">
-                  <a14:hiddenLine xmlns="" xmlns:a14="http://schemas.microsoft.com/office/drawing/2010/main" w="9525">
+                  <a14:hiddenLine xmlns:a14="http://schemas.microsoft.com/office/drawing/2010/main" xmlns="" w="9525">
                     <a:solidFill>
                       <a:srgbClr val="000000"/>
                     </a:solidFill>
@@ -10708,7 +11541,7 @@
               </a:ln>
               <a:extLst>
                 <a:ext uri="{91240B29-F687-4f45-9708-019B960494DF}">
-                  <a14:hiddenLine xmlns="" xmlns:a14="http://schemas.microsoft.com/office/drawing/2010/main" w="9525">
+                  <a14:hiddenLine xmlns:a14="http://schemas.microsoft.com/office/drawing/2010/main" xmlns="" w="9525">
                     <a:solidFill>
                       <a:srgbClr val="000000"/>
                     </a:solidFill>
@@ -10770,7 +11603,7 @@
               </a:ln>
               <a:extLst>
                 <a:ext uri="{91240B29-F687-4f45-9708-019B960494DF}">
-                  <a14:hiddenLine xmlns="" xmlns:a14="http://schemas.microsoft.com/office/drawing/2010/main" w="9525">
+                  <a14:hiddenLine xmlns:a14="http://schemas.microsoft.com/office/drawing/2010/main" xmlns="" w="9525">
                     <a:solidFill>
                       <a:srgbClr val="000000"/>
                     </a:solidFill>
@@ -10860,7 +11693,7 @@
               </a:ln>
               <a:extLst>
                 <a:ext uri="{91240B29-F687-4f45-9708-019B960494DF}">
-                  <a14:hiddenLine xmlns="" xmlns:a14="http://schemas.microsoft.com/office/drawing/2010/main" w="9525">
+                  <a14:hiddenLine xmlns:a14="http://schemas.microsoft.com/office/drawing/2010/main" xmlns="" w="9525">
                     <a:solidFill>
                       <a:srgbClr val="000000"/>
                     </a:solidFill>
@@ -10922,7 +11755,7 @@
               </a:ln>
               <a:extLst>
                 <a:ext uri="{91240B29-F687-4f45-9708-019B960494DF}">
-                  <a14:hiddenLine xmlns="" xmlns:a14="http://schemas.microsoft.com/office/drawing/2010/main" w="9525">
+                  <a14:hiddenLine xmlns:a14="http://schemas.microsoft.com/office/drawing/2010/main" xmlns="" w="9525">
                     <a:solidFill>
                       <a:srgbClr val="000000"/>
                     </a:solidFill>
@@ -10984,7 +11817,7 @@
               </a:ln>
               <a:extLst>
                 <a:ext uri="{91240B29-F687-4f45-9708-019B960494DF}">
-                  <a14:hiddenLine xmlns="" xmlns:a14="http://schemas.microsoft.com/office/drawing/2010/main" w="9525">
+                  <a14:hiddenLine xmlns:a14="http://schemas.microsoft.com/office/drawing/2010/main" xmlns="" w="9525">
                     <a:solidFill>
                       <a:srgbClr val="000000"/>
                     </a:solidFill>
@@ -11074,7 +11907,7 @@
               </a:ln>
               <a:extLst>
                 <a:ext uri="{91240B29-F687-4f45-9708-019B960494DF}">
-                  <a14:hiddenLine xmlns="" xmlns:a14="http://schemas.microsoft.com/office/drawing/2010/main" w="9525">
+                  <a14:hiddenLine xmlns:a14="http://schemas.microsoft.com/office/drawing/2010/main" xmlns="" w="9525">
                     <a:solidFill>
                       <a:srgbClr val="000000"/>
                     </a:solidFill>
@@ -11164,7 +11997,7 @@
               </a:ln>
               <a:extLst>
                 <a:ext uri="{91240B29-F687-4f45-9708-019B960494DF}">
-                  <a14:hiddenLine xmlns="" xmlns:a14="http://schemas.microsoft.com/office/drawing/2010/main" w="9525">
+                  <a14:hiddenLine xmlns:a14="http://schemas.microsoft.com/office/drawing/2010/main" xmlns="" w="9525">
                     <a:solidFill>
                       <a:srgbClr val="000000"/>
                     </a:solidFill>
@@ -11226,7 +12059,7 @@
               </a:ln>
               <a:extLst>
                 <a:ext uri="{91240B29-F687-4f45-9708-019B960494DF}">
-                  <a14:hiddenLine xmlns="" xmlns:a14="http://schemas.microsoft.com/office/drawing/2010/main" w="9525">
+                  <a14:hiddenLine xmlns:a14="http://schemas.microsoft.com/office/drawing/2010/main" xmlns="" w="9525">
                     <a:solidFill>
                       <a:srgbClr val="000000"/>
                     </a:solidFill>
@@ -11336,7 +12169,7 @@
               </a:ln>
               <a:extLst>
                 <a:ext uri="{91240B29-F687-4f45-9708-019B960494DF}">
-                  <a14:hiddenLine xmlns="" xmlns:a14="http://schemas.microsoft.com/office/drawing/2010/main" w="9525">
+                  <a14:hiddenLine xmlns:a14="http://schemas.microsoft.com/office/drawing/2010/main" xmlns="" w="9525">
                     <a:solidFill>
                       <a:srgbClr val="000000"/>
                     </a:solidFill>
@@ -11420,7 +12253,7 @@
               </a:ln>
               <a:extLst>
                 <a:ext uri="{91240B29-F687-4f45-9708-019B960494DF}">
-                  <a14:hiddenLine xmlns="" xmlns:a14="http://schemas.microsoft.com/office/drawing/2010/main" w="9525">
+                  <a14:hiddenLine xmlns:a14="http://schemas.microsoft.com/office/drawing/2010/main" xmlns="" w="9525">
                     <a:solidFill>
                       <a:srgbClr val="000000"/>
                     </a:solidFill>
@@ -11482,7 +12315,7 @@
               </a:ln>
               <a:extLst>
                 <a:ext uri="{91240B29-F687-4f45-9708-019B960494DF}">
-                  <a14:hiddenLine xmlns="" xmlns:a14="http://schemas.microsoft.com/office/drawing/2010/main" w="9525">
+                  <a14:hiddenLine xmlns:a14="http://schemas.microsoft.com/office/drawing/2010/main" xmlns="" w="9525">
                     <a:solidFill>
                       <a:srgbClr val="000000"/>
                     </a:solidFill>
@@ -11544,7 +12377,7 @@
               </a:ln>
               <a:extLst>
                 <a:ext uri="{91240B29-F687-4f45-9708-019B960494DF}">
-                  <a14:hiddenLine xmlns="" xmlns:a14="http://schemas.microsoft.com/office/drawing/2010/main" w="9525">
+                  <a14:hiddenLine xmlns:a14="http://schemas.microsoft.com/office/drawing/2010/main" xmlns="" w="9525">
                     <a:solidFill>
                       <a:srgbClr val="000000"/>
                     </a:solidFill>
@@ -11634,7 +12467,7 @@
               </a:ln>
               <a:extLst>
                 <a:ext uri="{91240B29-F687-4f45-9708-019B960494DF}">
-                  <a14:hiddenLine xmlns="" xmlns:a14="http://schemas.microsoft.com/office/drawing/2010/main" w="9525">
+                  <a14:hiddenLine xmlns:a14="http://schemas.microsoft.com/office/drawing/2010/main" xmlns="" w="9525">
                     <a:solidFill>
                       <a:srgbClr val="000000"/>
                     </a:solidFill>
@@ -11668,7 +12501,7 @@
               </a:ln>
               <a:extLst>
                 <a:ext uri="{91240B29-F687-4f45-9708-019B960494DF}">
-                  <a14:hiddenLine xmlns="" xmlns:a14="http://schemas.microsoft.com/office/drawing/2010/main" w="9525">
+                  <a14:hiddenLine xmlns:a14="http://schemas.microsoft.com/office/drawing/2010/main" xmlns="" w="9525">
                     <a:solidFill>
                       <a:srgbClr val="000000"/>
                     </a:solidFill>
@@ -11733,7 +12566,7 @@
               </a:ln>
               <a:extLst>
                 <a:ext uri="{91240B29-F687-4f45-9708-019B960494DF}">
-                  <a14:hiddenLine xmlns="" xmlns:a14="http://schemas.microsoft.com/office/drawing/2010/main" w="9525">
+                  <a14:hiddenLine xmlns:a14="http://schemas.microsoft.com/office/drawing/2010/main" xmlns="" w="9525">
                     <a:solidFill>
                       <a:srgbClr val="000000"/>
                     </a:solidFill>
@@ -11823,7 +12656,7 @@
               </a:ln>
               <a:extLst>
                 <a:ext uri="{91240B29-F687-4f45-9708-019B960494DF}">
-                  <a14:hiddenLine xmlns="" xmlns:a14="http://schemas.microsoft.com/office/drawing/2010/main" w="9525">
+                  <a14:hiddenLine xmlns:a14="http://schemas.microsoft.com/office/drawing/2010/main" xmlns="" w="9525">
                     <a:solidFill>
                       <a:srgbClr val="000000"/>
                     </a:solidFill>
@@ -11885,7 +12718,7 @@
               </a:ln>
               <a:extLst>
                 <a:ext uri="{91240B29-F687-4f45-9708-019B960494DF}">
-                  <a14:hiddenLine xmlns="" xmlns:a14="http://schemas.microsoft.com/office/drawing/2010/main" w="9525">
+                  <a14:hiddenLine xmlns:a14="http://schemas.microsoft.com/office/drawing/2010/main" xmlns="" w="9525">
                     <a:solidFill>
                       <a:srgbClr val="000000"/>
                     </a:solidFill>
@@ -11975,7 +12808,7 @@
               </a:ln>
               <a:extLst>
                 <a:ext uri="{91240B29-F687-4f45-9708-019B960494DF}">
-                  <a14:hiddenLine xmlns="" xmlns:a14="http://schemas.microsoft.com/office/drawing/2010/main" w="9525">
+                  <a14:hiddenLine xmlns:a14="http://schemas.microsoft.com/office/drawing/2010/main" xmlns="" w="9525">
                     <a:solidFill>
                       <a:srgbClr val="000000"/>
                     </a:solidFill>
@@ -12040,7 +12873,7 @@
               </a:ln>
               <a:extLst>
                 <a:ext uri="{91240B29-F687-4f45-9708-019B960494DF}">
-                  <a14:hiddenLine xmlns="" xmlns:a14="http://schemas.microsoft.com/office/drawing/2010/main" w="9525">
+                  <a14:hiddenLine xmlns:a14="http://schemas.microsoft.com/office/drawing/2010/main" xmlns="" w="9525">
                     <a:solidFill>
                       <a:srgbClr val="000000"/>
                     </a:solidFill>
@@ -12102,7 +12935,7 @@
               </a:ln>
               <a:extLst>
                 <a:ext uri="{91240B29-F687-4f45-9708-019B960494DF}">
-                  <a14:hiddenLine xmlns="" xmlns:a14="http://schemas.microsoft.com/office/drawing/2010/main" w="9525">
+                  <a14:hiddenLine xmlns:a14="http://schemas.microsoft.com/office/drawing/2010/main" xmlns="" w="9525">
                     <a:solidFill>
                       <a:srgbClr val="000000"/>
                     </a:solidFill>
@@ -12192,7 +13025,7 @@
               </a:ln>
               <a:extLst>
                 <a:ext uri="{91240B29-F687-4f45-9708-019B960494DF}">
-                  <a14:hiddenLine xmlns="" xmlns:a14="http://schemas.microsoft.com/office/drawing/2010/main" w="9525">
+                  <a14:hiddenLine xmlns:a14="http://schemas.microsoft.com/office/drawing/2010/main" xmlns="" w="9525">
                     <a:solidFill>
                       <a:srgbClr val="000000"/>
                     </a:solidFill>
@@ -12282,7 +13115,7 @@
               </a:ln>
               <a:extLst>
                 <a:ext uri="{91240B29-F687-4f45-9708-019B960494DF}">
-                  <a14:hiddenLine xmlns="" xmlns:a14="http://schemas.microsoft.com/office/drawing/2010/main" w="9525">
+                  <a14:hiddenLine xmlns:a14="http://schemas.microsoft.com/office/drawing/2010/main" xmlns="" w="9525">
                     <a:solidFill>
                       <a:srgbClr val="000000"/>
                     </a:solidFill>
@@ -12347,7 +13180,7 @@
               </a:ln>
               <a:extLst>
                 <a:ext uri="{91240B29-F687-4f45-9708-019B960494DF}">
-                  <a14:hiddenLine xmlns="" xmlns:a14="http://schemas.microsoft.com/office/drawing/2010/main" w="9525">
+                  <a14:hiddenLine xmlns:a14="http://schemas.microsoft.com/office/drawing/2010/main" xmlns="" w="9525">
                     <a:solidFill>
                       <a:srgbClr val="000000"/>
                     </a:solidFill>
@@ -12467,7 +13300,7 @@
               </a:ln>
               <a:extLst>
                 <a:ext uri="{91240B29-F687-4f45-9708-019B960494DF}">
-                  <a14:hiddenLine xmlns="" xmlns:a14="http://schemas.microsoft.com/office/drawing/2010/main" w="9525">
+                  <a14:hiddenLine xmlns:a14="http://schemas.microsoft.com/office/drawing/2010/main" xmlns="" w="9525">
                     <a:solidFill>
                       <a:srgbClr val="000000"/>
                     </a:solidFill>
@@ -12565,7 +13398,7 @@
               </a:ln>
               <a:extLst>
                 <a:ext uri="{91240B29-F687-4f45-9708-019B960494DF}">
-                  <a14:hiddenLine xmlns="" xmlns:a14="http://schemas.microsoft.com/office/drawing/2010/main" w="9525">
+                  <a14:hiddenLine xmlns:a14="http://schemas.microsoft.com/office/drawing/2010/main" xmlns="" w="9525">
                     <a:solidFill>
                       <a:srgbClr val="000000"/>
                     </a:solidFill>
@@ -12680,7 +13513,7 @@
               </a:ln>
               <a:extLst>
                 <a:ext uri="{91240B29-F687-4f45-9708-019B960494DF}">
-                  <a14:hiddenLine xmlns="" xmlns:a14="http://schemas.microsoft.com/office/drawing/2010/main" w="9525">
+                  <a14:hiddenLine xmlns:a14="http://schemas.microsoft.com/office/drawing/2010/main" xmlns="" w="9525">
                     <a:solidFill>
                       <a:srgbClr val="000000"/>
                     </a:solidFill>
@@ -12770,7 +13603,7 @@
               </a:ln>
               <a:extLst>
                 <a:ext uri="{91240B29-F687-4f45-9708-019B960494DF}">
-                  <a14:hiddenLine xmlns="" xmlns:a14="http://schemas.microsoft.com/office/drawing/2010/main" w="9525">
+                  <a14:hiddenLine xmlns:a14="http://schemas.microsoft.com/office/drawing/2010/main" xmlns="" w="9525">
                     <a:solidFill>
                       <a:srgbClr val="000000"/>
                     </a:solidFill>
@@ -12835,7 +13668,7 @@
               </a:ln>
               <a:extLst>
                 <a:ext uri="{91240B29-F687-4f45-9708-019B960494DF}">
-                  <a14:hiddenLine xmlns="" xmlns:a14="http://schemas.microsoft.com/office/drawing/2010/main" w="9525">
+                  <a14:hiddenLine xmlns:a14="http://schemas.microsoft.com/office/drawing/2010/main" xmlns="" w="9525">
                     <a:solidFill>
                       <a:srgbClr val="000000"/>
                     </a:solidFill>
@@ -12925,7 +13758,7 @@
               </a:ln>
               <a:extLst>
                 <a:ext uri="{91240B29-F687-4f45-9708-019B960494DF}">
-                  <a14:hiddenLine xmlns="" xmlns:a14="http://schemas.microsoft.com/office/drawing/2010/main" w="9525">
+                  <a14:hiddenLine xmlns:a14="http://schemas.microsoft.com/office/drawing/2010/main" xmlns="" w="9525">
                     <a:solidFill>
                       <a:srgbClr val="000000"/>
                     </a:solidFill>
@@ -12993,7 +13826,7 @@
               </a:ln>
               <a:extLst>
                 <a:ext uri="{91240B29-F687-4f45-9708-019B960494DF}">
-                  <a14:hiddenLine xmlns="" xmlns:a14="http://schemas.microsoft.com/office/drawing/2010/main" w="9525">
+                  <a14:hiddenLine xmlns:a14="http://schemas.microsoft.com/office/drawing/2010/main" xmlns="" w="9525">
                     <a:solidFill>
                       <a:srgbClr val="000000"/>
                     </a:solidFill>
@@ -13083,7 +13916,7 @@
               </a:ln>
               <a:extLst>
                 <a:ext uri="{91240B29-F687-4f45-9708-019B960494DF}">
-                  <a14:hiddenLine xmlns="" xmlns:a14="http://schemas.microsoft.com/office/drawing/2010/main" w="9525">
+                  <a14:hiddenLine xmlns:a14="http://schemas.microsoft.com/office/drawing/2010/main" xmlns="" w="9525">
                     <a:solidFill>
                       <a:srgbClr val="000000"/>
                     </a:solidFill>
@@ -13151,7 +13984,7 @@
               </a:ln>
               <a:extLst>
                 <a:ext uri="{91240B29-F687-4f45-9708-019B960494DF}">
-                  <a14:hiddenLine xmlns="" xmlns:a14="http://schemas.microsoft.com/office/drawing/2010/main" w="9525">
+                  <a14:hiddenLine xmlns:a14="http://schemas.microsoft.com/office/drawing/2010/main" xmlns="" w="9525">
                     <a:solidFill>
                       <a:srgbClr val="000000"/>
                     </a:solidFill>
@@ -13241,7 +14074,7 @@
               </a:ln>
               <a:extLst>
                 <a:ext uri="{91240B29-F687-4f45-9708-019B960494DF}">
-                  <a14:hiddenLine xmlns="" xmlns:a14="http://schemas.microsoft.com/office/drawing/2010/main" w="9525">
+                  <a14:hiddenLine xmlns:a14="http://schemas.microsoft.com/office/drawing/2010/main" xmlns="" w="9525">
                     <a:solidFill>
                       <a:srgbClr val="000000"/>
                     </a:solidFill>
@@ -13275,7 +14108,7 @@
               </a:ln>
               <a:extLst>
                 <a:ext uri="{91240B29-F687-4f45-9708-019B960494DF}">
-                  <a14:hiddenLine xmlns="" xmlns:a14="http://schemas.microsoft.com/office/drawing/2010/main" w="9525">
+                  <a14:hiddenLine xmlns:a14="http://schemas.microsoft.com/office/drawing/2010/main" xmlns="" w="9525">
                     <a:solidFill>
                       <a:srgbClr val="000000"/>
                     </a:solidFill>
@@ -13415,7 +14248,7 @@
           <a:p>
             <a:fld id="{FB2CE956-ECF9-4EE9-B455-F6327AEA3B26}" type="datetime1">
               <a:rPr lang="en-US" smtClean="0"/>
-              <a:t>7/4/2022</a:t>
+              <a:t>7/5/2022</a:t>
             </a:fld>
             <a:endParaRPr lang="en-US" dirty="0"/>
           </a:p>
@@ -14083,7 +14916,7 @@
                 <a:latin typeface="Arial" panose="020B0604020202020204" pitchFamily="34" charset="0"/>
                 <a:cs typeface="Arial" panose="020B0604020202020204" pitchFamily="34" charset="0"/>
               </a:rPr>
-              <a:t>Rezultati</a:t>
+              <a:t>Parametri modela</a:t>
             </a:r>
           </a:p>
         </p:txBody>
@@ -14218,7 +15051,7 @@
                   <a:schemeClr val="bg1"/>
                 </a:solidFill>
               </a:rPr>
-              <a:t>6</a:t>
+              <a:t>9</a:t>
             </a:r>
             <a:endParaRPr lang="en-US" sz="1600" dirty="0">
               <a:solidFill>
@@ -14228,10 +15061,3281 @@
           </a:p>
         </p:txBody>
       </p:sp>
+      <p:sp>
+        <p:nvSpPr>
+          <p:cNvPr id="9" name="TextBox 8">
+            <a:extLst>
+              <a:ext uri="{FF2B5EF4-FFF2-40B4-BE49-F238E27FC236}">
+                <a16:creationId xmlns:a16="http://schemas.microsoft.com/office/drawing/2014/main" id="{34006400-85C1-7CB8-70E6-D7BDAFE2F4B2}"/>
+              </a:ext>
+            </a:extLst>
+          </p:cNvPr>
+          <p:cNvSpPr txBox="1"/>
+          <p:nvPr/>
+        </p:nvSpPr>
+        <p:spPr>
+          <a:xfrm>
+            <a:off x="1141412" y="1879686"/>
+            <a:ext cx="10420935" cy="3526606"/>
+          </a:xfrm>
+          <a:prstGeom prst="rect">
+            <a:avLst/>
+          </a:prstGeom>
+          <a:noFill/>
+        </p:spPr>
+        <p:txBody>
+          <a:bodyPr wrap="square">
+            <a:spAutoFit/>
+          </a:bodyPr>
+          <a:lstStyle/>
+          <a:p>
+            <a:pPr algn="just">
+              <a:lnSpc>
+                <a:spcPct val="150000"/>
+              </a:lnSpc>
+              <a:spcBef>
+                <a:spcPts val="600"/>
+              </a:spcBef>
+              <a:spcAft>
+                <a:spcPts val="300"/>
+              </a:spcAft>
+            </a:pPr>
+            <a:r>
+              <a:rPr lang="hr-HR" dirty="0">
+                <a:solidFill>
+                  <a:schemeClr val="bg1"/>
+                </a:solidFill>
+                <a:effectLst/>
+                <a:latin typeface="Arial" panose="020B0604020202020204" pitchFamily="34" charset="0"/>
+                <a:ea typeface="Times New Roman" panose="02020603050405020304" pitchFamily="18" charset="0"/>
+                <a:cs typeface="Arial" panose="020B0604020202020204" pitchFamily="34" charset="0"/>
+              </a:rPr>
+              <a:t>Skup podataka za učenje – od 1.1.2012 do 1.1.2020 (8 godina)</a:t>
+            </a:r>
+          </a:p>
+          <a:p>
+            <a:pPr algn="just">
+              <a:lnSpc>
+                <a:spcPct val="150000"/>
+              </a:lnSpc>
+              <a:spcBef>
+                <a:spcPts val="600"/>
+              </a:spcBef>
+              <a:spcAft>
+                <a:spcPts val="300"/>
+              </a:spcAft>
+            </a:pPr>
+            <a:r>
+              <a:rPr lang="hr-HR" dirty="0">
+                <a:solidFill>
+                  <a:schemeClr val="bg1"/>
+                </a:solidFill>
+                <a:latin typeface="Arial" panose="020B0604020202020204" pitchFamily="34" charset="0"/>
+                <a:ea typeface="Times New Roman" panose="02020603050405020304" pitchFamily="18" charset="0"/>
+                <a:cs typeface="Arial" panose="020B0604020202020204" pitchFamily="34" charset="0"/>
+              </a:rPr>
+              <a:t>Skup podataka za testiranje – od 1.1.2020 do datuma pokretanja programa (otprilike 2.5 godine)</a:t>
+            </a:r>
+          </a:p>
+          <a:p>
+            <a:pPr algn="just">
+              <a:lnSpc>
+                <a:spcPct val="150000"/>
+              </a:lnSpc>
+              <a:spcBef>
+                <a:spcPts val="600"/>
+              </a:spcBef>
+              <a:spcAft>
+                <a:spcPts val="300"/>
+              </a:spcAft>
+            </a:pPr>
+            <a:r>
+              <a:rPr lang="hr-HR" dirty="0">
+                <a:solidFill>
+                  <a:schemeClr val="bg1"/>
+                </a:solidFill>
+                <a:effectLst/>
+                <a:latin typeface="Arial" panose="020B0604020202020204" pitchFamily="34" charset="0"/>
+                <a:ea typeface="Times New Roman" panose="02020603050405020304" pitchFamily="18" charset="0"/>
+                <a:cs typeface="Arial" panose="020B0604020202020204" pitchFamily="34" charset="0"/>
+              </a:rPr>
+              <a:t>Veličina ulaza – ovisi o parametru </a:t>
+            </a:r>
+            <a:r>
+              <a:rPr lang="hr-HR" i="1" dirty="0" err="1">
+                <a:solidFill>
+                  <a:schemeClr val="bg1"/>
+                </a:solidFill>
+                <a:effectLst/>
+                <a:latin typeface="Arial" panose="020B0604020202020204" pitchFamily="34" charset="0"/>
+                <a:ea typeface="Times New Roman" panose="02020603050405020304" pitchFamily="18" charset="0"/>
+                <a:cs typeface="Arial" panose="020B0604020202020204" pitchFamily="34" charset="0"/>
+              </a:rPr>
+              <a:t>timestep</a:t>
+            </a:r>
+            <a:r>
+              <a:rPr lang="hr-HR" dirty="0">
+                <a:solidFill>
+                  <a:schemeClr val="bg1"/>
+                </a:solidFill>
+                <a:effectLst/>
+                <a:latin typeface="Arial" panose="020B0604020202020204" pitchFamily="34" charset="0"/>
+                <a:ea typeface="Times New Roman" panose="02020603050405020304" pitchFamily="18" charset="0"/>
+                <a:cs typeface="Arial" panose="020B0604020202020204" pitchFamily="34" charset="0"/>
+              </a:rPr>
+              <a:t>, odnosno k</a:t>
+            </a:r>
+            <a:r>
+              <a:rPr lang="hr-HR" dirty="0">
+                <a:solidFill>
+                  <a:schemeClr val="bg1"/>
+                </a:solidFill>
+                <a:latin typeface="Arial" panose="020B0604020202020204" pitchFamily="34" charset="0"/>
+                <a:ea typeface="Times New Roman" panose="02020603050405020304" pitchFamily="18" charset="0"/>
+                <a:cs typeface="Arial" panose="020B0604020202020204" pitchFamily="34" charset="0"/>
+              </a:rPr>
+              <a:t>oliko dana unazad gledamo za predviđanje 				     idućeg dana</a:t>
+            </a:r>
+          </a:p>
+          <a:p>
+            <a:pPr algn="just">
+              <a:lnSpc>
+                <a:spcPct val="150000"/>
+              </a:lnSpc>
+              <a:spcBef>
+                <a:spcPts val="600"/>
+              </a:spcBef>
+              <a:spcAft>
+                <a:spcPts val="300"/>
+              </a:spcAft>
+            </a:pPr>
+            <a:r>
+              <a:rPr lang="hr-HR" dirty="0">
+                <a:solidFill>
+                  <a:schemeClr val="bg1"/>
+                </a:solidFill>
+                <a:effectLst/>
+                <a:latin typeface="Arial" panose="020B0604020202020204" pitchFamily="34" charset="0"/>
+                <a:ea typeface="Times New Roman" panose="02020603050405020304" pitchFamily="18" charset="0"/>
+                <a:cs typeface="Arial" panose="020B0604020202020204" pitchFamily="34" charset="0"/>
+              </a:rPr>
+              <a:t>Veličina izlaza – uvijek je jedan izlazni čvor, odnosno njegov izlaz je cijena predviđanja za taj dan</a:t>
+            </a:r>
+          </a:p>
+          <a:p>
+            <a:pPr algn="just">
+              <a:lnSpc>
+                <a:spcPct val="150000"/>
+              </a:lnSpc>
+              <a:spcBef>
+                <a:spcPts val="600"/>
+              </a:spcBef>
+              <a:spcAft>
+                <a:spcPts val="300"/>
+              </a:spcAft>
+            </a:pPr>
+            <a:r>
+              <a:rPr lang="hr-HR" i="1" dirty="0" err="1">
+                <a:solidFill>
+                  <a:schemeClr val="bg1"/>
+                </a:solidFill>
+                <a:latin typeface="Arial" panose="020B0604020202020204" pitchFamily="34" charset="0"/>
+                <a:ea typeface="Times New Roman" panose="02020603050405020304" pitchFamily="18" charset="0"/>
+                <a:cs typeface="Arial" panose="020B0604020202020204" pitchFamily="34" charset="0"/>
+              </a:rPr>
+              <a:t>batch_size</a:t>
+            </a:r>
+            <a:r>
+              <a:rPr lang="hr-HR" i="1" dirty="0">
+                <a:solidFill>
+                  <a:schemeClr val="bg1"/>
+                </a:solidFill>
+                <a:latin typeface="Arial" panose="020B0604020202020204" pitchFamily="34" charset="0"/>
+                <a:ea typeface="Times New Roman" panose="02020603050405020304" pitchFamily="18" charset="0"/>
+                <a:cs typeface="Arial" panose="020B0604020202020204" pitchFamily="34" charset="0"/>
+              </a:rPr>
+              <a:t> – </a:t>
+            </a:r>
+            <a:r>
+              <a:rPr lang="hr-HR" dirty="0">
+                <a:solidFill>
+                  <a:schemeClr val="bg1"/>
+                </a:solidFill>
+                <a:latin typeface="Arial" panose="020B0604020202020204" pitchFamily="34" charset="0"/>
+                <a:ea typeface="Times New Roman" panose="02020603050405020304" pitchFamily="18" charset="0"/>
+                <a:cs typeface="Arial" panose="020B0604020202020204" pitchFamily="34" charset="0"/>
+              </a:rPr>
+              <a:t>određuje nakon koliko ulaznih primjeraka ćemo optimizirat mrežu</a:t>
+            </a:r>
+          </a:p>
+          <a:p>
+            <a:pPr algn="just">
+              <a:lnSpc>
+                <a:spcPct val="150000"/>
+              </a:lnSpc>
+              <a:spcBef>
+                <a:spcPts val="600"/>
+              </a:spcBef>
+              <a:spcAft>
+                <a:spcPts val="300"/>
+              </a:spcAft>
+            </a:pPr>
+            <a:r>
+              <a:rPr lang="hr-HR" i="1" dirty="0" err="1">
+                <a:solidFill>
+                  <a:schemeClr val="bg1"/>
+                </a:solidFill>
+                <a:effectLst/>
+                <a:latin typeface="Arial" panose="020B0604020202020204" pitchFamily="34" charset="0"/>
+                <a:ea typeface="Times New Roman" panose="02020603050405020304" pitchFamily="18" charset="0"/>
+                <a:cs typeface="Arial" panose="020B0604020202020204" pitchFamily="34" charset="0"/>
+              </a:rPr>
+              <a:t>epoch</a:t>
+            </a:r>
+            <a:r>
+              <a:rPr lang="hr-HR" i="1" dirty="0" err="1">
+                <a:solidFill>
+                  <a:schemeClr val="bg1"/>
+                </a:solidFill>
+                <a:latin typeface="Arial" panose="020B0604020202020204" pitchFamily="34" charset="0"/>
+                <a:ea typeface="Times New Roman" panose="02020603050405020304" pitchFamily="18" charset="0"/>
+                <a:cs typeface="Arial" panose="020B0604020202020204" pitchFamily="34" charset="0"/>
+              </a:rPr>
+              <a:t>s</a:t>
+            </a:r>
+            <a:r>
+              <a:rPr lang="hr-HR" i="1" dirty="0">
+                <a:solidFill>
+                  <a:schemeClr val="bg1"/>
+                </a:solidFill>
+                <a:latin typeface="Arial" panose="020B0604020202020204" pitchFamily="34" charset="0"/>
+                <a:ea typeface="Times New Roman" panose="02020603050405020304" pitchFamily="18" charset="0"/>
+                <a:cs typeface="Arial" panose="020B0604020202020204" pitchFamily="34" charset="0"/>
+              </a:rPr>
+              <a:t> – </a:t>
+            </a:r>
+            <a:r>
+              <a:rPr lang="hr-HR" dirty="0">
+                <a:solidFill>
+                  <a:schemeClr val="bg1"/>
+                </a:solidFill>
+                <a:latin typeface="Arial" panose="020B0604020202020204" pitchFamily="34" charset="0"/>
+                <a:ea typeface="Times New Roman" panose="02020603050405020304" pitchFamily="18" charset="0"/>
+                <a:cs typeface="Arial" panose="020B0604020202020204" pitchFamily="34" charset="0"/>
+              </a:rPr>
+              <a:t>određuje koliko puta ćemo provući skup za testiranje kroz mrežu</a:t>
+            </a:r>
+            <a:endParaRPr lang="hr-HR" i="1" dirty="0">
+              <a:solidFill>
+                <a:schemeClr val="bg1"/>
+              </a:solidFill>
+              <a:effectLst/>
+              <a:latin typeface="Arial" panose="020B0604020202020204" pitchFamily="34" charset="0"/>
+              <a:ea typeface="Times New Roman" panose="02020603050405020304" pitchFamily="18" charset="0"/>
+              <a:cs typeface="Arial" panose="020B0604020202020204" pitchFamily="34" charset="0"/>
+            </a:endParaRPr>
+          </a:p>
+        </p:txBody>
+      </p:sp>
+    </p:spTree>
+    <p:extLst>
+      <p:ext uri="{BB962C8B-B14F-4D97-AF65-F5344CB8AC3E}">
+        <p14:creationId xmlns:p14="http://schemas.microsoft.com/office/powerpoint/2010/main" val="551301807"/>
+      </p:ext>
+    </p:extLst>
+  </p:cSld>
+  <p:clrMapOvr>
+    <a:masterClrMapping/>
+  </p:clrMapOvr>
+  <mc:AlternateContent xmlns:mc="http://schemas.openxmlformats.org/markup-compatibility/2006">
+    <mc:Choice xmlns:p14="http://schemas.microsoft.com/office/powerpoint/2010/main" Requires="p14">
+      <p:transition p14:dur="10"/>
+    </mc:Choice>
+    <mc:Fallback>
+      <p:transition/>
+    </mc:Fallback>
+  </mc:AlternateContent>
+</p:sld>
+</file>
+
+<file path=ppt/slides/slide11.xml><?xml version="1.0" encoding="utf-8"?>
+<p:sld xmlns:a="http://schemas.openxmlformats.org/drawingml/2006/main" xmlns:r="http://schemas.openxmlformats.org/officeDocument/2006/relationships" xmlns:p="http://schemas.openxmlformats.org/presentationml/2006/main">
+  <p:cSld>
+    <p:bg>
+      <p:bgPr>
+        <a:solidFill>
+          <a:schemeClr val="tx1"/>
+        </a:solidFill>
+        <a:effectLst/>
+      </p:bgPr>
+    </p:bg>
+    <p:spTree>
+      <p:nvGrpSpPr>
+        <p:cNvPr id="1" name=""/>
+        <p:cNvGrpSpPr/>
+        <p:nvPr/>
+      </p:nvGrpSpPr>
+      <p:grpSpPr>
+        <a:xfrm>
+          <a:off x="0" y="0"/>
+          <a:ext cx="0" cy="0"/>
+          <a:chOff x="0" y="0"/>
+          <a:chExt cx="0" cy="0"/>
+        </a:xfrm>
+      </p:grpSpPr>
+      <p:sp>
+        <p:nvSpPr>
+          <p:cNvPr id="2" name="Title 1">
+            <a:extLst>
+              <a:ext uri="{FF2B5EF4-FFF2-40B4-BE49-F238E27FC236}">
+                <a16:creationId xmlns:a16="http://schemas.microsoft.com/office/drawing/2014/main" id="{80578E03-929F-BF38-09DD-7B15FCE52330}"/>
+              </a:ext>
+            </a:extLst>
+          </p:cNvPr>
+          <p:cNvSpPr>
+            <a:spLocks noGrp="1"/>
+          </p:cNvSpPr>
+          <p:nvPr>
+            <p:ph type="title"/>
+          </p:nvPr>
+        </p:nvSpPr>
+        <p:spPr>
+          <a:xfrm>
+            <a:off x="1144589" y="388320"/>
+            <a:ext cx="9905998" cy="1478570"/>
+          </a:xfrm>
+        </p:spPr>
+        <p:txBody>
+          <a:bodyPr>
+            <a:normAutofit/>
+          </a:bodyPr>
+          <a:lstStyle/>
+          <a:p>
+            <a:r>
+              <a:rPr lang="hr-HR" spc="0" dirty="0">
+                <a:solidFill>
+                  <a:schemeClr val="bg1"/>
+                </a:solidFill>
+                <a:latin typeface="Arial" panose="020B0604020202020204" pitchFamily="34" charset="0"/>
+                <a:cs typeface="Arial" panose="020B0604020202020204" pitchFamily="34" charset="0"/>
+              </a:rPr>
+              <a:t>Rezultati</a:t>
+            </a:r>
+          </a:p>
+        </p:txBody>
+      </p:sp>
+      <p:sp>
+        <p:nvSpPr>
+          <p:cNvPr id="6" name="Slide Number Placeholder 3">
+            <a:extLst>
+              <a:ext uri="{FF2B5EF4-FFF2-40B4-BE49-F238E27FC236}">
+                <a16:creationId xmlns:a16="http://schemas.microsoft.com/office/drawing/2014/main" id="{387451AD-69FE-4C27-7D7C-8873F5898834}"/>
+              </a:ext>
+            </a:extLst>
+          </p:cNvPr>
+          <p:cNvSpPr txBox="1">
+            <a:spLocks/>
+          </p:cNvSpPr>
+          <p:nvPr/>
+        </p:nvSpPr>
+        <p:spPr>
+          <a:xfrm>
+            <a:off x="11562347" y="6428170"/>
+            <a:ext cx="629653" cy="429830"/>
+          </a:xfrm>
+          <a:prstGeom prst="rect">
+            <a:avLst/>
+          </a:prstGeom>
+        </p:spPr>
+        <p:txBody>
+          <a:bodyPr vert="horz" lIns="91440" tIns="45720" rIns="91440" bIns="45720" rtlCol="0" anchor="ctr"/>
+          <a:lstStyle>
+            <a:defPPr>
+              <a:defRPr lang="en-US"/>
+            </a:defPPr>
+            <a:lvl1pPr marL="0" algn="r" defTabSz="457200" rtl="0" eaLnBrk="1" latinLnBrk="0" hangingPunct="1">
+              <a:defRPr sz="1050" kern="1200">
+                <a:solidFill>
+                  <a:schemeClr val="tx1">
+                    <a:tint val="75000"/>
+                  </a:schemeClr>
+                </a:solidFill>
+                <a:latin typeface="+mn-lt"/>
+                <a:ea typeface="+mn-ea"/>
+                <a:cs typeface="+mn-cs"/>
+              </a:defRPr>
+            </a:lvl1pPr>
+            <a:lvl2pPr marL="457200" algn="l" defTabSz="457200" rtl="0" eaLnBrk="1" latinLnBrk="0" hangingPunct="1">
+              <a:defRPr sz="1800" kern="1200">
+                <a:solidFill>
+                  <a:schemeClr val="tx1"/>
+                </a:solidFill>
+                <a:latin typeface="+mn-lt"/>
+                <a:ea typeface="+mn-ea"/>
+                <a:cs typeface="+mn-cs"/>
+              </a:defRPr>
+            </a:lvl2pPr>
+            <a:lvl3pPr marL="914400" algn="l" defTabSz="457200" rtl="0" eaLnBrk="1" latinLnBrk="0" hangingPunct="1">
+              <a:defRPr sz="1800" kern="1200">
+                <a:solidFill>
+                  <a:schemeClr val="tx1"/>
+                </a:solidFill>
+                <a:latin typeface="+mn-lt"/>
+                <a:ea typeface="+mn-ea"/>
+                <a:cs typeface="+mn-cs"/>
+              </a:defRPr>
+            </a:lvl3pPr>
+            <a:lvl4pPr marL="1371600" algn="l" defTabSz="457200" rtl="0" eaLnBrk="1" latinLnBrk="0" hangingPunct="1">
+              <a:defRPr sz="1800" kern="1200">
+                <a:solidFill>
+                  <a:schemeClr val="tx1"/>
+                </a:solidFill>
+                <a:latin typeface="+mn-lt"/>
+                <a:ea typeface="+mn-ea"/>
+                <a:cs typeface="+mn-cs"/>
+              </a:defRPr>
+            </a:lvl4pPr>
+            <a:lvl5pPr marL="1828800" algn="l" defTabSz="457200" rtl="0" eaLnBrk="1" latinLnBrk="0" hangingPunct="1">
+              <a:defRPr sz="1800" kern="1200">
+                <a:solidFill>
+                  <a:schemeClr val="tx1"/>
+                </a:solidFill>
+                <a:latin typeface="+mn-lt"/>
+                <a:ea typeface="+mn-ea"/>
+                <a:cs typeface="+mn-cs"/>
+              </a:defRPr>
+            </a:lvl5pPr>
+            <a:lvl6pPr marL="2286000" algn="l" defTabSz="457200" rtl="0" eaLnBrk="1" latinLnBrk="0" hangingPunct="1">
+              <a:defRPr sz="1800" kern="1200">
+                <a:solidFill>
+                  <a:schemeClr val="tx1"/>
+                </a:solidFill>
+                <a:latin typeface="+mn-lt"/>
+                <a:ea typeface="+mn-ea"/>
+                <a:cs typeface="+mn-cs"/>
+              </a:defRPr>
+            </a:lvl6pPr>
+            <a:lvl7pPr marL="2743200" algn="l" defTabSz="457200" rtl="0" eaLnBrk="1" latinLnBrk="0" hangingPunct="1">
+              <a:defRPr sz="1800" kern="1200">
+                <a:solidFill>
+                  <a:schemeClr val="tx1"/>
+                </a:solidFill>
+                <a:latin typeface="+mn-lt"/>
+                <a:ea typeface="+mn-ea"/>
+                <a:cs typeface="+mn-cs"/>
+              </a:defRPr>
+            </a:lvl7pPr>
+            <a:lvl8pPr marL="3200400" algn="l" defTabSz="457200" rtl="0" eaLnBrk="1" latinLnBrk="0" hangingPunct="1">
+              <a:defRPr sz="1800" kern="1200">
+                <a:solidFill>
+                  <a:schemeClr val="tx1"/>
+                </a:solidFill>
+                <a:latin typeface="+mn-lt"/>
+                <a:ea typeface="+mn-ea"/>
+                <a:cs typeface="+mn-cs"/>
+              </a:defRPr>
+            </a:lvl8pPr>
+            <a:lvl9pPr marL="3657600" algn="l" defTabSz="457200" rtl="0" eaLnBrk="1" latinLnBrk="0" hangingPunct="1">
+              <a:defRPr sz="1800" kern="1200">
+                <a:solidFill>
+                  <a:schemeClr val="tx1"/>
+                </a:solidFill>
+                <a:latin typeface="+mn-lt"/>
+                <a:ea typeface="+mn-ea"/>
+                <a:cs typeface="+mn-cs"/>
+              </a:defRPr>
+            </a:lvl9pPr>
+          </a:lstStyle>
+          <a:p>
+            <a:pPr algn="ctr"/>
+            <a:r>
+              <a:rPr lang="hr-HR" sz="1600" dirty="0">
+                <a:solidFill>
+                  <a:schemeClr val="bg1"/>
+                </a:solidFill>
+              </a:rPr>
+              <a:t>10</a:t>
+            </a:r>
+            <a:endParaRPr lang="en-US" sz="1600" dirty="0">
+              <a:solidFill>
+                <a:schemeClr val="bg1"/>
+              </a:solidFill>
+            </a:endParaRPr>
+          </a:p>
+        </p:txBody>
+      </p:sp>
+      <p:pic>
+        <p:nvPicPr>
+          <p:cNvPr id="4" name="Picture 3">
+            <a:extLst>
+              <a:ext uri="{FF2B5EF4-FFF2-40B4-BE49-F238E27FC236}">
+                <a16:creationId xmlns:a16="http://schemas.microsoft.com/office/drawing/2014/main" id="{2C4DCC2B-9EB5-B781-20F0-D71868D816C0}"/>
+              </a:ext>
+            </a:extLst>
+          </p:cNvPr>
+          <p:cNvPicPr>
+            <a:picLocks noChangeAspect="1"/>
+          </p:cNvPicPr>
+          <p:nvPr/>
+        </p:nvPicPr>
+        <p:blipFill>
+          <a:blip r:embed="rId3"/>
+          <a:stretch>
+            <a:fillRect/>
+          </a:stretch>
+        </p:blipFill>
+        <p:spPr>
+          <a:xfrm>
+            <a:off x="2888980" y="1541817"/>
+            <a:ext cx="6840602" cy="5101268"/>
+          </a:xfrm>
+          <a:prstGeom prst="rect">
+            <a:avLst/>
+          </a:prstGeom>
+        </p:spPr>
+      </p:pic>
+      <p:pic>
+        <p:nvPicPr>
+          <p:cNvPr id="7" name="Picture 6" descr="Chart&#10;&#10;Description automatically generated">
+            <a:extLst>
+              <a:ext uri="{FF2B5EF4-FFF2-40B4-BE49-F238E27FC236}">
+                <a16:creationId xmlns:a16="http://schemas.microsoft.com/office/drawing/2014/main" id="{AFCB12D1-BD70-8522-E194-51295EFE752F}"/>
+              </a:ext>
+            </a:extLst>
+          </p:cNvPr>
+          <p:cNvPicPr>
+            <a:picLocks noChangeAspect="1"/>
+          </p:cNvPicPr>
+          <p:nvPr/>
+        </p:nvPicPr>
+        <p:blipFill>
+          <a:blip r:embed="rId4"/>
+          <a:stretch>
+            <a:fillRect/>
+          </a:stretch>
+        </p:blipFill>
+        <p:spPr>
+          <a:xfrm>
+            <a:off x="5110482" y="1323350"/>
+            <a:ext cx="6451865" cy="4667838"/>
+          </a:xfrm>
+          <a:prstGeom prst="rect">
+            <a:avLst/>
+          </a:prstGeom>
+        </p:spPr>
+      </p:pic>
     </p:spTree>
     <p:extLst>
       <p:ext uri="{BB962C8B-B14F-4D97-AF65-F5344CB8AC3E}">
         <p14:creationId xmlns:p14="http://schemas.microsoft.com/office/powerpoint/2010/main" val="3588968929"/>
+      </p:ext>
+    </p:extLst>
+  </p:cSld>
+  <p:clrMapOvr>
+    <a:masterClrMapping/>
+  </p:clrMapOvr>
+  <mc:AlternateContent xmlns:mc="http://schemas.openxmlformats.org/markup-compatibility/2006" xmlns:p14="http://schemas.microsoft.com/office/powerpoint/2010/main">
+    <mc:Choice Requires="p14">
+      <p:transition p14:dur="10"/>
+    </mc:Choice>
+    <mc:Fallback xmlns="">
+      <p:transition/>
+    </mc:Fallback>
+  </mc:AlternateContent>
+  <p:timing>
+    <p:tnLst>
+      <p:par>
+        <p:cTn id="1" dur="indefinite" restart="never" nodeType="tmRoot">
+          <p:childTnLst>
+            <p:seq concurrent="1" nextAc="seek">
+              <p:cTn id="2" dur="indefinite" nodeType="mainSeq">
+                <p:childTnLst>
+                  <p:par>
+                    <p:cTn id="3" fill="hold">
+                      <p:stCondLst>
+                        <p:cond delay="indefinite"/>
+                      </p:stCondLst>
+                      <p:childTnLst>
+                        <p:par>
+                          <p:cTn id="4" fill="hold">
+                            <p:stCondLst>
+                              <p:cond delay="0"/>
+                            </p:stCondLst>
+                            <p:childTnLst>
+                              <p:par>
+                                <p:cTn id="5" presetID="1" presetClass="entr" presetSubtype="0" fill="hold" nodeType="clickEffect">
+                                  <p:stCondLst>
+                                    <p:cond delay="0"/>
+                                  </p:stCondLst>
+                                  <p:childTnLst>
+                                    <p:set>
+                                      <p:cBhvr>
+                                        <p:cTn id="6" dur="1" fill="hold">
+                                          <p:stCondLst>
+                                            <p:cond delay="0"/>
+                                          </p:stCondLst>
+                                        </p:cTn>
+                                        <p:tgtEl>
+                                          <p:spTgt spid="7"/>
+                                        </p:tgtEl>
+                                        <p:attrNameLst>
+                                          <p:attrName>style.visibility</p:attrName>
+                                        </p:attrNameLst>
+                                      </p:cBhvr>
+                                      <p:to>
+                                        <p:strVal val="visible"/>
+                                      </p:to>
+                                    </p:set>
+                                  </p:childTnLst>
+                                </p:cTn>
+                              </p:par>
+                            </p:childTnLst>
+                          </p:cTn>
+                        </p:par>
+                      </p:childTnLst>
+                    </p:cTn>
+                  </p:par>
+                </p:childTnLst>
+              </p:cTn>
+              <p:prevCondLst>
+                <p:cond evt="onPrev" delay="0">
+                  <p:tgtEl>
+                    <p:sldTgt/>
+                  </p:tgtEl>
+                </p:cond>
+              </p:prevCondLst>
+              <p:nextCondLst>
+                <p:cond evt="onNext" delay="0">
+                  <p:tgtEl>
+                    <p:sldTgt/>
+                  </p:tgtEl>
+                </p:cond>
+              </p:nextCondLst>
+            </p:seq>
+          </p:childTnLst>
+        </p:cTn>
+      </p:par>
+    </p:tnLst>
+  </p:timing>
+</p:sld>
+</file>
+
+<file path=ppt/slides/slide12.xml><?xml version="1.0" encoding="utf-8"?>
+<p:sld xmlns:a="http://schemas.openxmlformats.org/drawingml/2006/main" xmlns:r="http://schemas.openxmlformats.org/officeDocument/2006/relationships" xmlns:p="http://schemas.openxmlformats.org/presentationml/2006/main">
+  <p:cSld>
+    <p:bg>
+      <p:bgPr>
+        <a:solidFill>
+          <a:schemeClr val="tx1"/>
+        </a:solidFill>
+        <a:effectLst/>
+      </p:bgPr>
+    </p:bg>
+    <p:spTree>
+      <p:nvGrpSpPr>
+        <p:cNvPr id="1" name=""/>
+        <p:cNvGrpSpPr/>
+        <p:nvPr/>
+      </p:nvGrpSpPr>
+      <p:grpSpPr>
+        <a:xfrm>
+          <a:off x="0" y="0"/>
+          <a:ext cx="0" cy="0"/>
+          <a:chOff x="0" y="0"/>
+          <a:chExt cx="0" cy="0"/>
+        </a:xfrm>
+      </p:grpSpPr>
+      <p:sp>
+        <p:nvSpPr>
+          <p:cNvPr id="2" name="Title 1">
+            <a:extLst>
+              <a:ext uri="{FF2B5EF4-FFF2-40B4-BE49-F238E27FC236}">
+                <a16:creationId xmlns:a16="http://schemas.microsoft.com/office/drawing/2014/main" id="{80578E03-929F-BF38-09DD-7B15FCE52330}"/>
+              </a:ext>
+            </a:extLst>
+          </p:cNvPr>
+          <p:cNvSpPr>
+            <a:spLocks noGrp="1"/>
+          </p:cNvSpPr>
+          <p:nvPr>
+            <p:ph type="title"/>
+          </p:nvPr>
+        </p:nvSpPr>
+        <p:spPr>
+          <a:xfrm>
+            <a:off x="1144589" y="388320"/>
+            <a:ext cx="9905998" cy="1478570"/>
+          </a:xfrm>
+        </p:spPr>
+        <p:txBody>
+          <a:bodyPr>
+            <a:normAutofit/>
+          </a:bodyPr>
+          <a:lstStyle/>
+          <a:p>
+            <a:r>
+              <a:rPr lang="hr-HR" spc="0" dirty="0">
+                <a:solidFill>
+                  <a:schemeClr val="bg1"/>
+                </a:solidFill>
+                <a:latin typeface="Arial" panose="020B0604020202020204" pitchFamily="34" charset="0"/>
+                <a:cs typeface="Arial" panose="020B0604020202020204" pitchFamily="34" charset="0"/>
+              </a:rPr>
+              <a:t>Rezultati</a:t>
+            </a:r>
+          </a:p>
+        </p:txBody>
+      </p:sp>
+      <p:sp>
+        <p:nvSpPr>
+          <p:cNvPr id="6" name="Slide Number Placeholder 3">
+            <a:extLst>
+              <a:ext uri="{FF2B5EF4-FFF2-40B4-BE49-F238E27FC236}">
+                <a16:creationId xmlns:a16="http://schemas.microsoft.com/office/drawing/2014/main" id="{387451AD-69FE-4C27-7D7C-8873F5898834}"/>
+              </a:ext>
+            </a:extLst>
+          </p:cNvPr>
+          <p:cNvSpPr txBox="1">
+            <a:spLocks/>
+          </p:cNvSpPr>
+          <p:nvPr/>
+        </p:nvSpPr>
+        <p:spPr>
+          <a:xfrm>
+            <a:off x="11562347" y="6428170"/>
+            <a:ext cx="629653" cy="429830"/>
+          </a:xfrm>
+          <a:prstGeom prst="rect">
+            <a:avLst/>
+          </a:prstGeom>
+        </p:spPr>
+        <p:txBody>
+          <a:bodyPr vert="horz" lIns="91440" tIns="45720" rIns="91440" bIns="45720" rtlCol="0" anchor="ctr"/>
+          <a:lstStyle>
+            <a:defPPr>
+              <a:defRPr lang="en-US"/>
+            </a:defPPr>
+            <a:lvl1pPr marL="0" algn="r" defTabSz="457200" rtl="0" eaLnBrk="1" latinLnBrk="0" hangingPunct="1">
+              <a:defRPr sz="1050" kern="1200">
+                <a:solidFill>
+                  <a:schemeClr val="tx1">
+                    <a:tint val="75000"/>
+                  </a:schemeClr>
+                </a:solidFill>
+                <a:latin typeface="+mn-lt"/>
+                <a:ea typeface="+mn-ea"/>
+                <a:cs typeface="+mn-cs"/>
+              </a:defRPr>
+            </a:lvl1pPr>
+            <a:lvl2pPr marL="457200" algn="l" defTabSz="457200" rtl="0" eaLnBrk="1" latinLnBrk="0" hangingPunct="1">
+              <a:defRPr sz="1800" kern="1200">
+                <a:solidFill>
+                  <a:schemeClr val="tx1"/>
+                </a:solidFill>
+                <a:latin typeface="+mn-lt"/>
+                <a:ea typeface="+mn-ea"/>
+                <a:cs typeface="+mn-cs"/>
+              </a:defRPr>
+            </a:lvl2pPr>
+            <a:lvl3pPr marL="914400" algn="l" defTabSz="457200" rtl="0" eaLnBrk="1" latinLnBrk="0" hangingPunct="1">
+              <a:defRPr sz="1800" kern="1200">
+                <a:solidFill>
+                  <a:schemeClr val="tx1"/>
+                </a:solidFill>
+                <a:latin typeface="+mn-lt"/>
+                <a:ea typeface="+mn-ea"/>
+                <a:cs typeface="+mn-cs"/>
+              </a:defRPr>
+            </a:lvl3pPr>
+            <a:lvl4pPr marL="1371600" algn="l" defTabSz="457200" rtl="0" eaLnBrk="1" latinLnBrk="0" hangingPunct="1">
+              <a:defRPr sz="1800" kern="1200">
+                <a:solidFill>
+                  <a:schemeClr val="tx1"/>
+                </a:solidFill>
+                <a:latin typeface="+mn-lt"/>
+                <a:ea typeface="+mn-ea"/>
+                <a:cs typeface="+mn-cs"/>
+              </a:defRPr>
+            </a:lvl4pPr>
+            <a:lvl5pPr marL="1828800" algn="l" defTabSz="457200" rtl="0" eaLnBrk="1" latinLnBrk="0" hangingPunct="1">
+              <a:defRPr sz="1800" kern="1200">
+                <a:solidFill>
+                  <a:schemeClr val="tx1"/>
+                </a:solidFill>
+                <a:latin typeface="+mn-lt"/>
+                <a:ea typeface="+mn-ea"/>
+                <a:cs typeface="+mn-cs"/>
+              </a:defRPr>
+            </a:lvl5pPr>
+            <a:lvl6pPr marL="2286000" algn="l" defTabSz="457200" rtl="0" eaLnBrk="1" latinLnBrk="0" hangingPunct="1">
+              <a:defRPr sz="1800" kern="1200">
+                <a:solidFill>
+                  <a:schemeClr val="tx1"/>
+                </a:solidFill>
+                <a:latin typeface="+mn-lt"/>
+                <a:ea typeface="+mn-ea"/>
+                <a:cs typeface="+mn-cs"/>
+              </a:defRPr>
+            </a:lvl6pPr>
+            <a:lvl7pPr marL="2743200" algn="l" defTabSz="457200" rtl="0" eaLnBrk="1" latinLnBrk="0" hangingPunct="1">
+              <a:defRPr sz="1800" kern="1200">
+                <a:solidFill>
+                  <a:schemeClr val="tx1"/>
+                </a:solidFill>
+                <a:latin typeface="+mn-lt"/>
+                <a:ea typeface="+mn-ea"/>
+                <a:cs typeface="+mn-cs"/>
+              </a:defRPr>
+            </a:lvl7pPr>
+            <a:lvl8pPr marL="3200400" algn="l" defTabSz="457200" rtl="0" eaLnBrk="1" latinLnBrk="0" hangingPunct="1">
+              <a:defRPr sz="1800" kern="1200">
+                <a:solidFill>
+                  <a:schemeClr val="tx1"/>
+                </a:solidFill>
+                <a:latin typeface="+mn-lt"/>
+                <a:ea typeface="+mn-ea"/>
+                <a:cs typeface="+mn-cs"/>
+              </a:defRPr>
+            </a:lvl8pPr>
+            <a:lvl9pPr marL="3657600" algn="l" defTabSz="457200" rtl="0" eaLnBrk="1" latinLnBrk="0" hangingPunct="1">
+              <a:defRPr sz="1800" kern="1200">
+                <a:solidFill>
+                  <a:schemeClr val="tx1"/>
+                </a:solidFill>
+                <a:latin typeface="+mn-lt"/>
+                <a:ea typeface="+mn-ea"/>
+                <a:cs typeface="+mn-cs"/>
+              </a:defRPr>
+            </a:lvl9pPr>
+          </a:lstStyle>
+          <a:p>
+            <a:pPr algn="ctr"/>
+            <a:r>
+              <a:rPr lang="hr-HR" sz="1600" dirty="0">
+                <a:solidFill>
+                  <a:schemeClr val="bg1"/>
+                </a:solidFill>
+              </a:rPr>
+              <a:t>11</a:t>
+            </a:r>
+            <a:endParaRPr lang="en-US" sz="1600" dirty="0">
+              <a:solidFill>
+                <a:schemeClr val="bg1"/>
+              </a:solidFill>
+            </a:endParaRPr>
+          </a:p>
+        </p:txBody>
+      </p:sp>
+      <p:pic>
+        <p:nvPicPr>
+          <p:cNvPr id="5" name="Picture 4" descr="Chart, line chart, histogram&#10;&#10;Description automatically generated">
+            <a:extLst>
+              <a:ext uri="{FF2B5EF4-FFF2-40B4-BE49-F238E27FC236}">
+                <a16:creationId xmlns:a16="http://schemas.microsoft.com/office/drawing/2014/main" id="{A0F72640-1305-E3D4-6A4E-572E232BB24D}"/>
+              </a:ext>
+            </a:extLst>
+          </p:cNvPr>
+          <p:cNvPicPr>
+            <a:picLocks noChangeAspect="1"/>
+          </p:cNvPicPr>
+          <p:nvPr/>
+        </p:nvPicPr>
+        <p:blipFill rotWithShape="1">
+          <a:blip r:embed="rId3"/>
+          <a:srcRect t="5557"/>
+          <a:stretch/>
+        </p:blipFill>
+        <p:spPr bwMode="auto">
+          <a:xfrm>
+            <a:off x="2752569" y="1361718"/>
+            <a:ext cx="7424762" cy="5281367"/>
+          </a:xfrm>
+          <a:prstGeom prst="rect">
+            <a:avLst/>
+          </a:prstGeom>
+          <a:ln>
+            <a:noFill/>
+          </a:ln>
+          <a:extLst>
+            <a:ext uri="{53640926-AAD7-44D8-BBD7-CCE9431645EC}">
+              <a14:shadowObscured xmlns:a14="http://schemas.microsoft.com/office/drawing/2010/main"/>
+            </a:ext>
+          </a:extLst>
+        </p:spPr>
+      </p:pic>
+      <p:pic>
+        <p:nvPicPr>
+          <p:cNvPr id="7" name="Picture 6" descr="Chart, line chart&#10;&#10;Description automatically generated">
+            <a:extLst>
+              <a:ext uri="{FF2B5EF4-FFF2-40B4-BE49-F238E27FC236}">
+                <a16:creationId xmlns:a16="http://schemas.microsoft.com/office/drawing/2014/main" id="{5608447E-8CBD-3573-EB53-ADFE477D4602}"/>
+              </a:ext>
+            </a:extLst>
+          </p:cNvPr>
+          <p:cNvPicPr>
+            <a:picLocks noChangeAspect="1"/>
+          </p:cNvPicPr>
+          <p:nvPr/>
+        </p:nvPicPr>
+        <p:blipFill>
+          <a:blip r:embed="rId4"/>
+          <a:stretch>
+            <a:fillRect/>
+          </a:stretch>
+        </p:blipFill>
+        <p:spPr>
+          <a:xfrm>
+            <a:off x="1367553" y="1638903"/>
+            <a:ext cx="7023918" cy="5004182"/>
+          </a:xfrm>
+          <a:prstGeom prst="rect">
+            <a:avLst/>
+          </a:prstGeom>
+        </p:spPr>
+      </p:pic>
+    </p:spTree>
+    <p:extLst>
+      <p:ext uri="{BB962C8B-B14F-4D97-AF65-F5344CB8AC3E}">
+        <p14:creationId xmlns:p14="http://schemas.microsoft.com/office/powerpoint/2010/main" val="3516481542"/>
+      </p:ext>
+    </p:extLst>
+  </p:cSld>
+  <p:clrMapOvr>
+    <a:masterClrMapping/>
+  </p:clrMapOvr>
+  <p:timing>
+    <p:tnLst>
+      <p:par>
+        <p:cTn id="1" dur="indefinite" restart="never" nodeType="tmRoot">
+          <p:childTnLst>
+            <p:seq concurrent="1" nextAc="seek">
+              <p:cTn id="2" dur="indefinite" nodeType="mainSeq">
+                <p:childTnLst>
+                  <p:par>
+                    <p:cTn id="3" fill="hold">
+                      <p:stCondLst>
+                        <p:cond delay="indefinite"/>
+                      </p:stCondLst>
+                      <p:childTnLst>
+                        <p:par>
+                          <p:cTn id="4" fill="hold">
+                            <p:stCondLst>
+                              <p:cond delay="0"/>
+                            </p:stCondLst>
+                            <p:childTnLst>
+                              <p:par>
+                                <p:cTn id="5" presetID="1" presetClass="entr" presetSubtype="0" fill="hold" nodeType="clickEffect">
+                                  <p:stCondLst>
+                                    <p:cond delay="0"/>
+                                  </p:stCondLst>
+                                  <p:childTnLst>
+                                    <p:set>
+                                      <p:cBhvr>
+                                        <p:cTn id="6" dur="1" fill="hold">
+                                          <p:stCondLst>
+                                            <p:cond delay="0"/>
+                                          </p:stCondLst>
+                                        </p:cTn>
+                                        <p:tgtEl>
+                                          <p:spTgt spid="7"/>
+                                        </p:tgtEl>
+                                        <p:attrNameLst>
+                                          <p:attrName>style.visibility</p:attrName>
+                                        </p:attrNameLst>
+                                      </p:cBhvr>
+                                      <p:to>
+                                        <p:strVal val="visible"/>
+                                      </p:to>
+                                    </p:set>
+                                  </p:childTnLst>
+                                </p:cTn>
+                              </p:par>
+                            </p:childTnLst>
+                          </p:cTn>
+                        </p:par>
+                      </p:childTnLst>
+                    </p:cTn>
+                  </p:par>
+                </p:childTnLst>
+              </p:cTn>
+              <p:prevCondLst>
+                <p:cond evt="onPrev" delay="0">
+                  <p:tgtEl>
+                    <p:sldTgt/>
+                  </p:tgtEl>
+                </p:cond>
+              </p:prevCondLst>
+              <p:nextCondLst>
+                <p:cond evt="onNext" delay="0">
+                  <p:tgtEl>
+                    <p:sldTgt/>
+                  </p:tgtEl>
+                </p:cond>
+              </p:nextCondLst>
+            </p:seq>
+          </p:childTnLst>
+        </p:cTn>
+      </p:par>
+    </p:tnLst>
+  </p:timing>
+</p:sld>
+</file>
+
+<file path=ppt/slides/slide13.xml><?xml version="1.0" encoding="utf-8"?>
+<p:sld xmlns:a="http://schemas.openxmlformats.org/drawingml/2006/main" xmlns:r="http://schemas.openxmlformats.org/officeDocument/2006/relationships" xmlns:p="http://schemas.openxmlformats.org/presentationml/2006/main">
+  <p:cSld>
+    <p:bg>
+      <p:bgPr>
+        <a:solidFill>
+          <a:schemeClr val="tx1"/>
+        </a:solidFill>
+        <a:effectLst/>
+      </p:bgPr>
+    </p:bg>
+    <p:spTree>
+      <p:nvGrpSpPr>
+        <p:cNvPr id="1" name=""/>
+        <p:cNvGrpSpPr/>
+        <p:nvPr/>
+      </p:nvGrpSpPr>
+      <p:grpSpPr>
+        <a:xfrm>
+          <a:off x="0" y="0"/>
+          <a:ext cx="0" cy="0"/>
+          <a:chOff x="0" y="0"/>
+          <a:chExt cx="0" cy="0"/>
+        </a:xfrm>
+      </p:grpSpPr>
+      <p:sp>
+        <p:nvSpPr>
+          <p:cNvPr id="2" name="Title 1">
+            <a:extLst>
+              <a:ext uri="{FF2B5EF4-FFF2-40B4-BE49-F238E27FC236}">
+                <a16:creationId xmlns:a16="http://schemas.microsoft.com/office/drawing/2014/main" id="{80578E03-929F-BF38-09DD-7B15FCE52330}"/>
+              </a:ext>
+            </a:extLst>
+          </p:cNvPr>
+          <p:cNvSpPr>
+            <a:spLocks noGrp="1"/>
+          </p:cNvSpPr>
+          <p:nvPr>
+            <p:ph type="title"/>
+          </p:nvPr>
+        </p:nvSpPr>
+        <p:spPr>
+          <a:xfrm>
+            <a:off x="1144589" y="388320"/>
+            <a:ext cx="9905998" cy="1478570"/>
+          </a:xfrm>
+        </p:spPr>
+        <p:txBody>
+          <a:bodyPr>
+            <a:normAutofit/>
+          </a:bodyPr>
+          <a:lstStyle/>
+          <a:p>
+            <a:r>
+              <a:rPr lang="hr-HR" spc="0" dirty="0">
+                <a:solidFill>
+                  <a:schemeClr val="bg1"/>
+                </a:solidFill>
+                <a:latin typeface="Arial" panose="020B0604020202020204" pitchFamily="34" charset="0"/>
+                <a:cs typeface="Arial" panose="020B0604020202020204" pitchFamily="34" charset="0"/>
+              </a:rPr>
+              <a:t>Rezultati</a:t>
+            </a:r>
+            <a:br>
+              <a:rPr lang="hr-HR" spc="0" dirty="0">
+                <a:solidFill>
+                  <a:schemeClr val="bg1"/>
+                </a:solidFill>
+                <a:latin typeface="Arial" panose="020B0604020202020204" pitchFamily="34" charset="0"/>
+                <a:cs typeface="Arial" panose="020B0604020202020204" pitchFamily="34" charset="0"/>
+              </a:rPr>
+            </a:br>
+            <a:r>
+              <a:rPr lang="hr-HR" sz="1400" dirty="0">
+                <a:solidFill>
+                  <a:schemeClr val="bg1"/>
+                </a:solidFill>
+                <a:latin typeface="Arial" panose="020B0604020202020204" pitchFamily="34" charset="0"/>
+                <a:cs typeface="Arial" panose="020B0604020202020204" pitchFamily="34" charset="0"/>
+              </a:rPr>
+              <a:t>(</a:t>
+            </a:r>
+            <a:r>
+              <a:rPr lang="hr-HR" sz="1400" i="1" dirty="0" err="1">
+                <a:solidFill>
+                  <a:schemeClr val="bg1"/>
+                </a:solidFill>
+                <a:latin typeface="Arial" panose="020B0604020202020204" pitchFamily="34" charset="0"/>
+                <a:cs typeface="Arial" panose="020B0604020202020204" pitchFamily="34" charset="0"/>
+              </a:rPr>
+              <a:t>Batch_size</a:t>
+            </a:r>
+            <a:r>
+              <a:rPr lang="hr-HR" sz="1400" i="1" dirty="0">
+                <a:solidFill>
+                  <a:schemeClr val="bg1"/>
+                </a:solidFill>
+                <a:latin typeface="Arial" panose="020B0604020202020204" pitchFamily="34" charset="0"/>
+                <a:cs typeface="Arial" panose="020B0604020202020204" pitchFamily="34" charset="0"/>
+              </a:rPr>
+              <a:t>)</a:t>
+            </a:r>
+            <a:endParaRPr lang="hr-HR" spc="0" dirty="0">
+              <a:solidFill>
+                <a:schemeClr val="bg1"/>
+              </a:solidFill>
+              <a:latin typeface="Arial" panose="020B0604020202020204" pitchFamily="34" charset="0"/>
+              <a:cs typeface="Arial" panose="020B0604020202020204" pitchFamily="34" charset="0"/>
+            </a:endParaRPr>
+          </a:p>
+        </p:txBody>
+      </p:sp>
+      <p:sp>
+        <p:nvSpPr>
+          <p:cNvPr id="6" name="Slide Number Placeholder 3">
+            <a:extLst>
+              <a:ext uri="{FF2B5EF4-FFF2-40B4-BE49-F238E27FC236}">
+                <a16:creationId xmlns:a16="http://schemas.microsoft.com/office/drawing/2014/main" id="{387451AD-69FE-4C27-7D7C-8873F5898834}"/>
+              </a:ext>
+            </a:extLst>
+          </p:cNvPr>
+          <p:cNvSpPr txBox="1">
+            <a:spLocks/>
+          </p:cNvSpPr>
+          <p:nvPr/>
+        </p:nvSpPr>
+        <p:spPr>
+          <a:xfrm>
+            <a:off x="11562347" y="6428170"/>
+            <a:ext cx="629653" cy="429830"/>
+          </a:xfrm>
+          <a:prstGeom prst="rect">
+            <a:avLst/>
+          </a:prstGeom>
+        </p:spPr>
+        <p:txBody>
+          <a:bodyPr vert="horz" lIns="91440" tIns="45720" rIns="91440" bIns="45720" rtlCol="0" anchor="ctr"/>
+          <a:lstStyle>
+            <a:defPPr>
+              <a:defRPr lang="en-US"/>
+            </a:defPPr>
+            <a:lvl1pPr marL="0" algn="r" defTabSz="457200" rtl="0" eaLnBrk="1" latinLnBrk="0" hangingPunct="1">
+              <a:defRPr sz="1050" kern="1200">
+                <a:solidFill>
+                  <a:schemeClr val="tx1">
+                    <a:tint val="75000"/>
+                  </a:schemeClr>
+                </a:solidFill>
+                <a:latin typeface="+mn-lt"/>
+                <a:ea typeface="+mn-ea"/>
+                <a:cs typeface="+mn-cs"/>
+              </a:defRPr>
+            </a:lvl1pPr>
+            <a:lvl2pPr marL="457200" algn="l" defTabSz="457200" rtl="0" eaLnBrk="1" latinLnBrk="0" hangingPunct="1">
+              <a:defRPr sz="1800" kern="1200">
+                <a:solidFill>
+                  <a:schemeClr val="tx1"/>
+                </a:solidFill>
+                <a:latin typeface="+mn-lt"/>
+                <a:ea typeface="+mn-ea"/>
+                <a:cs typeface="+mn-cs"/>
+              </a:defRPr>
+            </a:lvl2pPr>
+            <a:lvl3pPr marL="914400" algn="l" defTabSz="457200" rtl="0" eaLnBrk="1" latinLnBrk="0" hangingPunct="1">
+              <a:defRPr sz="1800" kern="1200">
+                <a:solidFill>
+                  <a:schemeClr val="tx1"/>
+                </a:solidFill>
+                <a:latin typeface="+mn-lt"/>
+                <a:ea typeface="+mn-ea"/>
+                <a:cs typeface="+mn-cs"/>
+              </a:defRPr>
+            </a:lvl3pPr>
+            <a:lvl4pPr marL="1371600" algn="l" defTabSz="457200" rtl="0" eaLnBrk="1" latinLnBrk="0" hangingPunct="1">
+              <a:defRPr sz="1800" kern="1200">
+                <a:solidFill>
+                  <a:schemeClr val="tx1"/>
+                </a:solidFill>
+                <a:latin typeface="+mn-lt"/>
+                <a:ea typeface="+mn-ea"/>
+                <a:cs typeface="+mn-cs"/>
+              </a:defRPr>
+            </a:lvl4pPr>
+            <a:lvl5pPr marL="1828800" algn="l" defTabSz="457200" rtl="0" eaLnBrk="1" latinLnBrk="0" hangingPunct="1">
+              <a:defRPr sz="1800" kern="1200">
+                <a:solidFill>
+                  <a:schemeClr val="tx1"/>
+                </a:solidFill>
+                <a:latin typeface="+mn-lt"/>
+                <a:ea typeface="+mn-ea"/>
+                <a:cs typeface="+mn-cs"/>
+              </a:defRPr>
+            </a:lvl5pPr>
+            <a:lvl6pPr marL="2286000" algn="l" defTabSz="457200" rtl="0" eaLnBrk="1" latinLnBrk="0" hangingPunct="1">
+              <a:defRPr sz="1800" kern="1200">
+                <a:solidFill>
+                  <a:schemeClr val="tx1"/>
+                </a:solidFill>
+                <a:latin typeface="+mn-lt"/>
+                <a:ea typeface="+mn-ea"/>
+                <a:cs typeface="+mn-cs"/>
+              </a:defRPr>
+            </a:lvl6pPr>
+            <a:lvl7pPr marL="2743200" algn="l" defTabSz="457200" rtl="0" eaLnBrk="1" latinLnBrk="0" hangingPunct="1">
+              <a:defRPr sz="1800" kern="1200">
+                <a:solidFill>
+                  <a:schemeClr val="tx1"/>
+                </a:solidFill>
+                <a:latin typeface="+mn-lt"/>
+                <a:ea typeface="+mn-ea"/>
+                <a:cs typeface="+mn-cs"/>
+              </a:defRPr>
+            </a:lvl7pPr>
+            <a:lvl8pPr marL="3200400" algn="l" defTabSz="457200" rtl="0" eaLnBrk="1" latinLnBrk="0" hangingPunct="1">
+              <a:defRPr sz="1800" kern="1200">
+                <a:solidFill>
+                  <a:schemeClr val="tx1"/>
+                </a:solidFill>
+                <a:latin typeface="+mn-lt"/>
+                <a:ea typeface="+mn-ea"/>
+                <a:cs typeface="+mn-cs"/>
+              </a:defRPr>
+            </a:lvl8pPr>
+            <a:lvl9pPr marL="3657600" algn="l" defTabSz="457200" rtl="0" eaLnBrk="1" latinLnBrk="0" hangingPunct="1">
+              <a:defRPr sz="1800" kern="1200">
+                <a:solidFill>
+                  <a:schemeClr val="tx1"/>
+                </a:solidFill>
+                <a:latin typeface="+mn-lt"/>
+                <a:ea typeface="+mn-ea"/>
+                <a:cs typeface="+mn-cs"/>
+              </a:defRPr>
+            </a:lvl9pPr>
+          </a:lstStyle>
+          <a:p>
+            <a:pPr algn="ctr"/>
+            <a:r>
+              <a:rPr lang="hr-HR" sz="1600" dirty="0">
+                <a:solidFill>
+                  <a:schemeClr val="bg1"/>
+                </a:solidFill>
+              </a:rPr>
+              <a:t>12</a:t>
+            </a:r>
+            <a:endParaRPr lang="en-US" sz="1600" dirty="0">
+              <a:solidFill>
+                <a:schemeClr val="bg1"/>
+              </a:solidFill>
+            </a:endParaRPr>
+          </a:p>
+        </p:txBody>
+      </p:sp>
+      <p:pic>
+        <p:nvPicPr>
+          <p:cNvPr id="8" name="Picture 7">
+            <a:extLst>
+              <a:ext uri="{FF2B5EF4-FFF2-40B4-BE49-F238E27FC236}">
+                <a16:creationId xmlns:a16="http://schemas.microsoft.com/office/drawing/2014/main" id="{0F5A2A1B-4525-CF8C-90EF-091EBF54EB36}"/>
+              </a:ext>
+            </a:extLst>
+          </p:cNvPr>
+          <p:cNvPicPr>
+            <a:picLocks noChangeAspect="1"/>
+          </p:cNvPicPr>
+          <p:nvPr/>
+        </p:nvPicPr>
+        <p:blipFill>
+          <a:blip r:embed="rId3" cstate="print">
+            <a:extLst>
+              <a:ext uri="{28A0092B-C50C-407E-A947-70E740481C1C}">
+                <a14:useLocalDpi xmlns:a14="http://schemas.microsoft.com/office/drawing/2010/main" val="0"/>
+              </a:ext>
+            </a:extLst>
+          </a:blip>
+          <a:srcRect/>
+          <a:stretch>
+            <a:fillRect/>
+          </a:stretch>
+        </p:blipFill>
+        <p:spPr bwMode="auto">
+          <a:xfrm>
+            <a:off x="3888594" y="691975"/>
+            <a:ext cx="7357584" cy="5951110"/>
+          </a:xfrm>
+          <a:prstGeom prst="rect">
+            <a:avLst/>
+          </a:prstGeom>
+          <a:noFill/>
+          <a:ln>
+            <a:noFill/>
+          </a:ln>
+        </p:spPr>
+      </p:pic>
+    </p:spTree>
+    <p:extLst>
+      <p:ext uri="{BB962C8B-B14F-4D97-AF65-F5344CB8AC3E}">
+        <p14:creationId xmlns:p14="http://schemas.microsoft.com/office/powerpoint/2010/main" val="4217926404"/>
+      </p:ext>
+    </p:extLst>
+  </p:cSld>
+  <p:clrMapOvr>
+    <a:masterClrMapping/>
+  </p:clrMapOvr>
+</p:sld>
+</file>
+
+<file path=ppt/slides/slide14.xml><?xml version="1.0" encoding="utf-8"?>
+<p:sld xmlns:a="http://schemas.openxmlformats.org/drawingml/2006/main" xmlns:r="http://schemas.openxmlformats.org/officeDocument/2006/relationships" xmlns:p="http://schemas.openxmlformats.org/presentationml/2006/main">
+  <p:cSld>
+    <p:bg>
+      <p:bgPr>
+        <a:solidFill>
+          <a:schemeClr val="tx1"/>
+        </a:solidFill>
+        <a:effectLst/>
+      </p:bgPr>
+    </p:bg>
+    <p:spTree>
+      <p:nvGrpSpPr>
+        <p:cNvPr id="1" name=""/>
+        <p:cNvGrpSpPr/>
+        <p:nvPr/>
+      </p:nvGrpSpPr>
+      <p:grpSpPr>
+        <a:xfrm>
+          <a:off x="0" y="0"/>
+          <a:ext cx="0" cy="0"/>
+          <a:chOff x="0" y="0"/>
+          <a:chExt cx="0" cy="0"/>
+        </a:xfrm>
+      </p:grpSpPr>
+      <p:sp>
+        <p:nvSpPr>
+          <p:cNvPr id="2" name="Title 1">
+            <a:extLst>
+              <a:ext uri="{FF2B5EF4-FFF2-40B4-BE49-F238E27FC236}">
+                <a16:creationId xmlns:a16="http://schemas.microsoft.com/office/drawing/2014/main" id="{80578E03-929F-BF38-09DD-7B15FCE52330}"/>
+              </a:ext>
+            </a:extLst>
+          </p:cNvPr>
+          <p:cNvSpPr>
+            <a:spLocks noGrp="1"/>
+          </p:cNvSpPr>
+          <p:nvPr>
+            <p:ph type="title"/>
+          </p:nvPr>
+        </p:nvSpPr>
+        <p:spPr>
+          <a:xfrm>
+            <a:off x="1144589" y="388320"/>
+            <a:ext cx="9905998" cy="1478570"/>
+          </a:xfrm>
+        </p:spPr>
+        <p:txBody>
+          <a:bodyPr>
+            <a:normAutofit/>
+          </a:bodyPr>
+          <a:lstStyle/>
+          <a:p>
+            <a:r>
+              <a:rPr lang="hr-HR" spc="0" dirty="0">
+                <a:solidFill>
+                  <a:schemeClr val="bg1"/>
+                </a:solidFill>
+                <a:latin typeface="Arial" panose="020B0604020202020204" pitchFamily="34" charset="0"/>
+                <a:cs typeface="Arial" panose="020B0604020202020204" pitchFamily="34" charset="0"/>
+              </a:rPr>
+              <a:t>Rezultati </a:t>
+            </a:r>
+            <a:r>
+              <a:rPr lang="hr-HR" sz="1400" dirty="0">
+                <a:solidFill>
+                  <a:schemeClr val="bg1"/>
+                </a:solidFill>
+                <a:latin typeface="Arial" panose="020B0604020202020204" pitchFamily="34" charset="0"/>
+                <a:cs typeface="Arial" panose="020B0604020202020204" pitchFamily="34" charset="0"/>
+              </a:rPr>
+              <a:t>(</a:t>
+            </a:r>
+            <a:r>
+              <a:rPr lang="hr-HR" sz="1400" i="1" dirty="0" err="1">
+                <a:solidFill>
+                  <a:schemeClr val="bg1"/>
+                </a:solidFill>
+                <a:latin typeface="Arial" panose="020B0604020202020204" pitchFamily="34" charset="0"/>
+                <a:cs typeface="Arial" panose="020B0604020202020204" pitchFamily="34" charset="0"/>
+              </a:rPr>
+              <a:t>timestep</a:t>
+            </a:r>
+            <a:r>
+              <a:rPr lang="hr-HR" sz="1400" dirty="0">
+                <a:solidFill>
+                  <a:schemeClr val="bg1"/>
+                </a:solidFill>
+                <a:latin typeface="Arial" panose="020B0604020202020204" pitchFamily="34" charset="0"/>
+                <a:cs typeface="Arial" panose="020B0604020202020204" pitchFamily="34" charset="0"/>
+              </a:rPr>
+              <a:t>)</a:t>
+            </a:r>
+            <a:endParaRPr lang="hr-HR" spc="0" dirty="0">
+              <a:solidFill>
+                <a:schemeClr val="bg1"/>
+              </a:solidFill>
+              <a:latin typeface="Arial" panose="020B0604020202020204" pitchFamily="34" charset="0"/>
+              <a:cs typeface="Arial" panose="020B0604020202020204" pitchFamily="34" charset="0"/>
+            </a:endParaRPr>
+          </a:p>
+        </p:txBody>
+      </p:sp>
+      <p:sp>
+        <p:nvSpPr>
+          <p:cNvPr id="6" name="Slide Number Placeholder 3">
+            <a:extLst>
+              <a:ext uri="{FF2B5EF4-FFF2-40B4-BE49-F238E27FC236}">
+                <a16:creationId xmlns:a16="http://schemas.microsoft.com/office/drawing/2014/main" id="{387451AD-69FE-4C27-7D7C-8873F5898834}"/>
+              </a:ext>
+            </a:extLst>
+          </p:cNvPr>
+          <p:cNvSpPr txBox="1">
+            <a:spLocks/>
+          </p:cNvSpPr>
+          <p:nvPr/>
+        </p:nvSpPr>
+        <p:spPr>
+          <a:xfrm>
+            <a:off x="11562347" y="6428170"/>
+            <a:ext cx="629653" cy="429830"/>
+          </a:xfrm>
+          <a:prstGeom prst="rect">
+            <a:avLst/>
+          </a:prstGeom>
+        </p:spPr>
+        <p:txBody>
+          <a:bodyPr vert="horz" lIns="91440" tIns="45720" rIns="91440" bIns="45720" rtlCol="0" anchor="ctr"/>
+          <a:lstStyle>
+            <a:defPPr>
+              <a:defRPr lang="en-US"/>
+            </a:defPPr>
+            <a:lvl1pPr marL="0" algn="r" defTabSz="457200" rtl="0" eaLnBrk="1" latinLnBrk="0" hangingPunct="1">
+              <a:defRPr sz="1050" kern="1200">
+                <a:solidFill>
+                  <a:schemeClr val="tx1">
+                    <a:tint val="75000"/>
+                  </a:schemeClr>
+                </a:solidFill>
+                <a:latin typeface="+mn-lt"/>
+                <a:ea typeface="+mn-ea"/>
+                <a:cs typeface="+mn-cs"/>
+              </a:defRPr>
+            </a:lvl1pPr>
+            <a:lvl2pPr marL="457200" algn="l" defTabSz="457200" rtl="0" eaLnBrk="1" latinLnBrk="0" hangingPunct="1">
+              <a:defRPr sz="1800" kern="1200">
+                <a:solidFill>
+                  <a:schemeClr val="tx1"/>
+                </a:solidFill>
+                <a:latin typeface="+mn-lt"/>
+                <a:ea typeface="+mn-ea"/>
+                <a:cs typeface="+mn-cs"/>
+              </a:defRPr>
+            </a:lvl2pPr>
+            <a:lvl3pPr marL="914400" algn="l" defTabSz="457200" rtl="0" eaLnBrk="1" latinLnBrk="0" hangingPunct="1">
+              <a:defRPr sz="1800" kern="1200">
+                <a:solidFill>
+                  <a:schemeClr val="tx1"/>
+                </a:solidFill>
+                <a:latin typeface="+mn-lt"/>
+                <a:ea typeface="+mn-ea"/>
+                <a:cs typeface="+mn-cs"/>
+              </a:defRPr>
+            </a:lvl3pPr>
+            <a:lvl4pPr marL="1371600" algn="l" defTabSz="457200" rtl="0" eaLnBrk="1" latinLnBrk="0" hangingPunct="1">
+              <a:defRPr sz="1800" kern="1200">
+                <a:solidFill>
+                  <a:schemeClr val="tx1"/>
+                </a:solidFill>
+                <a:latin typeface="+mn-lt"/>
+                <a:ea typeface="+mn-ea"/>
+                <a:cs typeface="+mn-cs"/>
+              </a:defRPr>
+            </a:lvl4pPr>
+            <a:lvl5pPr marL="1828800" algn="l" defTabSz="457200" rtl="0" eaLnBrk="1" latinLnBrk="0" hangingPunct="1">
+              <a:defRPr sz="1800" kern="1200">
+                <a:solidFill>
+                  <a:schemeClr val="tx1"/>
+                </a:solidFill>
+                <a:latin typeface="+mn-lt"/>
+                <a:ea typeface="+mn-ea"/>
+                <a:cs typeface="+mn-cs"/>
+              </a:defRPr>
+            </a:lvl5pPr>
+            <a:lvl6pPr marL="2286000" algn="l" defTabSz="457200" rtl="0" eaLnBrk="1" latinLnBrk="0" hangingPunct="1">
+              <a:defRPr sz="1800" kern="1200">
+                <a:solidFill>
+                  <a:schemeClr val="tx1"/>
+                </a:solidFill>
+                <a:latin typeface="+mn-lt"/>
+                <a:ea typeface="+mn-ea"/>
+                <a:cs typeface="+mn-cs"/>
+              </a:defRPr>
+            </a:lvl6pPr>
+            <a:lvl7pPr marL="2743200" algn="l" defTabSz="457200" rtl="0" eaLnBrk="1" latinLnBrk="0" hangingPunct="1">
+              <a:defRPr sz="1800" kern="1200">
+                <a:solidFill>
+                  <a:schemeClr val="tx1"/>
+                </a:solidFill>
+                <a:latin typeface="+mn-lt"/>
+                <a:ea typeface="+mn-ea"/>
+                <a:cs typeface="+mn-cs"/>
+              </a:defRPr>
+            </a:lvl7pPr>
+            <a:lvl8pPr marL="3200400" algn="l" defTabSz="457200" rtl="0" eaLnBrk="1" latinLnBrk="0" hangingPunct="1">
+              <a:defRPr sz="1800" kern="1200">
+                <a:solidFill>
+                  <a:schemeClr val="tx1"/>
+                </a:solidFill>
+                <a:latin typeface="+mn-lt"/>
+                <a:ea typeface="+mn-ea"/>
+                <a:cs typeface="+mn-cs"/>
+              </a:defRPr>
+            </a:lvl8pPr>
+            <a:lvl9pPr marL="3657600" algn="l" defTabSz="457200" rtl="0" eaLnBrk="1" latinLnBrk="0" hangingPunct="1">
+              <a:defRPr sz="1800" kern="1200">
+                <a:solidFill>
+                  <a:schemeClr val="tx1"/>
+                </a:solidFill>
+                <a:latin typeface="+mn-lt"/>
+                <a:ea typeface="+mn-ea"/>
+                <a:cs typeface="+mn-cs"/>
+              </a:defRPr>
+            </a:lvl9pPr>
+          </a:lstStyle>
+          <a:p>
+            <a:pPr algn="ctr"/>
+            <a:r>
+              <a:rPr lang="hr-HR" sz="1600" dirty="0">
+                <a:solidFill>
+                  <a:schemeClr val="bg1"/>
+                </a:solidFill>
+              </a:rPr>
+              <a:t>13</a:t>
+            </a:r>
+            <a:endParaRPr lang="en-US" sz="1600" dirty="0">
+              <a:solidFill>
+                <a:schemeClr val="bg1"/>
+              </a:solidFill>
+            </a:endParaRPr>
+          </a:p>
+        </p:txBody>
+      </p:sp>
+      <p:pic>
+        <p:nvPicPr>
+          <p:cNvPr id="4" name="Picture 3" descr="Chart&#10;&#10;Description automatically generated">
+            <a:extLst>
+              <a:ext uri="{FF2B5EF4-FFF2-40B4-BE49-F238E27FC236}">
+                <a16:creationId xmlns:a16="http://schemas.microsoft.com/office/drawing/2014/main" id="{11D257EC-D41A-6245-BF21-B5DE2149DDDE}"/>
+              </a:ext>
+            </a:extLst>
+          </p:cNvPr>
+          <p:cNvPicPr>
+            <a:picLocks noChangeAspect="1"/>
+          </p:cNvPicPr>
+          <p:nvPr/>
+        </p:nvPicPr>
+        <p:blipFill rotWithShape="1">
+          <a:blip r:embed="rId3">
+            <a:extLst>
+              <a:ext uri="{28A0092B-C50C-407E-A947-70E740481C1C}">
+                <a14:useLocalDpi xmlns:a14="http://schemas.microsoft.com/office/drawing/2010/main" val="0"/>
+              </a:ext>
+            </a:extLst>
+          </a:blip>
+          <a:srcRect l="20379" t="6170"/>
+          <a:stretch/>
+        </p:blipFill>
+        <p:spPr>
+          <a:xfrm>
+            <a:off x="1433643" y="1685131"/>
+            <a:ext cx="2864979" cy="2305437"/>
+          </a:xfrm>
+          <a:prstGeom prst="rect">
+            <a:avLst/>
+          </a:prstGeom>
+        </p:spPr>
+      </p:pic>
+      <p:pic>
+        <p:nvPicPr>
+          <p:cNvPr id="7" name="Picture 6" descr="Chart, line chart, histogram&#10;&#10;Description automatically generated">
+            <a:extLst>
+              <a:ext uri="{FF2B5EF4-FFF2-40B4-BE49-F238E27FC236}">
+                <a16:creationId xmlns:a16="http://schemas.microsoft.com/office/drawing/2014/main" id="{01B339D4-EEB3-01DD-2DEB-FE1C555A89F2}"/>
+              </a:ext>
+            </a:extLst>
+          </p:cNvPr>
+          <p:cNvPicPr>
+            <a:picLocks noChangeAspect="1"/>
+          </p:cNvPicPr>
+          <p:nvPr/>
+        </p:nvPicPr>
+        <p:blipFill rotWithShape="1">
+          <a:blip r:embed="rId4">
+            <a:extLst>
+              <a:ext uri="{28A0092B-C50C-407E-A947-70E740481C1C}">
+                <a14:useLocalDpi xmlns:a14="http://schemas.microsoft.com/office/drawing/2010/main" val="0"/>
+              </a:ext>
+            </a:extLst>
+          </a:blip>
+          <a:srcRect l="20657" t="7352" b="1"/>
+          <a:stretch/>
+        </p:blipFill>
+        <p:spPr>
+          <a:xfrm>
+            <a:off x="4500499" y="1687397"/>
+            <a:ext cx="2864979" cy="2305437"/>
+          </a:xfrm>
+          <a:prstGeom prst="rect">
+            <a:avLst/>
+          </a:prstGeom>
+        </p:spPr>
+      </p:pic>
+      <p:pic>
+        <p:nvPicPr>
+          <p:cNvPr id="10" name="Picture 9" descr="Chart, line chart, histogram&#10;&#10;Description automatically generated">
+            <a:extLst>
+              <a:ext uri="{FF2B5EF4-FFF2-40B4-BE49-F238E27FC236}">
+                <a16:creationId xmlns:a16="http://schemas.microsoft.com/office/drawing/2014/main" id="{3CDC4C9E-0459-DE06-B904-F2F290EBAC29}"/>
+              </a:ext>
+            </a:extLst>
+          </p:cNvPr>
+          <p:cNvPicPr>
+            <a:picLocks noChangeAspect="1"/>
+          </p:cNvPicPr>
+          <p:nvPr/>
+        </p:nvPicPr>
+        <p:blipFill rotWithShape="1">
+          <a:blip r:embed="rId5">
+            <a:extLst>
+              <a:ext uri="{28A0092B-C50C-407E-A947-70E740481C1C}">
+                <a14:useLocalDpi xmlns:a14="http://schemas.microsoft.com/office/drawing/2010/main" val="0"/>
+              </a:ext>
+            </a:extLst>
+          </a:blip>
+          <a:srcRect l="20107" t="1287"/>
+          <a:stretch/>
+        </p:blipFill>
+        <p:spPr>
+          <a:xfrm>
+            <a:off x="7365478" y="1489435"/>
+            <a:ext cx="2944402" cy="2501133"/>
+          </a:xfrm>
+          <a:prstGeom prst="rect">
+            <a:avLst/>
+          </a:prstGeom>
+        </p:spPr>
+      </p:pic>
+      <p:pic>
+        <p:nvPicPr>
+          <p:cNvPr id="12" name="Picture 11" descr="Chart, line chart, histogram&#10;&#10;Description automatically generated">
+            <a:extLst>
+              <a:ext uri="{FF2B5EF4-FFF2-40B4-BE49-F238E27FC236}">
+                <a16:creationId xmlns:a16="http://schemas.microsoft.com/office/drawing/2014/main" id="{78D1198E-0724-B3FD-1C33-1D02447DFEF1}"/>
+              </a:ext>
+            </a:extLst>
+          </p:cNvPr>
+          <p:cNvPicPr>
+            <a:picLocks noChangeAspect="1"/>
+          </p:cNvPicPr>
+          <p:nvPr/>
+        </p:nvPicPr>
+        <p:blipFill rotWithShape="1">
+          <a:blip r:embed="rId6">
+            <a:extLst>
+              <a:ext uri="{28A0092B-C50C-407E-A947-70E740481C1C}">
+                <a14:useLocalDpi xmlns:a14="http://schemas.microsoft.com/office/drawing/2010/main" val="0"/>
+              </a:ext>
+            </a:extLst>
+          </a:blip>
+          <a:srcRect l="20995" t="6666"/>
+          <a:stretch/>
+        </p:blipFill>
+        <p:spPr>
+          <a:xfrm>
+            <a:off x="1433644" y="3990569"/>
+            <a:ext cx="2999936" cy="2437601"/>
+          </a:xfrm>
+          <a:prstGeom prst="rect">
+            <a:avLst/>
+          </a:prstGeom>
+        </p:spPr>
+      </p:pic>
+      <p:pic>
+        <p:nvPicPr>
+          <p:cNvPr id="14" name="Picture 13" descr="Chart, line chart, histogram&#10;&#10;Description automatically generated">
+            <a:extLst>
+              <a:ext uri="{FF2B5EF4-FFF2-40B4-BE49-F238E27FC236}">
+                <a16:creationId xmlns:a16="http://schemas.microsoft.com/office/drawing/2014/main" id="{2AE89033-E360-49B3-CF40-46226C1B75C3}"/>
+              </a:ext>
+            </a:extLst>
+          </p:cNvPr>
+          <p:cNvPicPr>
+            <a:picLocks noChangeAspect="1"/>
+          </p:cNvPicPr>
+          <p:nvPr/>
+        </p:nvPicPr>
+        <p:blipFill rotWithShape="1">
+          <a:blip r:embed="rId7">
+            <a:extLst>
+              <a:ext uri="{28A0092B-C50C-407E-A947-70E740481C1C}">
+                <a14:useLocalDpi xmlns:a14="http://schemas.microsoft.com/office/drawing/2010/main" val="0"/>
+              </a:ext>
+            </a:extLst>
+          </a:blip>
+          <a:srcRect l="20021" t="10782"/>
+          <a:stretch/>
+        </p:blipFill>
+        <p:spPr>
+          <a:xfrm>
+            <a:off x="4393439" y="4101093"/>
+            <a:ext cx="2999935" cy="2327077"/>
+          </a:xfrm>
+          <a:prstGeom prst="rect">
+            <a:avLst/>
+          </a:prstGeom>
+        </p:spPr>
+      </p:pic>
+      <p:pic>
+        <p:nvPicPr>
+          <p:cNvPr id="16" name="Picture 15" descr="Chart, line chart, histogram&#10;&#10;Description automatically generated">
+            <a:extLst>
+              <a:ext uri="{FF2B5EF4-FFF2-40B4-BE49-F238E27FC236}">
+                <a16:creationId xmlns:a16="http://schemas.microsoft.com/office/drawing/2014/main" id="{AB0370A7-71DD-31F6-06FB-7F34574231C7}"/>
+              </a:ext>
+            </a:extLst>
+          </p:cNvPr>
+          <p:cNvPicPr>
+            <a:picLocks noChangeAspect="1"/>
+          </p:cNvPicPr>
+          <p:nvPr/>
+        </p:nvPicPr>
+        <p:blipFill rotWithShape="1">
+          <a:blip r:embed="rId8">
+            <a:extLst>
+              <a:ext uri="{28A0092B-C50C-407E-A947-70E740481C1C}">
+                <a14:useLocalDpi xmlns:a14="http://schemas.microsoft.com/office/drawing/2010/main" val="0"/>
+              </a:ext>
+            </a:extLst>
+          </a:blip>
+          <a:srcRect l="20835" t="9140"/>
+          <a:stretch/>
+        </p:blipFill>
+        <p:spPr>
+          <a:xfrm>
+            <a:off x="7365478" y="3990568"/>
+            <a:ext cx="3130874" cy="2437602"/>
+          </a:xfrm>
+          <a:prstGeom prst="rect">
+            <a:avLst/>
+          </a:prstGeom>
+        </p:spPr>
+      </p:pic>
+    </p:spTree>
+    <p:extLst>
+      <p:ext uri="{BB962C8B-B14F-4D97-AF65-F5344CB8AC3E}">
+        <p14:creationId xmlns:p14="http://schemas.microsoft.com/office/powerpoint/2010/main" val="538710429"/>
+      </p:ext>
+    </p:extLst>
+  </p:cSld>
+  <p:clrMapOvr>
+    <a:masterClrMapping/>
+  </p:clrMapOvr>
+</p:sld>
+</file>
+
+<file path=ppt/slides/slide15.xml><?xml version="1.0" encoding="utf-8"?>
+<p:sld xmlns:a="http://schemas.openxmlformats.org/drawingml/2006/main" xmlns:r="http://schemas.openxmlformats.org/officeDocument/2006/relationships" xmlns:p="http://schemas.openxmlformats.org/presentationml/2006/main">
+  <p:cSld>
+    <p:bg>
+      <p:bgPr>
+        <a:solidFill>
+          <a:schemeClr val="tx1"/>
+        </a:solidFill>
+        <a:effectLst/>
+      </p:bgPr>
+    </p:bg>
+    <p:spTree>
+      <p:nvGrpSpPr>
+        <p:cNvPr id="1" name=""/>
+        <p:cNvGrpSpPr/>
+        <p:nvPr/>
+      </p:nvGrpSpPr>
+      <p:grpSpPr>
+        <a:xfrm>
+          <a:off x="0" y="0"/>
+          <a:ext cx="0" cy="0"/>
+          <a:chOff x="0" y="0"/>
+          <a:chExt cx="0" cy="0"/>
+        </a:xfrm>
+      </p:grpSpPr>
+      <p:sp>
+        <p:nvSpPr>
+          <p:cNvPr id="2" name="Title 1">
+            <a:extLst>
+              <a:ext uri="{FF2B5EF4-FFF2-40B4-BE49-F238E27FC236}">
+                <a16:creationId xmlns:a16="http://schemas.microsoft.com/office/drawing/2014/main" id="{80578E03-929F-BF38-09DD-7B15FCE52330}"/>
+              </a:ext>
+            </a:extLst>
+          </p:cNvPr>
+          <p:cNvSpPr>
+            <a:spLocks noGrp="1"/>
+          </p:cNvSpPr>
+          <p:nvPr>
+            <p:ph type="title"/>
+          </p:nvPr>
+        </p:nvSpPr>
+        <p:spPr>
+          <a:xfrm>
+            <a:off x="1144589" y="388320"/>
+            <a:ext cx="9905998" cy="1478570"/>
+          </a:xfrm>
+        </p:spPr>
+        <p:txBody>
+          <a:bodyPr>
+            <a:normAutofit/>
+          </a:bodyPr>
+          <a:lstStyle/>
+          <a:p>
+            <a:r>
+              <a:rPr lang="hr-HR" spc="0" dirty="0">
+                <a:solidFill>
+                  <a:schemeClr val="bg1"/>
+                </a:solidFill>
+                <a:latin typeface="Arial" panose="020B0604020202020204" pitchFamily="34" charset="0"/>
+                <a:cs typeface="Arial" panose="020B0604020202020204" pitchFamily="34" charset="0"/>
+              </a:rPr>
+              <a:t>Rezultati </a:t>
+            </a:r>
+            <a:r>
+              <a:rPr lang="hr-HR" sz="1400" spc="0" dirty="0">
+                <a:solidFill>
+                  <a:schemeClr val="bg1"/>
+                </a:solidFill>
+                <a:latin typeface="Arial" panose="020B0604020202020204" pitchFamily="34" charset="0"/>
+                <a:cs typeface="Arial" panose="020B0604020202020204" pitchFamily="34" charset="0"/>
+              </a:rPr>
+              <a:t>(</a:t>
+            </a:r>
+            <a:r>
+              <a:rPr lang="hr-HR" sz="1400" spc="0" dirty="0" err="1">
+                <a:solidFill>
+                  <a:schemeClr val="bg1"/>
+                </a:solidFill>
+                <a:latin typeface="Arial" panose="020B0604020202020204" pitchFamily="34" charset="0"/>
+                <a:cs typeface="Arial" panose="020B0604020202020204" pitchFamily="34" charset="0"/>
+              </a:rPr>
+              <a:t>epochs</a:t>
+            </a:r>
+            <a:r>
+              <a:rPr lang="hr-HR" sz="1400" spc="0" dirty="0">
+                <a:solidFill>
+                  <a:schemeClr val="bg1"/>
+                </a:solidFill>
+                <a:latin typeface="Arial" panose="020B0604020202020204" pitchFamily="34" charset="0"/>
+                <a:cs typeface="Arial" panose="020B0604020202020204" pitchFamily="34" charset="0"/>
+              </a:rPr>
+              <a:t>)</a:t>
+            </a:r>
+            <a:endParaRPr lang="hr-HR" spc="0" dirty="0">
+              <a:solidFill>
+                <a:schemeClr val="bg1"/>
+              </a:solidFill>
+              <a:latin typeface="Arial" panose="020B0604020202020204" pitchFamily="34" charset="0"/>
+              <a:cs typeface="Arial" panose="020B0604020202020204" pitchFamily="34" charset="0"/>
+            </a:endParaRPr>
+          </a:p>
+        </p:txBody>
+      </p:sp>
+      <p:sp>
+        <p:nvSpPr>
+          <p:cNvPr id="6" name="Slide Number Placeholder 3">
+            <a:extLst>
+              <a:ext uri="{FF2B5EF4-FFF2-40B4-BE49-F238E27FC236}">
+                <a16:creationId xmlns:a16="http://schemas.microsoft.com/office/drawing/2014/main" id="{387451AD-69FE-4C27-7D7C-8873F5898834}"/>
+              </a:ext>
+            </a:extLst>
+          </p:cNvPr>
+          <p:cNvSpPr txBox="1">
+            <a:spLocks/>
+          </p:cNvSpPr>
+          <p:nvPr/>
+        </p:nvSpPr>
+        <p:spPr>
+          <a:xfrm>
+            <a:off x="11562347" y="6428170"/>
+            <a:ext cx="629653" cy="429830"/>
+          </a:xfrm>
+          <a:prstGeom prst="rect">
+            <a:avLst/>
+          </a:prstGeom>
+        </p:spPr>
+        <p:txBody>
+          <a:bodyPr vert="horz" lIns="91440" tIns="45720" rIns="91440" bIns="45720" rtlCol="0" anchor="ctr"/>
+          <a:lstStyle>
+            <a:defPPr>
+              <a:defRPr lang="en-US"/>
+            </a:defPPr>
+            <a:lvl1pPr marL="0" algn="r" defTabSz="457200" rtl="0" eaLnBrk="1" latinLnBrk="0" hangingPunct="1">
+              <a:defRPr sz="1050" kern="1200">
+                <a:solidFill>
+                  <a:schemeClr val="tx1">
+                    <a:tint val="75000"/>
+                  </a:schemeClr>
+                </a:solidFill>
+                <a:latin typeface="+mn-lt"/>
+                <a:ea typeface="+mn-ea"/>
+                <a:cs typeface="+mn-cs"/>
+              </a:defRPr>
+            </a:lvl1pPr>
+            <a:lvl2pPr marL="457200" algn="l" defTabSz="457200" rtl="0" eaLnBrk="1" latinLnBrk="0" hangingPunct="1">
+              <a:defRPr sz="1800" kern="1200">
+                <a:solidFill>
+                  <a:schemeClr val="tx1"/>
+                </a:solidFill>
+                <a:latin typeface="+mn-lt"/>
+                <a:ea typeface="+mn-ea"/>
+                <a:cs typeface="+mn-cs"/>
+              </a:defRPr>
+            </a:lvl2pPr>
+            <a:lvl3pPr marL="914400" algn="l" defTabSz="457200" rtl="0" eaLnBrk="1" latinLnBrk="0" hangingPunct="1">
+              <a:defRPr sz="1800" kern="1200">
+                <a:solidFill>
+                  <a:schemeClr val="tx1"/>
+                </a:solidFill>
+                <a:latin typeface="+mn-lt"/>
+                <a:ea typeface="+mn-ea"/>
+                <a:cs typeface="+mn-cs"/>
+              </a:defRPr>
+            </a:lvl3pPr>
+            <a:lvl4pPr marL="1371600" algn="l" defTabSz="457200" rtl="0" eaLnBrk="1" latinLnBrk="0" hangingPunct="1">
+              <a:defRPr sz="1800" kern="1200">
+                <a:solidFill>
+                  <a:schemeClr val="tx1"/>
+                </a:solidFill>
+                <a:latin typeface="+mn-lt"/>
+                <a:ea typeface="+mn-ea"/>
+                <a:cs typeface="+mn-cs"/>
+              </a:defRPr>
+            </a:lvl4pPr>
+            <a:lvl5pPr marL="1828800" algn="l" defTabSz="457200" rtl="0" eaLnBrk="1" latinLnBrk="0" hangingPunct="1">
+              <a:defRPr sz="1800" kern="1200">
+                <a:solidFill>
+                  <a:schemeClr val="tx1"/>
+                </a:solidFill>
+                <a:latin typeface="+mn-lt"/>
+                <a:ea typeface="+mn-ea"/>
+                <a:cs typeface="+mn-cs"/>
+              </a:defRPr>
+            </a:lvl5pPr>
+            <a:lvl6pPr marL="2286000" algn="l" defTabSz="457200" rtl="0" eaLnBrk="1" latinLnBrk="0" hangingPunct="1">
+              <a:defRPr sz="1800" kern="1200">
+                <a:solidFill>
+                  <a:schemeClr val="tx1"/>
+                </a:solidFill>
+                <a:latin typeface="+mn-lt"/>
+                <a:ea typeface="+mn-ea"/>
+                <a:cs typeface="+mn-cs"/>
+              </a:defRPr>
+            </a:lvl6pPr>
+            <a:lvl7pPr marL="2743200" algn="l" defTabSz="457200" rtl="0" eaLnBrk="1" latinLnBrk="0" hangingPunct="1">
+              <a:defRPr sz="1800" kern="1200">
+                <a:solidFill>
+                  <a:schemeClr val="tx1"/>
+                </a:solidFill>
+                <a:latin typeface="+mn-lt"/>
+                <a:ea typeface="+mn-ea"/>
+                <a:cs typeface="+mn-cs"/>
+              </a:defRPr>
+            </a:lvl7pPr>
+            <a:lvl8pPr marL="3200400" algn="l" defTabSz="457200" rtl="0" eaLnBrk="1" latinLnBrk="0" hangingPunct="1">
+              <a:defRPr sz="1800" kern="1200">
+                <a:solidFill>
+                  <a:schemeClr val="tx1"/>
+                </a:solidFill>
+                <a:latin typeface="+mn-lt"/>
+                <a:ea typeface="+mn-ea"/>
+                <a:cs typeface="+mn-cs"/>
+              </a:defRPr>
+            </a:lvl8pPr>
+            <a:lvl9pPr marL="3657600" algn="l" defTabSz="457200" rtl="0" eaLnBrk="1" latinLnBrk="0" hangingPunct="1">
+              <a:defRPr sz="1800" kern="1200">
+                <a:solidFill>
+                  <a:schemeClr val="tx1"/>
+                </a:solidFill>
+                <a:latin typeface="+mn-lt"/>
+                <a:ea typeface="+mn-ea"/>
+                <a:cs typeface="+mn-cs"/>
+              </a:defRPr>
+            </a:lvl9pPr>
+          </a:lstStyle>
+          <a:p>
+            <a:pPr algn="ctr"/>
+            <a:r>
+              <a:rPr lang="hr-HR" sz="1600" dirty="0">
+                <a:solidFill>
+                  <a:schemeClr val="bg1"/>
+                </a:solidFill>
+              </a:rPr>
+              <a:t>14</a:t>
+            </a:r>
+            <a:endParaRPr lang="en-US" sz="1600" dirty="0">
+              <a:solidFill>
+                <a:schemeClr val="bg1"/>
+              </a:solidFill>
+            </a:endParaRPr>
+          </a:p>
+        </p:txBody>
+      </p:sp>
+      <p:pic>
+        <p:nvPicPr>
+          <p:cNvPr id="5" name="Picture 4" descr="Chart, histogram&#10;&#10;Description automatically generated">
+            <a:extLst>
+              <a:ext uri="{FF2B5EF4-FFF2-40B4-BE49-F238E27FC236}">
+                <a16:creationId xmlns:a16="http://schemas.microsoft.com/office/drawing/2014/main" id="{4AF2C677-3899-9FD5-27A6-6D5B6FF61DCB}"/>
+              </a:ext>
+            </a:extLst>
+          </p:cNvPr>
+          <p:cNvPicPr>
+            <a:picLocks noChangeAspect="1"/>
+          </p:cNvPicPr>
+          <p:nvPr/>
+        </p:nvPicPr>
+        <p:blipFill rotWithShape="1">
+          <a:blip r:embed="rId3">
+            <a:extLst>
+              <a:ext uri="{28A0092B-C50C-407E-A947-70E740481C1C}">
+                <a14:useLocalDpi xmlns:a14="http://schemas.microsoft.com/office/drawing/2010/main" val="0"/>
+              </a:ext>
+            </a:extLst>
+          </a:blip>
+          <a:srcRect l="21470" t="9906"/>
+          <a:stretch/>
+        </p:blipFill>
+        <p:spPr>
+          <a:xfrm>
+            <a:off x="1395169" y="1465313"/>
+            <a:ext cx="2960016" cy="2562705"/>
+          </a:xfrm>
+          <a:prstGeom prst="rect">
+            <a:avLst/>
+          </a:prstGeom>
+        </p:spPr>
+      </p:pic>
+      <p:pic>
+        <p:nvPicPr>
+          <p:cNvPr id="9" name="Picture 8" descr="Chart, line chart, histogram&#10;&#10;Description automatically generated">
+            <a:extLst>
+              <a:ext uri="{FF2B5EF4-FFF2-40B4-BE49-F238E27FC236}">
+                <a16:creationId xmlns:a16="http://schemas.microsoft.com/office/drawing/2014/main" id="{0B4CAEAE-45AE-CDB0-9CB8-37F3FE58AF3B}"/>
+              </a:ext>
+            </a:extLst>
+          </p:cNvPr>
+          <p:cNvPicPr>
+            <a:picLocks noChangeAspect="1"/>
+          </p:cNvPicPr>
+          <p:nvPr/>
+        </p:nvPicPr>
+        <p:blipFill rotWithShape="1">
+          <a:blip r:embed="rId4">
+            <a:extLst>
+              <a:ext uri="{28A0092B-C50C-407E-A947-70E740481C1C}">
+                <a14:useLocalDpi xmlns:a14="http://schemas.microsoft.com/office/drawing/2010/main" val="0"/>
+              </a:ext>
+            </a:extLst>
+          </a:blip>
+          <a:srcRect l="20583" t="8384"/>
+          <a:stretch/>
+        </p:blipFill>
+        <p:spPr>
+          <a:xfrm>
+            <a:off x="4355185" y="1465313"/>
+            <a:ext cx="3237473" cy="2562705"/>
+          </a:xfrm>
+          <a:prstGeom prst="rect">
+            <a:avLst/>
+          </a:prstGeom>
+        </p:spPr>
+      </p:pic>
+      <p:pic>
+        <p:nvPicPr>
+          <p:cNvPr id="13" name="Picture 12" descr="Chart, histogram&#10;&#10;Description automatically generated">
+            <a:extLst>
+              <a:ext uri="{FF2B5EF4-FFF2-40B4-BE49-F238E27FC236}">
+                <a16:creationId xmlns:a16="http://schemas.microsoft.com/office/drawing/2014/main" id="{E2E17402-3BEB-F99F-B845-5696810C06BA}"/>
+              </a:ext>
+            </a:extLst>
+          </p:cNvPr>
+          <p:cNvPicPr>
+            <a:picLocks noChangeAspect="1"/>
+          </p:cNvPicPr>
+          <p:nvPr/>
+        </p:nvPicPr>
+        <p:blipFill rotWithShape="1">
+          <a:blip r:embed="rId5">
+            <a:extLst>
+              <a:ext uri="{28A0092B-C50C-407E-A947-70E740481C1C}">
+                <a14:useLocalDpi xmlns:a14="http://schemas.microsoft.com/office/drawing/2010/main" val="0"/>
+              </a:ext>
+            </a:extLst>
+          </a:blip>
+          <a:srcRect l="20698" t="8172"/>
+          <a:stretch/>
+        </p:blipFill>
+        <p:spPr>
+          <a:xfrm>
+            <a:off x="7592659" y="1465312"/>
+            <a:ext cx="3225654" cy="2562705"/>
+          </a:xfrm>
+          <a:prstGeom prst="rect">
+            <a:avLst/>
+          </a:prstGeom>
+        </p:spPr>
+      </p:pic>
+      <p:pic>
+        <p:nvPicPr>
+          <p:cNvPr id="17" name="Picture 16" descr="Chart, histogram&#10;&#10;Description automatically generated">
+            <a:extLst>
+              <a:ext uri="{FF2B5EF4-FFF2-40B4-BE49-F238E27FC236}">
+                <a16:creationId xmlns:a16="http://schemas.microsoft.com/office/drawing/2014/main" id="{29A0AD3B-3EEA-CBD8-C099-C7DBACB7C025}"/>
+              </a:ext>
+            </a:extLst>
+          </p:cNvPr>
+          <p:cNvPicPr>
+            <a:picLocks noChangeAspect="1"/>
+          </p:cNvPicPr>
+          <p:nvPr/>
+        </p:nvPicPr>
+        <p:blipFill rotWithShape="1">
+          <a:blip r:embed="rId6">
+            <a:extLst>
+              <a:ext uri="{28A0092B-C50C-407E-A947-70E740481C1C}">
+                <a14:useLocalDpi xmlns:a14="http://schemas.microsoft.com/office/drawing/2010/main" val="0"/>
+              </a:ext>
+            </a:extLst>
+          </a:blip>
+          <a:srcRect l="20722" t="7712"/>
+          <a:stretch/>
+        </p:blipFill>
+        <p:spPr>
+          <a:xfrm>
+            <a:off x="1395168" y="4028017"/>
+            <a:ext cx="3142586" cy="2527062"/>
+          </a:xfrm>
+          <a:prstGeom prst="rect">
+            <a:avLst/>
+          </a:prstGeom>
+        </p:spPr>
+      </p:pic>
+      <p:pic>
+        <p:nvPicPr>
+          <p:cNvPr id="19" name="Picture 18" descr="Chart, line chart, histogram&#10;&#10;Description automatically generated">
+            <a:extLst>
+              <a:ext uri="{FF2B5EF4-FFF2-40B4-BE49-F238E27FC236}">
+                <a16:creationId xmlns:a16="http://schemas.microsoft.com/office/drawing/2014/main" id="{9891D281-BDE3-C8AD-A3C6-A5C0A012555C}"/>
+              </a:ext>
+            </a:extLst>
+          </p:cNvPr>
+          <p:cNvPicPr>
+            <a:picLocks noChangeAspect="1"/>
+          </p:cNvPicPr>
+          <p:nvPr/>
+        </p:nvPicPr>
+        <p:blipFill rotWithShape="1">
+          <a:blip r:embed="rId7">
+            <a:extLst>
+              <a:ext uri="{28A0092B-C50C-407E-A947-70E740481C1C}">
+                <a14:useLocalDpi xmlns:a14="http://schemas.microsoft.com/office/drawing/2010/main" val="0"/>
+              </a:ext>
+            </a:extLst>
+          </a:blip>
+          <a:srcRect l="20967" t="8350"/>
+          <a:stretch/>
+        </p:blipFill>
+        <p:spPr>
+          <a:xfrm>
+            <a:off x="4599342" y="4028017"/>
+            <a:ext cx="3189220" cy="2527062"/>
+          </a:xfrm>
+          <a:prstGeom prst="rect">
+            <a:avLst/>
+          </a:prstGeom>
+        </p:spPr>
+      </p:pic>
+      <p:pic>
+        <p:nvPicPr>
+          <p:cNvPr id="21" name="Picture 20" descr="Chart, line chart, histogram&#10;&#10;Description automatically generated">
+            <a:extLst>
+              <a:ext uri="{FF2B5EF4-FFF2-40B4-BE49-F238E27FC236}">
+                <a16:creationId xmlns:a16="http://schemas.microsoft.com/office/drawing/2014/main" id="{755ACB72-7BEF-A5C3-7737-32EE3C031B65}"/>
+              </a:ext>
+            </a:extLst>
+          </p:cNvPr>
+          <p:cNvPicPr>
+            <a:picLocks noChangeAspect="1"/>
+          </p:cNvPicPr>
+          <p:nvPr/>
+        </p:nvPicPr>
+        <p:blipFill rotWithShape="1">
+          <a:blip r:embed="rId8">
+            <a:extLst>
+              <a:ext uri="{28A0092B-C50C-407E-A947-70E740481C1C}">
+                <a14:useLocalDpi xmlns:a14="http://schemas.microsoft.com/office/drawing/2010/main" val="0"/>
+              </a:ext>
+            </a:extLst>
+          </a:blip>
+          <a:srcRect l="20539" t="8769"/>
+          <a:stretch/>
+        </p:blipFill>
+        <p:spPr>
+          <a:xfrm>
+            <a:off x="7788562" y="4028016"/>
+            <a:ext cx="3227383" cy="2527062"/>
+          </a:xfrm>
+          <a:prstGeom prst="rect">
+            <a:avLst/>
+          </a:prstGeom>
+        </p:spPr>
+      </p:pic>
+    </p:spTree>
+    <p:extLst>
+      <p:ext uri="{BB962C8B-B14F-4D97-AF65-F5344CB8AC3E}">
+        <p14:creationId xmlns:p14="http://schemas.microsoft.com/office/powerpoint/2010/main" val="3870311112"/>
+      </p:ext>
+    </p:extLst>
+  </p:cSld>
+  <p:clrMapOvr>
+    <a:masterClrMapping/>
+  </p:clrMapOvr>
+</p:sld>
+</file>
+
+<file path=ppt/slides/slide16.xml><?xml version="1.0" encoding="utf-8"?>
+<p:sld xmlns:a="http://schemas.openxmlformats.org/drawingml/2006/main" xmlns:r="http://schemas.openxmlformats.org/officeDocument/2006/relationships" xmlns:p="http://schemas.openxmlformats.org/presentationml/2006/main">
+  <p:cSld>
+    <p:bg>
+      <p:bgPr>
+        <a:solidFill>
+          <a:schemeClr val="tx1"/>
+        </a:solidFill>
+        <a:effectLst/>
+      </p:bgPr>
+    </p:bg>
+    <p:spTree>
+      <p:nvGrpSpPr>
+        <p:cNvPr id="1" name=""/>
+        <p:cNvGrpSpPr/>
+        <p:nvPr/>
+      </p:nvGrpSpPr>
+      <p:grpSpPr>
+        <a:xfrm>
+          <a:off x="0" y="0"/>
+          <a:ext cx="0" cy="0"/>
+          <a:chOff x="0" y="0"/>
+          <a:chExt cx="0" cy="0"/>
+        </a:xfrm>
+      </p:grpSpPr>
+      <p:sp>
+        <p:nvSpPr>
+          <p:cNvPr id="2" name="Title 1">
+            <a:extLst>
+              <a:ext uri="{FF2B5EF4-FFF2-40B4-BE49-F238E27FC236}">
+                <a16:creationId xmlns:a16="http://schemas.microsoft.com/office/drawing/2014/main" id="{80578E03-929F-BF38-09DD-7B15FCE52330}"/>
+              </a:ext>
+            </a:extLst>
+          </p:cNvPr>
+          <p:cNvSpPr>
+            <a:spLocks noGrp="1"/>
+          </p:cNvSpPr>
+          <p:nvPr>
+            <p:ph type="title"/>
+          </p:nvPr>
+        </p:nvSpPr>
+        <p:spPr>
+          <a:xfrm>
+            <a:off x="1144589" y="388320"/>
+            <a:ext cx="9905998" cy="1478570"/>
+          </a:xfrm>
+        </p:spPr>
+        <p:txBody>
+          <a:bodyPr>
+            <a:normAutofit/>
+          </a:bodyPr>
+          <a:lstStyle/>
+          <a:p>
+            <a:r>
+              <a:rPr lang="hr-HR" spc="0" dirty="0">
+                <a:solidFill>
+                  <a:schemeClr val="bg1"/>
+                </a:solidFill>
+                <a:latin typeface="Arial" panose="020B0604020202020204" pitchFamily="34" charset="0"/>
+                <a:cs typeface="Arial" panose="020B0604020202020204" pitchFamily="34" charset="0"/>
+              </a:rPr>
+              <a:t>Rezultati</a:t>
+            </a:r>
+          </a:p>
+        </p:txBody>
+      </p:sp>
+      <p:sp>
+        <p:nvSpPr>
+          <p:cNvPr id="6" name="Slide Number Placeholder 3">
+            <a:extLst>
+              <a:ext uri="{FF2B5EF4-FFF2-40B4-BE49-F238E27FC236}">
+                <a16:creationId xmlns:a16="http://schemas.microsoft.com/office/drawing/2014/main" id="{387451AD-69FE-4C27-7D7C-8873F5898834}"/>
+              </a:ext>
+            </a:extLst>
+          </p:cNvPr>
+          <p:cNvSpPr txBox="1">
+            <a:spLocks/>
+          </p:cNvSpPr>
+          <p:nvPr/>
+        </p:nvSpPr>
+        <p:spPr>
+          <a:xfrm>
+            <a:off x="11562347" y="6428170"/>
+            <a:ext cx="629653" cy="429830"/>
+          </a:xfrm>
+          <a:prstGeom prst="rect">
+            <a:avLst/>
+          </a:prstGeom>
+        </p:spPr>
+        <p:txBody>
+          <a:bodyPr vert="horz" lIns="91440" tIns="45720" rIns="91440" bIns="45720" rtlCol="0" anchor="ctr"/>
+          <a:lstStyle>
+            <a:defPPr>
+              <a:defRPr lang="en-US"/>
+            </a:defPPr>
+            <a:lvl1pPr marL="0" algn="r" defTabSz="457200" rtl="0" eaLnBrk="1" latinLnBrk="0" hangingPunct="1">
+              <a:defRPr sz="1050" kern="1200">
+                <a:solidFill>
+                  <a:schemeClr val="tx1">
+                    <a:tint val="75000"/>
+                  </a:schemeClr>
+                </a:solidFill>
+                <a:latin typeface="+mn-lt"/>
+                <a:ea typeface="+mn-ea"/>
+                <a:cs typeface="+mn-cs"/>
+              </a:defRPr>
+            </a:lvl1pPr>
+            <a:lvl2pPr marL="457200" algn="l" defTabSz="457200" rtl="0" eaLnBrk="1" latinLnBrk="0" hangingPunct="1">
+              <a:defRPr sz="1800" kern="1200">
+                <a:solidFill>
+                  <a:schemeClr val="tx1"/>
+                </a:solidFill>
+                <a:latin typeface="+mn-lt"/>
+                <a:ea typeface="+mn-ea"/>
+                <a:cs typeface="+mn-cs"/>
+              </a:defRPr>
+            </a:lvl2pPr>
+            <a:lvl3pPr marL="914400" algn="l" defTabSz="457200" rtl="0" eaLnBrk="1" latinLnBrk="0" hangingPunct="1">
+              <a:defRPr sz="1800" kern="1200">
+                <a:solidFill>
+                  <a:schemeClr val="tx1"/>
+                </a:solidFill>
+                <a:latin typeface="+mn-lt"/>
+                <a:ea typeface="+mn-ea"/>
+                <a:cs typeface="+mn-cs"/>
+              </a:defRPr>
+            </a:lvl3pPr>
+            <a:lvl4pPr marL="1371600" algn="l" defTabSz="457200" rtl="0" eaLnBrk="1" latinLnBrk="0" hangingPunct="1">
+              <a:defRPr sz="1800" kern="1200">
+                <a:solidFill>
+                  <a:schemeClr val="tx1"/>
+                </a:solidFill>
+                <a:latin typeface="+mn-lt"/>
+                <a:ea typeface="+mn-ea"/>
+                <a:cs typeface="+mn-cs"/>
+              </a:defRPr>
+            </a:lvl4pPr>
+            <a:lvl5pPr marL="1828800" algn="l" defTabSz="457200" rtl="0" eaLnBrk="1" latinLnBrk="0" hangingPunct="1">
+              <a:defRPr sz="1800" kern="1200">
+                <a:solidFill>
+                  <a:schemeClr val="tx1"/>
+                </a:solidFill>
+                <a:latin typeface="+mn-lt"/>
+                <a:ea typeface="+mn-ea"/>
+                <a:cs typeface="+mn-cs"/>
+              </a:defRPr>
+            </a:lvl5pPr>
+            <a:lvl6pPr marL="2286000" algn="l" defTabSz="457200" rtl="0" eaLnBrk="1" latinLnBrk="0" hangingPunct="1">
+              <a:defRPr sz="1800" kern="1200">
+                <a:solidFill>
+                  <a:schemeClr val="tx1"/>
+                </a:solidFill>
+                <a:latin typeface="+mn-lt"/>
+                <a:ea typeface="+mn-ea"/>
+                <a:cs typeface="+mn-cs"/>
+              </a:defRPr>
+            </a:lvl6pPr>
+            <a:lvl7pPr marL="2743200" algn="l" defTabSz="457200" rtl="0" eaLnBrk="1" latinLnBrk="0" hangingPunct="1">
+              <a:defRPr sz="1800" kern="1200">
+                <a:solidFill>
+                  <a:schemeClr val="tx1"/>
+                </a:solidFill>
+                <a:latin typeface="+mn-lt"/>
+                <a:ea typeface="+mn-ea"/>
+                <a:cs typeface="+mn-cs"/>
+              </a:defRPr>
+            </a:lvl7pPr>
+            <a:lvl8pPr marL="3200400" algn="l" defTabSz="457200" rtl="0" eaLnBrk="1" latinLnBrk="0" hangingPunct="1">
+              <a:defRPr sz="1800" kern="1200">
+                <a:solidFill>
+                  <a:schemeClr val="tx1"/>
+                </a:solidFill>
+                <a:latin typeface="+mn-lt"/>
+                <a:ea typeface="+mn-ea"/>
+                <a:cs typeface="+mn-cs"/>
+              </a:defRPr>
+            </a:lvl8pPr>
+            <a:lvl9pPr marL="3657600" algn="l" defTabSz="457200" rtl="0" eaLnBrk="1" latinLnBrk="0" hangingPunct="1">
+              <a:defRPr sz="1800" kern="1200">
+                <a:solidFill>
+                  <a:schemeClr val="tx1"/>
+                </a:solidFill>
+                <a:latin typeface="+mn-lt"/>
+                <a:ea typeface="+mn-ea"/>
+                <a:cs typeface="+mn-cs"/>
+              </a:defRPr>
+            </a:lvl9pPr>
+          </a:lstStyle>
+          <a:p>
+            <a:pPr algn="ctr"/>
+            <a:r>
+              <a:rPr lang="hr-HR" sz="1600" dirty="0">
+                <a:solidFill>
+                  <a:schemeClr val="bg1"/>
+                </a:solidFill>
+              </a:rPr>
+              <a:t>15</a:t>
+            </a:r>
+            <a:endParaRPr lang="en-US" sz="1600" dirty="0">
+              <a:solidFill>
+                <a:schemeClr val="bg1"/>
+              </a:solidFill>
+            </a:endParaRPr>
+          </a:p>
+        </p:txBody>
+      </p:sp>
+      <p:pic>
+        <p:nvPicPr>
+          <p:cNvPr id="4" name="Picture 3" descr="Chart, line chart&#10;&#10;Description automatically generated">
+            <a:extLst>
+              <a:ext uri="{FF2B5EF4-FFF2-40B4-BE49-F238E27FC236}">
+                <a16:creationId xmlns:a16="http://schemas.microsoft.com/office/drawing/2014/main" id="{81E0CD90-7D91-A7C7-871D-52B71486985C}"/>
+              </a:ext>
+            </a:extLst>
+          </p:cNvPr>
+          <p:cNvPicPr>
+            <a:picLocks noChangeAspect="1"/>
+          </p:cNvPicPr>
+          <p:nvPr/>
+        </p:nvPicPr>
+        <p:blipFill>
+          <a:blip r:embed="rId3">
+            <a:extLst>
+              <a:ext uri="{28A0092B-C50C-407E-A947-70E740481C1C}">
+                <a14:useLocalDpi xmlns:a14="http://schemas.microsoft.com/office/drawing/2010/main" val="0"/>
+              </a:ext>
+            </a:extLst>
+          </a:blip>
+          <a:stretch>
+            <a:fillRect/>
+          </a:stretch>
+        </p:blipFill>
+        <p:spPr>
+          <a:xfrm>
+            <a:off x="497749" y="1738944"/>
+            <a:ext cx="6039693" cy="4267796"/>
+          </a:xfrm>
+          <a:prstGeom prst="rect">
+            <a:avLst/>
+          </a:prstGeom>
+        </p:spPr>
+      </p:pic>
+      <p:pic>
+        <p:nvPicPr>
+          <p:cNvPr id="8" name="Picture 7" descr="Chart, line chart&#10;&#10;Description automatically generated">
+            <a:extLst>
+              <a:ext uri="{FF2B5EF4-FFF2-40B4-BE49-F238E27FC236}">
+                <a16:creationId xmlns:a16="http://schemas.microsoft.com/office/drawing/2014/main" id="{959E0702-B993-3487-1266-78F800A4D986}"/>
+              </a:ext>
+            </a:extLst>
+          </p:cNvPr>
+          <p:cNvPicPr>
+            <a:picLocks noChangeAspect="1"/>
+          </p:cNvPicPr>
+          <p:nvPr/>
+        </p:nvPicPr>
+        <p:blipFill>
+          <a:blip r:embed="rId4">
+            <a:extLst>
+              <a:ext uri="{28A0092B-C50C-407E-A947-70E740481C1C}">
+                <a14:useLocalDpi xmlns:a14="http://schemas.microsoft.com/office/drawing/2010/main" val="0"/>
+              </a:ext>
+            </a:extLst>
+          </a:blip>
+          <a:stretch>
+            <a:fillRect/>
+          </a:stretch>
+        </p:blipFill>
+        <p:spPr>
+          <a:xfrm>
+            <a:off x="6257097" y="1729418"/>
+            <a:ext cx="5934903" cy="4277322"/>
+          </a:xfrm>
+          <a:prstGeom prst="rect">
+            <a:avLst/>
+          </a:prstGeom>
+        </p:spPr>
+      </p:pic>
+    </p:spTree>
+    <p:extLst>
+      <p:ext uri="{BB962C8B-B14F-4D97-AF65-F5344CB8AC3E}">
+        <p14:creationId xmlns:p14="http://schemas.microsoft.com/office/powerpoint/2010/main" val="450068866"/>
+      </p:ext>
+    </p:extLst>
+  </p:cSld>
+  <p:clrMapOvr>
+    <a:masterClrMapping/>
+  </p:clrMapOvr>
+</p:sld>
+</file>
+
+<file path=ppt/slides/slide17.xml><?xml version="1.0" encoding="utf-8"?>
+<p:sld xmlns:a="http://schemas.openxmlformats.org/drawingml/2006/main" xmlns:r="http://schemas.openxmlformats.org/officeDocument/2006/relationships" xmlns:p="http://schemas.openxmlformats.org/presentationml/2006/main">
+  <p:cSld>
+    <p:bg>
+      <p:bgPr>
+        <a:solidFill>
+          <a:schemeClr val="tx1"/>
+        </a:solidFill>
+        <a:effectLst/>
+      </p:bgPr>
+    </p:bg>
+    <p:spTree>
+      <p:nvGrpSpPr>
+        <p:cNvPr id="1" name=""/>
+        <p:cNvGrpSpPr/>
+        <p:nvPr/>
+      </p:nvGrpSpPr>
+      <p:grpSpPr>
+        <a:xfrm>
+          <a:off x="0" y="0"/>
+          <a:ext cx="0" cy="0"/>
+          <a:chOff x="0" y="0"/>
+          <a:chExt cx="0" cy="0"/>
+        </a:xfrm>
+      </p:grpSpPr>
+      <p:sp>
+        <p:nvSpPr>
+          <p:cNvPr id="2" name="Title 1">
+            <a:extLst>
+              <a:ext uri="{FF2B5EF4-FFF2-40B4-BE49-F238E27FC236}">
+                <a16:creationId xmlns:a16="http://schemas.microsoft.com/office/drawing/2014/main" id="{80578E03-929F-BF38-09DD-7B15FCE52330}"/>
+              </a:ext>
+            </a:extLst>
+          </p:cNvPr>
+          <p:cNvSpPr>
+            <a:spLocks noGrp="1"/>
+          </p:cNvSpPr>
+          <p:nvPr>
+            <p:ph type="title"/>
+          </p:nvPr>
+        </p:nvSpPr>
+        <p:spPr>
+          <a:xfrm>
+            <a:off x="4223859" y="2689715"/>
+            <a:ext cx="3744282" cy="1478570"/>
+          </a:xfrm>
+        </p:spPr>
+        <p:txBody>
+          <a:bodyPr>
+            <a:normAutofit fontScale="90000"/>
+          </a:bodyPr>
+          <a:lstStyle/>
+          <a:p>
+            <a:pPr algn="ctr"/>
+            <a:r>
+              <a:rPr lang="hr-HR" spc="0" dirty="0">
+                <a:solidFill>
+                  <a:schemeClr val="bg1"/>
+                </a:solidFill>
+                <a:latin typeface="Arial" panose="020B0604020202020204" pitchFamily="34" charset="0"/>
+                <a:cs typeface="Arial" panose="020B0604020202020204" pitchFamily="34" charset="0"/>
+              </a:rPr>
+              <a:t>Zaključak </a:t>
+            </a:r>
+            <a:br>
+              <a:rPr lang="hr-HR" spc="0" dirty="0">
+                <a:solidFill>
+                  <a:schemeClr val="bg1"/>
+                </a:solidFill>
+                <a:latin typeface="Arial" panose="020B0604020202020204" pitchFamily="34" charset="0"/>
+                <a:cs typeface="Arial" panose="020B0604020202020204" pitchFamily="34" charset="0"/>
+              </a:rPr>
+            </a:br>
+            <a:r>
+              <a:rPr lang="hr-HR" spc="0" dirty="0">
+                <a:solidFill>
+                  <a:schemeClr val="bg1"/>
+                </a:solidFill>
+                <a:latin typeface="Arial" panose="020B0604020202020204" pitchFamily="34" charset="0"/>
+                <a:cs typeface="Arial" panose="020B0604020202020204" pitchFamily="34" charset="0"/>
+              </a:rPr>
+              <a:t>I </a:t>
+            </a:r>
+            <a:br>
+              <a:rPr lang="hr-HR" spc="0" dirty="0">
+                <a:solidFill>
+                  <a:schemeClr val="bg1"/>
+                </a:solidFill>
+                <a:latin typeface="Arial" panose="020B0604020202020204" pitchFamily="34" charset="0"/>
+                <a:cs typeface="Arial" panose="020B0604020202020204" pitchFamily="34" charset="0"/>
+              </a:rPr>
+            </a:br>
+            <a:r>
+              <a:rPr lang="hr-HR" spc="0" dirty="0">
+                <a:solidFill>
+                  <a:schemeClr val="bg1"/>
+                </a:solidFill>
+                <a:latin typeface="Arial" panose="020B0604020202020204" pitchFamily="34" charset="0"/>
+                <a:cs typeface="Arial" panose="020B0604020202020204" pitchFamily="34" charset="0"/>
+              </a:rPr>
+              <a:t>Što dalje?</a:t>
+            </a:r>
+          </a:p>
+        </p:txBody>
+      </p:sp>
+      <p:sp>
+        <p:nvSpPr>
+          <p:cNvPr id="6" name="Slide Number Placeholder 3">
+            <a:extLst>
+              <a:ext uri="{FF2B5EF4-FFF2-40B4-BE49-F238E27FC236}">
+                <a16:creationId xmlns:a16="http://schemas.microsoft.com/office/drawing/2014/main" id="{387451AD-69FE-4C27-7D7C-8873F5898834}"/>
+              </a:ext>
+            </a:extLst>
+          </p:cNvPr>
+          <p:cNvSpPr txBox="1">
+            <a:spLocks/>
+          </p:cNvSpPr>
+          <p:nvPr/>
+        </p:nvSpPr>
+        <p:spPr>
+          <a:xfrm>
+            <a:off x="11562347" y="6428170"/>
+            <a:ext cx="629653" cy="429830"/>
+          </a:xfrm>
+          <a:prstGeom prst="rect">
+            <a:avLst/>
+          </a:prstGeom>
+        </p:spPr>
+        <p:txBody>
+          <a:bodyPr vert="horz" lIns="91440" tIns="45720" rIns="91440" bIns="45720" rtlCol="0" anchor="ctr"/>
+          <a:lstStyle>
+            <a:defPPr>
+              <a:defRPr lang="en-US"/>
+            </a:defPPr>
+            <a:lvl1pPr marL="0" algn="r" defTabSz="457200" rtl="0" eaLnBrk="1" latinLnBrk="0" hangingPunct="1">
+              <a:defRPr sz="1050" kern="1200">
+                <a:solidFill>
+                  <a:schemeClr val="tx1">
+                    <a:tint val="75000"/>
+                  </a:schemeClr>
+                </a:solidFill>
+                <a:latin typeface="+mn-lt"/>
+                <a:ea typeface="+mn-ea"/>
+                <a:cs typeface="+mn-cs"/>
+              </a:defRPr>
+            </a:lvl1pPr>
+            <a:lvl2pPr marL="457200" algn="l" defTabSz="457200" rtl="0" eaLnBrk="1" latinLnBrk="0" hangingPunct="1">
+              <a:defRPr sz="1800" kern="1200">
+                <a:solidFill>
+                  <a:schemeClr val="tx1"/>
+                </a:solidFill>
+                <a:latin typeface="+mn-lt"/>
+                <a:ea typeface="+mn-ea"/>
+                <a:cs typeface="+mn-cs"/>
+              </a:defRPr>
+            </a:lvl2pPr>
+            <a:lvl3pPr marL="914400" algn="l" defTabSz="457200" rtl="0" eaLnBrk="1" latinLnBrk="0" hangingPunct="1">
+              <a:defRPr sz="1800" kern="1200">
+                <a:solidFill>
+                  <a:schemeClr val="tx1"/>
+                </a:solidFill>
+                <a:latin typeface="+mn-lt"/>
+                <a:ea typeface="+mn-ea"/>
+                <a:cs typeface="+mn-cs"/>
+              </a:defRPr>
+            </a:lvl3pPr>
+            <a:lvl4pPr marL="1371600" algn="l" defTabSz="457200" rtl="0" eaLnBrk="1" latinLnBrk="0" hangingPunct="1">
+              <a:defRPr sz="1800" kern="1200">
+                <a:solidFill>
+                  <a:schemeClr val="tx1"/>
+                </a:solidFill>
+                <a:latin typeface="+mn-lt"/>
+                <a:ea typeface="+mn-ea"/>
+                <a:cs typeface="+mn-cs"/>
+              </a:defRPr>
+            </a:lvl4pPr>
+            <a:lvl5pPr marL="1828800" algn="l" defTabSz="457200" rtl="0" eaLnBrk="1" latinLnBrk="0" hangingPunct="1">
+              <a:defRPr sz="1800" kern="1200">
+                <a:solidFill>
+                  <a:schemeClr val="tx1"/>
+                </a:solidFill>
+                <a:latin typeface="+mn-lt"/>
+                <a:ea typeface="+mn-ea"/>
+                <a:cs typeface="+mn-cs"/>
+              </a:defRPr>
+            </a:lvl5pPr>
+            <a:lvl6pPr marL="2286000" algn="l" defTabSz="457200" rtl="0" eaLnBrk="1" latinLnBrk="0" hangingPunct="1">
+              <a:defRPr sz="1800" kern="1200">
+                <a:solidFill>
+                  <a:schemeClr val="tx1"/>
+                </a:solidFill>
+                <a:latin typeface="+mn-lt"/>
+                <a:ea typeface="+mn-ea"/>
+                <a:cs typeface="+mn-cs"/>
+              </a:defRPr>
+            </a:lvl6pPr>
+            <a:lvl7pPr marL="2743200" algn="l" defTabSz="457200" rtl="0" eaLnBrk="1" latinLnBrk="0" hangingPunct="1">
+              <a:defRPr sz="1800" kern="1200">
+                <a:solidFill>
+                  <a:schemeClr val="tx1"/>
+                </a:solidFill>
+                <a:latin typeface="+mn-lt"/>
+                <a:ea typeface="+mn-ea"/>
+                <a:cs typeface="+mn-cs"/>
+              </a:defRPr>
+            </a:lvl7pPr>
+            <a:lvl8pPr marL="3200400" algn="l" defTabSz="457200" rtl="0" eaLnBrk="1" latinLnBrk="0" hangingPunct="1">
+              <a:defRPr sz="1800" kern="1200">
+                <a:solidFill>
+                  <a:schemeClr val="tx1"/>
+                </a:solidFill>
+                <a:latin typeface="+mn-lt"/>
+                <a:ea typeface="+mn-ea"/>
+                <a:cs typeface="+mn-cs"/>
+              </a:defRPr>
+            </a:lvl8pPr>
+            <a:lvl9pPr marL="3657600" algn="l" defTabSz="457200" rtl="0" eaLnBrk="1" latinLnBrk="0" hangingPunct="1">
+              <a:defRPr sz="1800" kern="1200">
+                <a:solidFill>
+                  <a:schemeClr val="tx1"/>
+                </a:solidFill>
+                <a:latin typeface="+mn-lt"/>
+                <a:ea typeface="+mn-ea"/>
+                <a:cs typeface="+mn-cs"/>
+              </a:defRPr>
+            </a:lvl9pPr>
+          </a:lstStyle>
+          <a:p>
+            <a:pPr algn="ctr"/>
+            <a:r>
+              <a:rPr lang="hr-HR" sz="1600" dirty="0">
+                <a:solidFill>
+                  <a:schemeClr val="bg1"/>
+                </a:solidFill>
+              </a:rPr>
+              <a:t>16</a:t>
+            </a:r>
+            <a:endParaRPr lang="en-US" sz="1600" dirty="0">
+              <a:solidFill>
+                <a:schemeClr val="bg1"/>
+              </a:solidFill>
+            </a:endParaRPr>
+          </a:p>
+        </p:txBody>
+      </p:sp>
+      <p:pic>
+        <p:nvPicPr>
+          <p:cNvPr id="1026" name="Picture 2" descr="Tesla Shares Tank By 8% As Musk Tweets Price Is &quot;Too High&quot;">
+            <a:extLst>
+              <a:ext uri="{FF2B5EF4-FFF2-40B4-BE49-F238E27FC236}">
+                <a16:creationId xmlns:a16="http://schemas.microsoft.com/office/drawing/2014/main" id="{0F95F31A-20AA-482F-1A67-7AFA5CA9DE13}"/>
+              </a:ext>
+            </a:extLst>
+          </p:cNvPr>
+          <p:cNvPicPr>
+            <a:picLocks noChangeAspect="1" noChangeArrowheads="1"/>
+          </p:cNvPicPr>
+          <p:nvPr/>
+        </p:nvPicPr>
+        <p:blipFill>
+          <a:blip r:embed="rId3">
+            <a:extLst>
+              <a:ext uri="{28A0092B-C50C-407E-A947-70E740481C1C}">
+                <a14:useLocalDpi xmlns:a14="http://schemas.microsoft.com/office/drawing/2010/main" val="0"/>
+              </a:ext>
+            </a:extLst>
+          </a:blip>
+          <a:srcRect/>
+          <a:stretch>
+            <a:fillRect/>
+          </a:stretch>
+        </p:blipFill>
+        <p:spPr bwMode="auto">
+          <a:xfrm>
+            <a:off x="3860963" y="273966"/>
+            <a:ext cx="4470073" cy="2138386"/>
+          </a:xfrm>
+          <a:prstGeom prst="rect">
+            <a:avLst/>
+          </a:prstGeom>
+          <a:noFill/>
+          <a:extLst>
+            <a:ext uri="{909E8E84-426E-40DD-AFC4-6F175D3DCCD1}">
+              <a14:hiddenFill xmlns:a14="http://schemas.microsoft.com/office/drawing/2010/main">
+                <a:solidFill>
+                  <a:srgbClr val="FFFFFF"/>
+                </a:solidFill>
+              </a14:hiddenFill>
+            </a:ext>
+          </a:extLst>
+        </p:spPr>
+      </p:pic>
+      <p:pic>
+        <p:nvPicPr>
+          <p:cNvPr id="1028" name="Picture 4" descr="World Aquaculture Society | Inflation: The problems for aquaculture - World  Aquaculture Society">
+            <a:extLst>
+              <a:ext uri="{FF2B5EF4-FFF2-40B4-BE49-F238E27FC236}">
+                <a16:creationId xmlns:a16="http://schemas.microsoft.com/office/drawing/2014/main" id="{E4A7790F-C7CD-A49A-7CE8-C2A82067AEC2}"/>
+              </a:ext>
+            </a:extLst>
+          </p:cNvPr>
+          <p:cNvPicPr>
+            <a:picLocks noChangeAspect="1" noChangeArrowheads="1"/>
+          </p:cNvPicPr>
+          <p:nvPr/>
+        </p:nvPicPr>
+        <p:blipFill>
+          <a:blip r:embed="rId4">
+            <a:extLst>
+              <a:ext uri="{28A0092B-C50C-407E-A947-70E740481C1C}">
+                <a14:useLocalDpi xmlns:a14="http://schemas.microsoft.com/office/drawing/2010/main" val="0"/>
+              </a:ext>
+            </a:extLst>
+          </a:blip>
+          <a:srcRect/>
+          <a:stretch>
+            <a:fillRect/>
+          </a:stretch>
+        </p:blipFill>
+        <p:spPr bwMode="auto">
+          <a:xfrm>
+            <a:off x="3618763" y="4165849"/>
+            <a:ext cx="4954472" cy="2477236"/>
+          </a:xfrm>
+          <a:prstGeom prst="rect">
+            <a:avLst/>
+          </a:prstGeom>
+          <a:noFill/>
+          <a:extLst>
+            <a:ext uri="{909E8E84-426E-40DD-AFC4-6F175D3DCCD1}">
+              <a14:hiddenFill xmlns:a14="http://schemas.microsoft.com/office/drawing/2010/main">
+                <a:solidFill>
+                  <a:srgbClr val="FFFFFF"/>
+                </a:solidFill>
+              </a14:hiddenFill>
+            </a:ext>
+          </a:extLst>
+        </p:spPr>
+      </p:pic>
+      <p:pic>
+        <p:nvPicPr>
+          <p:cNvPr id="1030" name="Picture 6" descr="802 Supply And Demand Illustrations &amp; Clip Art - iStock">
+            <a:extLst>
+              <a:ext uri="{FF2B5EF4-FFF2-40B4-BE49-F238E27FC236}">
+                <a16:creationId xmlns:a16="http://schemas.microsoft.com/office/drawing/2014/main" id="{001B885C-7A6F-4591-F5ED-0BF9DA0F6EC9}"/>
+              </a:ext>
+            </a:extLst>
+          </p:cNvPr>
+          <p:cNvPicPr>
+            <a:picLocks noChangeAspect="1" noChangeArrowheads="1"/>
+          </p:cNvPicPr>
+          <p:nvPr/>
+        </p:nvPicPr>
+        <p:blipFill>
+          <a:blip r:embed="rId5">
+            <a:extLst>
+              <a:ext uri="{28A0092B-C50C-407E-A947-70E740481C1C}">
+                <a14:useLocalDpi xmlns:a14="http://schemas.microsoft.com/office/drawing/2010/main" val="0"/>
+              </a:ext>
+            </a:extLst>
+          </a:blip>
+          <a:srcRect/>
+          <a:stretch>
+            <a:fillRect/>
+          </a:stretch>
+        </p:blipFill>
+        <p:spPr bwMode="auto">
+          <a:xfrm>
+            <a:off x="592124" y="2224325"/>
+            <a:ext cx="3579876" cy="2427530"/>
+          </a:xfrm>
+          <a:prstGeom prst="rect">
+            <a:avLst/>
+          </a:prstGeom>
+          <a:noFill/>
+          <a:extLst>
+            <a:ext uri="{909E8E84-426E-40DD-AFC4-6F175D3DCCD1}">
+              <a14:hiddenFill xmlns:a14="http://schemas.microsoft.com/office/drawing/2010/main">
+                <a:solidFill>
+                  <a:srgbClr val="FFFFFF"/>
+                </a:solidFill>
+              </a14:hiddenFill>
+            </a:ext>
+          </a:extLst>
+        </p:spPr>
+      </p:pic>
+      <p:pic>
+        <p:nvPicPr>
+          <p:cNvPr id="1032" name="Picture 8" descr="Premium Vector | Trends typographic header specialist in tracking the  emergence of new business trends trend analysis and project promotion  vector illustration in flat style">
+            <a:extLst>
+              <a:ext uri="{FF2B5EF4-FFF2-40B4-BE49-F238E27FC236}">
+                <a16:creationId xmlns:a16="http://schemas.microsoft.com/office/drawing/2014/main" id="{E9A4E5A8-3558-4ED2-1726-EB3565BF6E34}"/>
+              </a:ext>
+            </a:extLst>
+          </p:cNvPr>
+          <p:cNvPicPr>
+            <a:picLocks noChangeAspect="1" noChangeArrowheads="1"/>
+          </p:cNvPicPr>
+          <p:nvPr/>
+        </p:nvPicPr>
+        <p:blipFill>
+          <a:blip r:embed="rId6">
+            <a:extLst>
+              <a:ext uri="{28A0092B-C50C-407E-A947-70E740481C1C}">
+                <a14:useLocalDpi xmlns:a14="http://schemas.microsoft.com/office/drawing/2010/main" val="0"/>
+              </a:ext>
+            </a:extLst>
+          </a:blip>
+          <a:srcRect/>
+          <a:stretch>
+            <a:fillRect/>
+          </a:stretch>
+        </p:blipFill>
+        <p:spPr bwMode="auto">
+          <a:xfrm>
+            <a:off x="7675568" y="2172149"/>
+            <a:ext cx="4412022" cy="2237033"/>
+          </a:xfrm>
+          <a:prstGeom prst="rect">
+            <a:avLst/>
+          </a:prstGeom>
+          <a:noFill/>
+          <a:extLst>
+            <a:ext uri="{909E8E84-426E-40DD-AFC4-6F175D3DCCD1}">
+              <a14:hiddenFill xmlns:a14="http://schemas.microsoft.com/office/drawing/2010/main">
+                <a:solidFill>
+                  <a:srgbClr val="FFFFFF"/>
+                </a:solidFill>
+              </a14:hiddenFill>
+            </a:ext>
+          </a:extLst>
+        </p:spPr>
+      </p:pic>
+    </p:spTree>
+    <p:extLst>
+      <p:ext uri="{BB962C8B-B14F-4D97-AF65-F5344CB8AC3E}">
+        <p14:creationId xmlns:p14="http://schemas.microsoft.com/office/powerpoint/2010/main" val="2781357534"/>
+      </p:ext>
+    </p:extLst>
+  </p:cSld>
+  <p:clrMapOvr>
+    <a:masterClrMapping/>
+  </p:clrMapOvr>
+  <p:timing>
+    <p:tnLst>
+      <p:par>
+        <p:cTn id="1" dur="indefinite" restart="never" nodeType="tmRoot">
+          <p:childTnLst>
+            <p:seq concurrent="1" nextAc="seek">
+              <p:cTn id="2" dur="indefinite" nodeType="mainSeq">
+                <p:childTnLst>
+                  <p:par>
+                    <p:cTn id="3" fill="hold">
+                      <p:stCondLst>
+                        <p:cond delay="indefinite"/>
+                      </p:stCondLst>
+                      <p:childTnLst>
+                        <p:par>
+                          <p:cTn id="4" fill="hold">
+                            <p:stCondLst>
+                              <p:cond delay="0"/>
+                            </p:stCondLst>
+                            <p:childTnLst>
+                              <p:par>
+                                <p:cTn id="5" presetID="1" presetClass="entr" presetSubtype="0" fill="hold" nodeType="clickEffect">
+                                  <p:stCondLst>
+                                    <p:cond delay="0"/>
+                                  </p:stCondLst>
+                                  <p:childTnLst>
+                                    <p:set>
+                                      <p:cBhvr>
+                                        <p:cTn id="6" dur="1" fill="hold">
+                                          <p:stCondLst>
+                                            <p:cond delay="0"/>
+                                          </p:stCondLst>
+                                        </p:cTn>
+                                        <p:tgtEl>
+                                          <p:spTgt spid="1026"/>
+                                        </p:tgtEl>
+                                        <p:attrNameLst>
+                                          <p:attrName>style.visibility</p:attrName>
+                                        </p:attrNameLst>
+                                      </p:cBhvr>
+                                      <p:to>
+                                        <p:strVal val="visible"/>
+                                      </p:to>
+                                    </p:set>
+                                  </p:childTnLst>
+                                </p:cTn>
+                              </p:par>
+                            </p:childTnLst>
+                          </p:cTn>
+                        </p:par>
+                      </p:childTnLst>
+                    </p:cTn>
+                  </p:par>
+                  <p:par>
+                    <p:cTn id="7" fill="hold">
+                      <p:stCondLst>
+                        <p:cond delay="indefinite"/>
+                      </p:stCondLst>
+                      <p:childTnLst>
+                        <p:par>
+                          <p:cTn id="8" fill="hold">
+                            <p:stCondLst>
+                              <p:cond delay="0"/>
+                            </p:stCondLst>
+                            <p:childTnLst>
+                              <p:par>
+                                <p:cTn id="9" presetID="1" presetClass="entr" presetSubtype="0" fill="hold" nodeType="clickEffect">
+                                  <p:stCondLst>
+                                    <p:cond delay="0"/>
+                                  </p:stCondLst>
+                                  <p:childTnLst>
+                                    <p:set>
+                                      <p:cBhvr>
+                                        <p:cTn id="10" dur="1" fill="hold">
+                                          <p:stCondLst>
+                                            <p:cond delay="0"/>
+                                          </p:stCondLst>
+                                        </p:cTn>
+                                        <p:tgtEl>
+                                          <p:spTgt spid="1028"/>
+                                        </p:tgtEl>
+                                        <p:attrNameLst>
+                                          <p:attrName>style.visibility</p:attrName>
+                                        </p:attrNameLst>
+                                      </p:cBhvr>
+                                      <p:to>
+                                        <p:strVal val="visible"/>
+                                      </p:to>
+                                    </p:set>
+                                  </p:childTnLst>
+                                </p:cTn>
+                              </p:par>
+                            </p:childTnLst>
+                          </p:cTn>
+                        </p:par>
+                      </p:childTnLst>
+                    </p:cTn>
+                  </p:par>
+                  <p:par>
+                    <p:cTn id="11" fill="hold">
+                      <p:stCondLst>
+                        <p:cond delay="indefinite"/>
+                      </p:stCondLst>
+                      <p:childTnLst>
+                        <p:par>
+                          <p:cTn id="12" fill="hold">
+                            <p:stCondLst>
+                              <p:cond delay="0"/>
+                            </p:stCondLst>
+                            <p:childTnLst>
+                              <p:par>
+                                <p:cTn id="13" presetID="1" presetClass="entr" presetSubtype="0" fill="hold" nodeType="clickEffect">
+                                  <p:stCondLst>
+                                    <p:cond delay="0"/>
+                                  </p:stCondLst>
+                                  <p:childTnLst>
+                                    <p:set>
+                                      <p:cBhvr>
+                                        <p:cTn id="14" dur="1" fill="hold">
+                                          <p:stCondLst>
+                                            <p:cond delay="0"/>
+                                          </p:stCondLst>
+                                        </p:cTn>
+                                        <p:tgtEl>
+                                          <p:spTgt spid="1030"/>
+                                        </p:tgtEl>
+                                        <p:attrNameLst>
+                                          <p:attrName>style.visibility</p:attrName>
+                                        </p:attrNameLst>
+                                      </p:cBhvr>
+                                      <p:to>
+                                        <p:strVal val="visible"/>
+                                      </p:to>
+                                    </p:set>
+                                  </p:childTnLst>
+                                </p:cTn>
+                              </p:par>
+                            </p:childTnLst>
+                          </p:cTn>
+                        </p:par>
+                      </p:childTnLst>
+                    </p:cTn>
+                  </p:par>
+                  <p:par>
+                    <p:cTn id="15" fill="hold">
+                      <p:stCondLst>
+                        <p:cond delay="indefinite"/>
+                      </p:stCondLst>
+                      <p:childTnLst>
+                        <p:par>
+                          <p:cTn id="16" fill="hold">
+                            <p:stCondLst>
+                              <p:cond delay="0"/>
+                            </p:stCondLst>
+                            <p:childTnLst>
+                              <p:par>
+                                <p:cTn id="17" presetID="1" presetClass="entr" presetSubtype="0" fill="hold" nodeType="clickEffect">
+                                  <p:stCondLst>
+                                    <p:cond delay="0"/>
+                                  </p:stCondLst>
+                                  <p:childTnLst>
+                                    <p:set>
+                                      <p:cBhvr>
+                                        <p:cTn id="18" dur="1" fill="hold">
+                                          <p:stCondLst>
+                                            <p:cond delay="0"/>
+                                          </p:stCondLst>
+                                        </p:cTn>
+                                        <p:tgtEl>
+                                          <p:spTgt spid="1032"/>
+                                        </p:tgtEl>
+                                        <p:attrNameLst>
+                                          <p:attrName>style.visibility</p:attrName>
+                                        </p:attrNameLst>
+                                      </p:cBhvr>
+                                      <p:to>
+                                        <p:strVal val="visible"/>
+                                      </p:to>
+                                    </p:set>
+                                  </p:childTnLst>
+                                </p:cTn>
+                              </p:par>
+                            </p:childTnLst>
+                          </p:cTn>
+                        </p:par>
+                      </p:childTnLst>
+                    </p:cTn>
+                  </p:par>
+                </p:childTnLst>
+              </p:cTn>
+              <p:prevCondLst>
+                <p:cond evt="onPrev" delay="0">
+                  <p:tgtEl>
+                    <p:sldTgt/>
+                  </p:tgtEl>
+                </p:cond>
+              </p:prevCondLst>
+              <p:nextCondLst>
+                <p:cond evt="onNext" delay="0">
+                  <p:tgtEl>
+                    <p:sldTgt/>
+                  </p:tgtEl>
+                </p:cond>
+              </p:nextCondLst>
+            </p:seq>
+          </p:childTnLst>
+        </p:cTn>
+      </p:par>
+    </p:tnLst>
+  </p:timing>
+</p:sld>
+</file>
+
+<file path=ppt/slides/slide18.xml><?xml version="1.0" encoding="utf-8"?>
+<p:sld xmlns:a="http://schemas.openxmlformats.org/drawingml/2006/main" xmlns:r="http://schemas.openxmlformats.org/officeDocument/2006/relationships" xmlns:p="http://schemas.openxmlformats.org/presentationml/2006/main">
+  <p:cSld>
+    <p:bg>
+      <p:bgPr>
+        <a:solidFill>
+          <a:schemeClr val="tx1"/>
+        </a:solidFill>
+        <a:effectLst/>
+      </p:bgPr>
+    </p:bg>
+    <p:spTree>
+      <p:nvGrpSpPr>
+        <p:cNvPr id="1" name=""/>
+        <p:cNvGrpSpPr/>
+        <p:nvPr/>
+      </p:nvGrpSpPr>
+      <p:grpSpPr>
+        <a:xfrm>
+          <a:off x="0" y="0"/>
+          <a:ext cx="0" cy="0"/>
+          <a:chOff x="0" y="0"/>
+          <a:chExt cx="0" cy="0"/>
+        </a:xfrm>
+      </p:grpSpPr>
+      <p:sp>
+        <p:nvSpPr>
+          <p:cNvPr id="2" name="Title 1">
+            <a:extLst>
+              <a:ext uri="{FF2B5EF4-FFF2-40B4-BE49-F238E27FC236}">
+                <a16:creationId xmlns:a16="http://schemas.microsoft.com/office/drawing/2014/main" id="{80578E03-929F-BF38-09DD-7B15FCE52330}"/>
+              </a:ext>
+            </a:extLst>
+          </p:cNvPr>
+          <p:cNvSpPr>
+            <a:spLocks noGrp="1"/>
+          </p:cNvSpPr>
+          <p:nvPr>
+            <p:ph type="title"/>
+          </p:nvPr>
+        </p:nvSpPr>
+        <p:spPr>
+          <a:xfrm>
+            <a:off x="5174473" y="2689715"/>
+            <a:ext cx="1843054" cy="1478570"/>
+          </a:xfrm>
+        </p:spPr>
+        <p:txBody>
+          <a:bodyPr>
+            <a:normAutofit/>
+          </a:bodyPr>
+          <a:lstStyle/>
+          <a:p>
+            <a:r>
+              <a:rPr lang="hr-HR" spc="0" dirty="0">
+                <a:solidFill>
+                  <a:schemeClr val="bg1"/>
+                </a:solidFill>
+                <a:latin typeface="Arial" panose="020B0604020202020204" pitchFamily="34" charset="0"/>
+                <a:cs typeface="Arial" panose="020B0604020202020204" pitchFamily="34" charset="0"/>
+              </a:rPr>
+              <a:t>HVALA!</a:t>
+            </a:r>
+          </a:p>
+        </p:txBody>
+      </p:sp>
+    </p:spTree>
+    <p:extLst>
+      <p:ext uri="{BB962C8B-B14F-4D97-AF65-F5344CB8AC3E}">
+        <p14:creationId xmlns:p14="http://schemas.microsoft.com/office/powerpoint/2010/main" val="3027636827"/>
       </p:ext>
     </p:extLst>
   </p:cSld>
@@ -17967,10 +22071,10 @@
                 <a:ea typeface="Times New Roman" panose="02020603050405020304" pitchFamily="18" charset="0"/>
                 <a:cs typeface="Times New Roman" panose="02020603050405020304" pitchFamily="18" charset="0"/>
               </a:rPr>
-              <a:t>   Date 		  </a:t>
-            </a:r>
-            <a:r>
-              <a:rPr lang="hr-HR" sz="1400" dirty="0" err="1">
+              <a:t>   </a:t>
+            </a:r>
+            <a:r>
+              <a:rPr lang="hr-HR" sz="1400" b="1" dirty="0">
                 <a:solidFill>
                   <a:schemeClr val="bg1"/>
                 </a:solidFill>
@@ -17979,7 +22083,7 @@
                 <a:ea typeface="Times New Roman" panose="02020603050405020304" pitchFamily="18" charset="0"/>
                 <a:cs typeface="Times New Roman" panose="02020603050405020304" pitchFamily="18" charset="0"/>
               </a:rPr>
-              <a:t>High</a:t>
+              <a:t>Date</a:t>
             </a:r>
             <a:r>
               <a:rPr lang="hr-HR" sz="1400" dirty="0">
@@ -17991,7 +22095,7 @@
                 <a:ea typeface="Times New Roman" panose="02020603050405020304" pitchFamily="18" charset="0"/>
                 <a:cs typeface="Times New Roman" panose="02020603050405020304" pitchFamily="18" charset="0"/>
               </a:rPr>
-              <a:t>   	</a:t>
+              <a:t> 		  </a:t>
             </a:r>
             <a:r>
               <a:rPr lang="hr-HR" sz="1400" dirty="0" err="1">
@@ -18003,7 +22107,7 @@
                 <a:ea typeface="Times New Roman" panose="02020603050405020304" pitchFamily="18" charset="0"/>
                 <a:cs typeface="Times New Roman" panose="02020603050405020304" pitchFamily="18" charset="0"/>
               </a:rPr>
-              <a:t>Low</a:t>
+              <a:t>High</a:t>
             </a:r>
             <a:r>
               <a:rPr lang="hr-HR" sz="1400" dirty="0">
@@ -18015,7 +22119,7 @@
                 <a:ea typeface="Times New Roman" panose="02020603050405020304" pitchFamily="18" charset="0"/>
                 <a:cs typeface="Times New Roman" panose="02020603050405020304" pitchFamily="18" charset="0"/>
               </a:rPr>
-              <a:t>  	  Open  	    Close     </a:t>
+              <a:t>   	</a:t>
             </a:r>
             <a:r>
               <a:rPr lang="hr-HR" sz="1400" dirty="0" err="1">
@@ -18027,7 +22131,7 @@
                 <a:ea typeface="Times New Roman" panose="02020603050405020304" pitchFamily="18" charset="0"/>
                 <a:cs typeface="Times New Roman" panose="02020603050405020304" pitchFamily="18" charset="0"/>
               </a:rPr>
-              <a:t>Volume</a:t>
+              <a:t>Low</a:t>
             </a:r>
             <a:r>
               <a:rPr lang="hr-HR" sz="1400" dirty="0">
@@ -18039,7 +22143,7 @@
                 <a:ea typeface="Times New Roman" panose="02020603050405020304" pitchFamily="18" charset="0"/>
                 <a:cs typeface="Times New Roman" panose="02020603050405020304" pitchFamily="18" charset="0"/>
               </a:rPr>
-              <a:t>    </a:t>
+              <a:t>  	  Open  	    Close     </a:t>
             </a:r>
             <a:r>
               <a:rPr lang="hr-HR" sz="1400" dirty="0" err="1">
@@ -18051,7 +22155,7 @@
                 <a:ea typeface="Times New Roman" panose="02020603050405020304" pitchFamily="18" charset="0"/>
                 <a:cs typeface="Times New Roman" panose="02020603050405020304" pitchFamily="18" charset="0"/>
               </a:rPr>
-              <a:t>Adj</a:t>
+              <a:t>Volume</a:t>
             </a:r>
             <a:r>
               <a:rPr lang="hr-HR" sz="1400" dirty="0">
@@ -18063,7 +22167,43 @@
                 <a:ea typeface="Times New Roman" panose="02020603050405020304" pitchFamily="18" charset="0"/>
                 <a:cs typeface="Times New Roman" panose="02020603050405020304" pitchFamily="18" charset="0"/>
               </a:rPr>
-              <a:t> Close</a:t>
+              <a:t>    </a:t>
+            </a:r>
+            <a:r>
+              <a:rPr lang="hr-HR" sz="1400" b="1" dirty="0" err="1">
+                <a:solidFill>
+                  <a:schemeClr val="bg1"/>
+                </a:solidFill>
+                <a:effectLst/>
+                <a:latin typeface="Courier New" panose="02070309020205020404" pitchFamily="49" charset="0"/>
+                <a:ea typeface="Times New Roman" panose="02020603050405020304" pitchFamily="18" charset="0"/>
+                <a:cs typeface="Times New Roman" panose="02020603050405020304" pitchFamily="18" charset="0"/>
+              </a:rPr>
+              <a:t>Adj</a:t>
+            </a:r>
+            <a:r>
+              <a:rPr lang="hr-HR" sz="1400" dirty="0">
+                <a:solidFill>
+                  <a:schemeClr val="bg1"/>
+                </a:solidFill>
+                <a:effectLst/>
+                <a:latin typeface="Courier New" panose="02070309020205020404" pitchFamily="49" charset="0"/>
+                <a:ea typeface="Times New Roman" panose="02020603050405020304" pitchFamily="18" charset="0"/>
+                <a:cs typeface="Times New Roman" panose="02020603050405020304" pitchFamily="18" charset="0"/>
+              </a:rPr>
+              <a:t> </a:t>
+            </a:r>
+            <a:r>
+              <a:rPr lang="hr-HR" sz="1400" b="1" dirty="0">
+                <a:solidFill>
+                  <a:schemeClr val="bg1"/>
+                </a:solidFill>
+                <a:effectLst/>
+                <a:latin typeface="Courier New" panose="02070309020205020404" pitchFamily="49" charset="0"/>
+                <a:ea typeface="Times New Roman" panose="02020603050405020304" pitchFamily="18" charset="0"/>
+                <a:cs typeface="Times New Roman" panose="02020603050405020304" pitchFamily="18" charset="0"/>
+              </a:rPr>
+              <a:t>Close</a:t>
             </a:r>
           </a:p>
           <a:p>
@@ -18073,7 +22213,7 @@
               </a:lnSpc>
             </a:pPr>
             <a:r>
-              <a:rPr lang="hr-HR" sz="1400" dirty="0">
+              <a:rPr lang="hr-HR" sz="1400" b="1" dirty="0">
                 <a:solidFill>
                   <a:schemeClr val="bg1"/>
                 </a:solidFill>
@@ -18082,7 +22222,31 @@
                 <a:ea typeface="Times New Roman" panose="02020603050405020304" pitchFamily="18" charset="0"/>
                 <a:cs typeface="Times New Roman" panose="02020603050405020304" pitchFamily="18" charset="0"/>
               </a:rPr>
-              <a:t>2012-05-18  45.000000  38.000000  42.049999  38.230000  573576400  38.230000</a:t>
+              <a:t>2012-05-18</a:t>
+            </a:r>
+            <a:r>
+              <a:rPr lang="hr-HR" sz="1400" dirty="0">
+                <a:solidFill>
+                  <a:schemeClr val="bg1"/>
+                </a:solidFill>
+                <a:effectLst/>
+                <a:latin typeface="Courier New" panose="02070309020205020404" pitchFamily="49" charset="0"/>
+                <a:ea typeface="Times New Roman" panose="02020603050405020304" pitchFamily="18" charset="0"/>
+                <a:cs typeface="Times New Roman" panose="02020603050405020304" pitchFamily="18" charset="0"/>
+              </a:rPr>
+              <a:t>  45.000000  38.000000  42.049999  38.230000  573576400  </a:t>
+            </a:r>
+            <a:r>
+              <a:rPr lang="hr-HR" sz="1400" b="1" dirty="0">
+                <a:solidFill>
+                  <a:schemeClr val="bg1"/>
+                </a:solidFill>
+                <a:effectLst/>
+                <a:latin typeface="Courier New" panose="02070309020205020404" pitchFamily="49" charset="0"/>
+                <a:ea typeface="Times New Roman" panose="02020603050405020304" pitchFamily="18" charset="0"/>
+                <a:cs typeface="Times New Roman" panose="02020603050405020304" pitchFamily="18" charset="0"/>
+              </a:rPr>
+              <a:t>38.230000</a:t>
             </a:r>
           </a:p>
           <a:p>
@@ -18092,7 +22256,7 @@
               </a:lnSpc>
             </a:pPr>
             <a:r>
-              <a:rPr lang="hr-HR" sz="1400" dirty="0">
+              <a:rPr lang="hr-HR" sz="1400" b="1" dirty="0">
                 <a:solidFill>
                   <a:schemeClr val="bg1"/>
                 </a:solidFill>
@@ -18101,7 +22265,31 @@
                 <a:ea typeface="Times New Roman" panose="02020603050405020304" pitchFamily="18" charset="0"/>
                 <a:cs typeface="Times New Roman" panose="02020603050405020304" pitchFamily="18" charset="0"/>
               </a:rPr>
-              <a:t>2012-05-21  36.660000  33.000000  36.529999  34.029999  168192700  34.029999</a:t>
+              <a:t>2012-05-21</a:t>
+            </a:r>
+            <a:r>
+              <a:rPr lang="hr-HR" sz="1400" dirty="0">
+                <a:solidFill>
+                  <a:schemeClr val="bg1"/>
+                </a:solidFill>
+                <a:effectLst/>
+                <a:latin typeface="Courier New" panose="02070309020205020404" pitchFamily="49" charset="0"/>
+                <a:ea typeface="Times New Roman" panose="02020603050405020304" pitchFamily="18" charset="0"/>
+                <a:cs typeface="Times New Roman" panose="02020603050405020304" pitchFamily="18" charset="0"/>
+              </a:rPr>
+              <a:t>  36.660000  33.000000  36.529999  34.029999  168192700  </a:t>
+            </a:r>
+            <a:r>
+              <a:rPr lang="hr-HR" sz="1400" b="1" dirty="0">
+                <a:solidFill>
+                  <a:schemeClr val="bg1"/>
+                </a:solidFill>
+                <a:effectLst/>
+                <a:latin typeface="Courier New" panose="02070309020205020404" pitchFamily="49" charset="0"/>
+                <a:ea typeface="Times New Roman" panose="02020603050405020304" pitchFamily="18" charset="0"/>
+                <a:cs typeface="Times New Roman" panose="02020603050405020304" pitchFamily="18" charset="0"/>
+              </a:rPr>
+              <a:t>34.029999</a:t>
             </a:r>
           </a:p>
           <a:p>
@@ -18111,7 +22299,7 @@
               </a:lnSpc>
             </a:pPr>
             <a:r>
-              <a:rPr lang="hr-HR" sz="1400" dirty="0">
+              <a:rPr lang="hr-HR" sz="1400" b="1" dirty="0">
                 <a:solidFill>
                   <a:schemeClr val="bg1"/>
                 </a:solidFill>
@@ -18120,7 +22308,31 @@
                 <a:ea typeface="Times New Roman" panose="02020603050405020304" pitchFamily="18" charset="0"/>
                 <a:cs typeface="Times New Roman" panose="02020603050405020304" pitchFamily="18" charset="0"/>
               </a:rPr>
-              <a:t>2012-05-22  33.590000  30.940001  32.610001  31.000000  101786600  31.000000</a:t>
+              <a:t>2012-05-22</a:t>
+            </a:r>
+            <a:r>
+              <a:rPr lang="hr-HR" sz="1400" dirty="0">
+                <a:solidFill>
+                  <a:schemeClr val="bg1"/>
+                </a:solidFill>
+                <a:effectLst/>
+                <a:latin typeface="Courier New" panose="02070309020205020404" pitchFamily="49" charset="0"/>
+                <a:ea typeface="Times New Roman" panose="02020603050405020304" pitchFamily="18" charset="0"/>
+                <a:cs typeface="Times New Roman" panose="02020603050405020304" pitchFamily="18" charset="0"/>
+              </a:rPr>
+              <a:t>  33.590000  30.940001  32.610001  31.000000  101786600  </a:t>
+            </a:r>
+            <a:r>
+              <a:rPr lang="hr-HR" sz="1400" b="1" dirty="0">
+                <a:solidFill>
+                  <a:schemeClr val="bg1"/>
+                </a:solidFill>
+                <a:effectLst/>
+                <a:latin typeface="Courier New" panose="02070309020205020404" pitchFamily="49" charset="0"/>
+                <a:ea typeface="Times New Roman" panose="02020603050405020304" pitchFamily="18" charset="0"/>
+                <a:cs typeface="Times New Roman" panose="02020603050405020304" pitchFamily="18" charset="0"/>
+              </a:rPr>
+              <a:t>31.000000</a:t>
             </a:r>
           </a:p>
           <a:p>
@@ -18130,7 +22342,7 @@
               </a:lnSpc>
             </a:pPr>
             <a:r>
-              <a:rPr lang="hr-HR" sz="1400" dirty="0">
+              <a:rPr lang="hr-HR" sz="1400" b="1" dirty="0">
                 <a:solidFill>
                   <a:schemeClr val="bg1"/>
                 </a:solidFill>
@@ -18139,7 +22351,31 @@
                 <a:ea typeface="Times New Roman" panose="02020603050405020304" pitchFamily="18" charset="0"/>
                 <a:cs typeface="Times New Roman" panose="02020603050405020304" pitchFamily="18" charset="0"/>
               </a:rPr>
-              <a:t>2012-05-23  32.500000  31.360001  31.370001  32.000000  73600000   32.000000</a:t>
+              <a:t>2012-05-23</a:t>
+            </a:r>
+            <a:r>
+              <a:rPr lang="hr-HR" sz="1400" dirty="0">
+                <a:solidFill>
+                  <a:schemeClr val="bg1"/>
+                </a:solidFill>
+                <a:effectLst/>
+                <a:latin typeface="Courier New" panose="02070309020205020404" pitchFamily="49" charset="0"/>
+                <a:ea typeface="Times New Roman" panose="02020603050405020304" pitchFamily="18" charset="0"/>
+                <a:cs typeface="Times New Roman" panose="02020603050405020304" pitchFamily="18" charset="0"/>
+              </a:rPr>
+              <a:t>  32.500000  31.360001  31.370001  32.000000  73600000   </a:t>
+            </a:r>
+            <a:r>
+              <a:rPr lang="hr-HR" sz="1400" b="1" dirty="0">
+                <a:solidFill>
+                  <a:schemeClr val="bg1"/>
+                </a:solidFill>
+                <a:effectLst/>
+                <a:latin typeface="Courier New" panose="02070309020205020404" pitchFamily="49" charset="0"/>
+                <a:ea typeface="Times New Roman" panose="02020603050405020304" pitchFamily="18" charset="0"/>
+                <a:cs typeface="Times New Roman" panose="02020603050405020304" pitchFamily="18" charset="0"/>
+              </a:rPr>
+              <a:t>32.000000</a:t>
             </a:r>
           </a:p>
           <a:p>
@@ -18149,7 +22385,7 @@
               </a:lnSpc>
             </a:pPr>
             <a:r>
-              <a:rPr lang="hr-HR" sz="1400" dirty="0">
+              <a:rPr lang="hr-HR" sz="1400" b="1" dirty="0">
                 <a:solidFill>
                   <a:schemeClr val="bg1"/>
                 </a:solidFill>
@@ -18158,7 +22394,31 @@
                 <a:ea typeface="Times New Roman" panose="02020603050405020304" pitchFamily="18" charset="0"/>
                 <a:cs typeface="Times New Roman" panose="02020603050405020304" pitchFamily="18" charset="0"/>
               </a:rPr>
-              <a:t>2012-05-24  33.209999  31.770000  32.950001  33.029999  50237200   33.029999</a:t>
+              <a:t>2012-05-24</a:t>
+            </a:r>
+            <a:r>
+              <a:rPr lang="hr-HR" sz="1400" dirty="0">
+                <a:solidFill>
+                  <a:schemeClr val="bg1"/>
+                </a:solidFill>
+                <a:effectLst/>
+                <a:latin typeface="Courier New" panose="02070309020205020404" pitchFamily="49" charset="0"/>
+                <a:ea typeface="Times New Roman" panose="02020603050405020304" pitchFamily="18" charset="0"/>
+                <a:cs typeface="Times New Roman" panose="02020603050405020304" pitchFamily="18" charset="0"/>
+              </a:rPr>
+              <a:t>  33.209999  31.770000  32.950001  33.029999  50237200   </a:t>
+            </a:r>
+            <a:r>
+              <a:rPr lang="hr-HR" sz="1400" b="1" dirty="0">
+                <a:solidFill>
+                  <a:schemeClr val="bg1"/>
+                </a:solidFill>
+                <a:effectLst/>
+                <a:latin typeface="Courier New" panose="02070309020205020404" pitchFamily="49" charset="0"/>
+                <a:ea typeface="Times New Roman" panose="02020603050405020304" pitchFamily="18" charset="0"/>
+                <a:cs typeface="Times New Roman" panose="02020603050405020304" pitchFamily="18" charset="0"/>
+              </a:rPr>
+              <a:t>33.029999</a:t>
             </a:r>
           </a:p>
           <a:p>
@@ -18187,7 +22447,7 @@
               </a:lnSpc>
             </a:pPr>
             <a:r>
-              <a:rPr lang="hr-HR" sz="1400" dirty="0">
+              <a:rPr lang="hr-HR" sz="1400" b="1" dirty="0">
                 <a:solidFill>
                   <a:schemeClr val="bg1"/>
                 </a:solidFill>
@@ -18196,7 +22456,31 @@
                 <a:ea typeface="Times New Roman" panose="02020603050405020304" pitchFamily="18" charset="0"/>
                 <a:cs typeface="Times New Roman" panose="02020603050405020304" pitchFamily="18" charset="0"/>
               </a:rPr>
-              <a:t>2019-12-24  206.789993 205.000000 206.300003 205.119995  6046300    205.119995</a:t>
+              <a:t>2019-12-24</a:t>
+            </a:r>
+            <a:r>
+              <a:rPr lang="hr-HR" sz="1400" dirty="0">
+                <a:solidFill>
+                  <a:schemeClr val="bg1"/>
+                </a:solidFill>
+                <a:effectLst/>
+                <a:latin typeface="Courier New" panose="02070309020205020404" pitchFamily="49" charset="0"/>
+                <a:ea typeface="Times New Roman" panose="02020603050405020304" pitchFamily="18" charset="0"/>
+                <a:cs typeface="Times New Roman" panose="02020603050405020304" pitchFamily="18" charset="0"/>
+              </a:rPr>
+              <a:t>  206.789993 205.000000 206.300003 205.119995  6046300   </a:t>
+            </a:r>
+            <a:r>
+              <a:rPr lang="hr-HR" sz="1400" b="1" dirty="0">
+                <a:solidFill>
+                  <a:schemeClr val="bg1"/>
+                </a:solidFill>
+                <a:effectLst/>
+                <a:latin typeface="Courier New" panose="02070309020205020404" pitchFamily="49" charset="0"/>
+                <a:ea typeface="Times New Roman" panose="02020603050405020304" pitchFamily="18" charset="0"/>
+                <a:cs typeface="Times New Roman" panose="02020603050405020304" pitchFamily="18" charset="0"/>
+              </a:rPr>
+              <a:t>205.119995</a:t>
             </a:r>
           </a:p>
           <a:p>
@@ -18206,7 +22490,7 @@
               </a:lnSpc>
             </a:pPr>
             <a:r>
-              <a:rPr lang="hr-HR" sz="1400" dirty="0">
+              <a:rPr lang="hr-HR" sz="1400" b="1" dirty="0">
                 <a:solidFill>
                   <a:schemeClr val="bg1"/>
                 </a:solidFill>
@@ -18215,7 +22499,31 @@
                 <a:ea typeface="Times New Roman" panose="02020603050405020304" pitchFamily="18" charset="0"/>
                 <a:cs typeface="Times New Roman" panose="02020603050405020304" pitchFamily="18" charset="0"/>
               </a:rPr>
-              <a:t>2019-12-26  207.820007 205.309998 205.570007 207.789993  9350700    207.789993</a:t>
+              <a:t>2019-12-26</a:t>
+            </a:r>
+            <a:r>
+              <a:rPr lang="hr-HR" sz="1400" dirty="0">
+                <a:solidFill>
+                  <a:schemeClr val="bg1"/>
+                </a:solidFill>
+                <a:effectLst/>
+                <a:latin typeface="Courier New" panose="02070309020205020404" pitchFamily="49" charset="0"/>
+                <a:ea typeface="Times New Roman" panose="02020603050405020304" pitchFamily="18" charset="0"/>
+                <a:cs typeface="Times New Roman" panose="02020603050405020304" pitchFamily="18" charset="0"/>
+              </a:rPr>
+              <a:t>  207.820007 205.309998 205.570007 207.789993  9350700   </a:t>
+            </a:r>
+            <a:r>
+              <a:rPr lang="hr-HR" sz="1400" b="1" dirty="0">
+                <a:solidFill>
+                  <a:schemeClr val="bg1"/>
+                </a:solidFill>
+                <a:effectLst/>
+                <a:latin typeface="Courier New" panose="02070309020205020404" pitchFamily="49" charset="0"/>
+                <a:ea typeface="Times New Roman" panose="02020603050405020304" pitchFamily="18" charset="0"/>
+                <a:cs typeface="Times New Roman" panose="02020603050405020304" pitchFamily="18" charset="0"/>
+              </a:rPr>
+              <a:t>207.789993</a:t>
             </a:r>
           </a:p>
           <a:p>
@@ -18225,7 +22533,7 @@
               </a:lnSpc>
             </a:pPr>
             <a:r>
-              <a:rPr lang="hr-HR" sz="1400" dirty="0">
+              <a:rPr lang="hr-HR" sz="1400" b="1" dirty="0">
                 <a:solidFill>
                   <a:schemeClr val="bg1"/>
                 </a:solidFill>
@@ -18234,7 +22542,31 @@
                 <a:ea typeface="Times New Roman" panose="02020603050405020304" pitchFamily="18" charset="0"/>
                 <a:cs typeface="Times New Roman" panose="02020603050405020304" pitchFamily="18" charset="0"/>
               </a:rPr>
-              <a:t>2019-12-27  208.929993 206.589996 208.669998 208.100006  10284200   208.100006</a:t>
+              <a:t>2019-12-27</a:t>
+            </a:r>
+            <a:r>
+              <a:rPr lang="hr-HR" sz="1400" dirty="0">
+                <a:solidFill>
+                  <a:schemeClr val="bg1"/>
+                </a:solidFill>
+                <a:effectLst/>
+                <a:latin typeface="Courier New" panose="02070309020205020404" pitchFamily="49" charset="0"/>
+                <a:ea typeface="Times New Roman" panose="02020603050405020304" pitchFamily="18" charset="0"/>
+                <a:cs typeface="Times New Roman" panose="02020603050405020304" pitchFamily="18" charset="0"/>
+              </a:rPr>
+              <a:t>  208.929993 206.589996 208.669998 208.100006  10284200  </a:t>
+            </a:r>
+            <a:r>
+              <a:rPr lang="hr-HR" sz="1400" b="1" dirty="0">
+                <a:solidFill>
+                  <a:schemeClr val="bg1"/>
+                </a:solidFill>
+                <a:effectLst/>
+                <a:latin typeface="Courier New" panose="02070309020205020404" pitchFamily="49" charset="0"/>
+                <a:ea typeface="Times New Roman" panose="02020603050405020304" pitchFamily="18" charset="0"/>
+                <a:cs typeface="Times New Roman" panose="02020603050405020304" pitchFamily="18" charset="0"/>
+              </a:rPr>
+              <a:t>208.100006</a:t>
             </a:r>
           </a:p>
           <a:p>
@@ -18244,7 +22576,7 @@
               </a:lnSpc>
             </a:pPr>
             <a:r>
-              <a:rPr lang="hr-HR" sz="1400" dirty="0">
+              <a:rPr lang="hr-HR" sz="1400" b="1" dirty="0">
                 <a:solidFill>
                   <a:schemeClr val="bg1"/>
                 </a:solidFill>
@@ -18253,7 +22585,31 @@
                 <a:ea typeface="Times New Roman" panose="02020603050405020304" pitchFamily="18" charset="0"/>
                 <a:cs typeface="Times New Roman" panose="02020603050405020304" pitchFamily="18" charset="0"/>
               </a:rPr>
-              <a:t>2019-12-30  207.899994 203.899994 207.860001 204.410004  10524300   204.410004</a:t>
+              <a:t>2019-12-30</a:t>
+            </a:r>
+            <a:r>
+              <a:rPr lang="hr-HR" sz="1400" dirty="0">
+                <a:solidFill>
+                  <a:schemeClr val="bg1"/>
+                </a:solidFill>
+                <a:effectLst/>
+                <a:latin typeface="Courier New" panose="02070309020205020404" pitchFamily="49" charset="0"/>
+                <a:ea typeface="Times New Roman" panose="02020603050405020304" pitchFamily="18" charset="0"/>
+                <a:cs typeface="Times New Roman" panose="02020603050405020304" pitchFamily="18" charset="0"/>
+              </a:rPr>
+              <a:t>  207.899994 203.899994 207.860001 204.410004  10524300  </a:t>
+            </a:r>
+            <a:r>
+              <a:rPr lang="hr-HR" sz="1400" b="1" dirty="0">
+                <a:solidFill>
+                  <a:schemeClr val="bg1"/>
+                </a:solidFill>
+                <a:effectLst/>
+                <a:latin typeface="Courier New" panose="02070309020205020404" pitchFamily="49" charset="0"/>
+                <a:ea typeface="Times New Roman" panose="02020603050405020304" pitchFamily="18" charset="0"/>
+                <a:cs typeface="Times New Roman" panose="02020603050405020304" pitchFamily="18" charset="0"/>
+              </a:rPr>
+              <a:t>204.410004</a:t>
             </a:r>
           </a:p>
           <a:p>
@@ -18263,7 +22619,7 @@
               </a:lnSpc>
             </a:pPr>
             <a:r>
-              <a:rPr lang="hr-HR" sz="1400" dirty="0">
+              <a:rPr lang="hr-HR" sz="1400" b="1" dirty="0">
                 <a:solidFill>
                   <a:schemeClr val="bg1"/>
                 </a:solidFill>
@@ -18272,7 +22628,31 @@
                 <a:ea typeface="Times New Roman" panose="02020603050405020304" pitchFamily="18" charset="0"/>
                 <a:cs typeface="Times New Roman" panose="02020603050405020304" pitchFamily="18" charset="0"/>
               </a:rPr>
-              <a:t>2019-12-31  205.559998 203.600006 204.000000 205.250000  8953500    205.250000</a:t>
+              <a:t>2019-12-31</a:t>
+            </a:r>
+            <a:r>
+              <a:rPr lang="hr-HR" sz="1400" dirty="0">
+                <a:solidFill>
+                  <a:schemeClr val="bg1"/>
+                </a:solidFill>
+                <a:effectLst/>
+                <a:latin typeface="Courier New" panose="02070309020205020404" pitchFamily="49" charset="0"/>
+                <a:ea typeface="Times New Roman" panose="02020603050405020304" pitchFamily="18" charset="0"/>
+                <a:cs typeface="Times New Roman" panose="02020603050405020304" pitchFamily="18" charset="0"/>
+              </a:rPr>
+              <a:t>  205.559998 203.600006 204.000000 205.250000  8953500   </a:t>
+            </a:r>
+            <a:r>
+              <a:rPr lang="hr-HR" sz="1400" b="1" dirty="0">
+                <a:solidFill>
+                  <a:schemeClr val="bg1"/>
+                </a:solidFill>
+                <a:effectLst/>
+                <a:latin typeface="Courier New" panose="02070309020205020404" pitchFamily="49" charset="0"/>
+                <a:ea typeface="Times New Roman" panose="02020603050405020304" pitchFamily="18" charset="0"/>
+                <a:cs typeface="Times New Roman" panose="02020603050405020304" pitchFamily="18" charset="0"/>
+              </a:rPr>
+              <a:t>205.250000</a:t>
             </a:r>
           </a:p>
         </p:txBody>
@@ -19159,6 +23539,467 @@
   <p:clrMapOvr>
     <a:masterClrMapping/>
   </p:clrMapOvr>
+  <p:timing>
+    <p:tnLst>
+      <p:par>
+        <p:cTn id="1" dur="indefinite" restart="never" nodeType="tmRoot">
+          <p:childTnLst>
+            <p:seq concurrent="1" nextAc="seek">
+              <p:cTn id="2" dur="indefinite" nodeType="mainSeq">
+                <p:childTnLst>
+                  <p:par>
+                    <p:cTn id="3" fill="hold">
+                      <p:stCondLst>
+                        <p:cond delay="indefinite"/>
+                      </p:stCondLst>
+                      <p:childTnLst>
+                        <p:par>
+                          <p:cTn id="4" fill="hold">
+                            <p:stCondLst>
+                              <p:cond delay="0"/>
+                            </p:stCondLst>
+                            <p:childTnLst>
+                              <p:par>
+                                <p:cTn id="5" presetID="1" presetClass="entr" presetSubtype="0" fill="hold" nodeType="clickEffect">
+                                  <p:stCondLst>
+                                    <p:cond delay="0"/>
+                                  </p:stCondLst>
+                                  <p:childTnLst>
+                                    <p:set>
+                                      <p:cBhvr>
+                                        <p:cTn id="6" dur="1" fill="hold">
+                                          <p:stCondLst>
+                                            <p:cond delay="0"/>
+                                          </p:stCondLst>
+                                        </p:cTn>
+                                        <p:tgtEl>
+                                          <p:spTgt spid="5">
+                                            <p:txEl>
+                                              <p:pRg st="1" end="1"/>
+                                            </p:txEl>
+                                          </p:spTgt>
+                                        </p:tgtEl>
+                                        <p:attrNameLst>
+                                          <p:attrName>style.visibility</p:attrName>
+                                        </p:attrNameLst>
+                                      </p:cBhvr>
+                                      <p:to>
+                                        <p:strVal val="visible"/>
+                                      </p:to>
+                                    </p:set>
+                                  </p:childTnLst>
+                                </p:cTn>
+                              </p:par>
+                            </p:childTnLst>
+                          </p:cTn>
+                        </p:par>
+                      </p:childTnLst>
+                    </p:cTn>
+                  </p:par>
+                  <p:par>
+                    <p:cTn id="7" fill="hold">
+                      <p:stCondLst>
+                        <p:cond delay="indefinite"/>
+                      </p:stCondLst>
+                      <p:childTnLst>
+                        <p:par>
+                          <p:cTn id="8" fill="hold">
+                            <p:stCondLst>
+                              <p:cond delay="0"/>
+                            </p:stCondLst>
+                            <p:childTnLst>
+                              <p:par>
+                                <p:cTn id="9" presetID="1" presetClass="entr" presetSubtype="0" fill="hold" nodeType="clickEffect">
+                                  <p:stCondLst>
+                                    <p:cond delay="0"/>
+                                  </p:stCondLst>
+                                  <p:childTnLst>
+                                    <p:set>
+                                      <p:cBhvr>
+                                        <p:cTn id="10" dur="1" fill="hold">
+                                          <p:stCondLst>
+                                            <p:cond delay="0"/>
+                                          </p:stCondLst>
+                                        </p:cTn>
+                                        <p:tgtEl>
+                                          <p:spTgt spid="5">
+                                            <p:txEl>
+                                              <p:pRg st="2" end="2"/>
+                                            </p:txEl>
+                                          </p:spTgt>
+                                        </p:tgtEl>
+                                        <p:attrNameLst>
+                                          <p:attrName>style.visibility</p:attrName>
+                                        </p:attrNameLst>
+                                      </p:cBhvr>
+                                      <p:to>
+                                        <p:strVal val="visible"/>
+                                      </p:to>
+                                    </p:set>
+                                  </p:childTnLst>
+                                </p:cTn>
+                              </p:par>
+                            </p:childTnLst>
+                          </p:cTn>
+                        </p:par>
+                      </p:childTnLst>
+                    </p:cTn>
+                  </p:par>
+                  <p:par>
+                    <p:cTn id="11" fill="hold">
+                      <p:stCondLst>
+                        <p:cond delay="indefinite"/>
+                      </p:stCondLst>
+                      <p:childTnLst>
+                        <p:par>
+                          <p:cTn id="12" fill="hold">
+                            <p:stCondLst>
+                              <p:cond delay="0"/>
+                            </p:stCondLst>
+                            <p:childTnLst>
+                              <p:par>
+                                <p:cTn id="13" presetID="1" presetClass="entr" presetSubtype="0" fill="hold" nodeType="clickEffect">
+                                  <p:stCondLst>
+                                    <p:cond delay="0"/>
+                                  </p:stCondLst>
+                                  <p:childTnLst>
+                                    <p:set>
+                                      <p:cBhvr>
+                                        <p:cTn id="14" dur="1" fill="hold">
+                                          <p:stCondLst>
+                                            <p:cond delay="0"/>
+                                          </p:stCondLst>
+                                        </p:cTn>
+                                        <p:tgtEl>
+                                          <p:spTgt spid="5">
+                                            <p:txEl>
+                                              <p:pRg st="3" end="3"/>
+                                            </p:txEl>
+                                          </p:spTgt>
+                                        </p:tgtEl>
+                                        <p:attrNameLst>
+                                          <p:attrName>style.visibility</p:attrName>
+                                        </p:attrNameLst>
+                                      </p:cBhvr>
+                                      <p:to>
+                                        <p:strVal val="visible"/>
+                                      </p:to>
+                                    </p:set>
+                                  </p:childTnLst>
+                                </p:cTn>
+                              </p:par>
+                            </p:childTnLst>
+                          </p:cTn>
+                        </p:par>
+                      </p:childTnLst>
+                    </p:cTn>
+                  </p:par>
+                  <p:par>
+                    <p:cTn id="15" fill="hold">
+                      <p:stCondLst>
+                        <p:cond delay="indefinite"/>
+                      </p:stCondLst>
+                      <p:childTnLst>
+                        <p:par>
+                          <p:cTn id="16" fill="hold">
+                            <p:stCondLst>
+                              <p:cond delay="0"/>
+                            </p:stCondLst>
+                            <p:childTnLst>
+                              <p:par>
+                                <p:cTn id="17" presetID="1" presetClass="entr" presetSubtype="0" fill="hold" nodeType="clickEffect">
+                                  <p:stCondLst>
+                                    <p:cond delay="0"/>
+                                  </p:stCondLst>
+                                  <p:childTnLst>
+                                    <p:set>
+                                      <p:cBhvr>
+                                        <p:cTn id="18" dur="1" fill="hold">
+                                          <p:stCondLst>
+                                            <p:cond delay="0"/>
+                                          </p:stCondLst>
+                                        </p:cTn>
+                                        <p:tgtEl>
+                                          <p:spTgt spid="5">
+                                            <p:txEl>
+                                              <p:pRg st="5" end="5"/>
+                                            </p:txEl>
+                                          </p:spTgt>
+                                        </p:tgtEl>
+                                        <p:attrNameLst>
+                                          <p:attrName>style.visibility</p:attrName>
+                                        </p:attrNameLst>
+                                      </p:cBhvr>
+                                      <p:to>
+                                        <p:strVal val="visible"/>
+                                      </p:to>
+                                    </p:set>
+                                  </p:childTnLst>
+                                </p:cTn>
+                              </p:par>
+                              <p:par>
+                                <p:cTn id="19" presetID="1" presetClass="entr" presetSubtype="0" fill="hold" nodeType="withEffect">
+                                  <p:stCondLst>
+                                    <p:cond delay="0"/>
+                                  </p:stCondLst>
+                                  <p:childTnLst>
+                                    <p:set>
+                                      <p:cBhvr>
+                                        <p:cTn id="20" dur="1" fill="hold">
+                                          <p:stCondLst>
+                                            <p:cond delay="0"/>
+                                          </p:stCondLst>
+                                        </p:cTn>
+                                        <p:tgtEl>
+                                          <p:spTgt spid="5">
+                                            <p:txEl>
+                                              <p:pRg st="6" end="6"/>
+                                            </p:txEl>
+                                          </p:spTgt>
+                                        </p:tgtEl>
+                                        <p:attrNameLst>
+                                          <p:attrName>style.visibility</p:attrName>
+                                        </p:attrNameLst>
+                                      </p:cBhvr>
+                                      <p:to>
+                                        <p:strVal val="visible"/>
+                                      </p:to>
+                                    </p:set>
+                                  </p:childTnLst>
+                                </p:cTn>
+                              </p:par>
+                              <p:par>
+                                <p:cTn id="21" presetID="1" presetClass="entr" presetSubtype="0" fill="hold" nodeType="withEffect">
+                                  <p:stCondLst>
+                                    <p:cond delay="0"/>
+                                  </p:stCondLst>
+                                  <p:childTnLst>
+                                    <p:set>
+                                      <p:cBhvr>
+                                        <p:cTn id="22" dur="1" fill="hold">
+                                          <p:stCondLst>
+                                            <p:cond delay="0"/>
+                                          </p:stCondLst>
+                                        </p:cTn>
+                                        <p:tgtEl>
+                                          <p:spTgt spid="5">
+                                            <p:txEl>
+                                              <p:pRg st="7" end="7"/>
+                                            </p:txEl>
+                                          </p:spTgt>
+                                        </p:tgtEl>
+                                        <p:attrNameLst>
+                                          <p:attrName>style.visibility</p:attrName>
+                                        </p:attrNameLst>
+                                      </p:cBhvr>
+                                      <p:to>
+                                        <p:strVal val="visible"/>
+                                      </p:to>
+                                    </p:set>
+                                  </p:childTnLst>
+                                </p:cTn>
+                              </p:par>
+                              <p:par>
+                                <p:cTn id="23" presetID="1" presetClass="entr" presetSubtype="0" fill="hold" nodeType="withEffect">
+                                  <p:stCondLst>
+                                    <p:cond delay="0"/>
+                                  </p:stCondLst>
+                                  <p:childTnLst>
+                                    <p:set>
+                                      <p:cBhvr>
+                                        <p:cTn id="24" dur="1" fill="hold">
+                                          <p:stCondLst>
+                                            <p:cond delay="0"/>
+                                          </p:stCondLst>
+                                        </p:cTn>
+                                        <p:tgtEl>
+                                          <p:spTgt spid="5">
+                                            <p:txEl>
+                                              <p:pRg st="8" end="8"/>
+                                            </p:txEl>
+                                          </p:spTgt>
+                                        </p:tgtEl>
+                                        <p:attrNameLst>
+                                          <p:attrName>style.visibility</p:attrName>
+                                        </p:attrNameLst>
+                                      </p:cBhvr>
+                                      <p:to>
+                                        <p:strVal val="visible"/>
+                                      </p:to>
+                                    </p:set>
+                                  </p:childTnLst>
+                                </p:cTn>
+                              </p:par>
+                            </p:childTnLst>
+                          </p:cTn>
+                        </p:par>
+                      </p:childTnLst>
+                    </p:cTn>
+                  </p:par>
+                  <p:par>
+                    <p:cTn id="25" fill="hold">
+                      <p:stCondLst>
+                        <p:cond delay="indefinite"/>
+                      </p:stCondLst>
+                      <p:childTnLst>
+                        <p:par>
+                          <p:cTn id="26" fill="hold">
+                            <p:stCondLst>
+                              <p:cond delay="0"/>
+                            </p:stCondLst>
+                            <p:childTnLst>
+                              <p:par>
+                                <p:cTn id="27" presetID="1" presetClass="entr" presetSubtype="0" fill="hold" nodeType="clickEffect">
+                                  <p:stCondLst>
+                                    <p:cond delay="0"/>
+                                  </p:stCondLst>
+                                  <p:childTnLst>
+                                    <p:set>
+                                      <p:cBhvr>
+                                        <p:cTn id="28" dur="1" fill="hold">
+                                          <p:stCondLst>
+                                            <p:cond delay="0"/>
+                                          </p:stCondLst>
+                                        </p:cTn>
+                                        <p:tgtEl>
+                                          <p:spTgt spid="5">
+                                            <p:txEl>
+                                              <p:pRg st="10" end="10"/>
+                                            </p:txEl>
+                                          </p:spTgt>
+                                        </p:tgtEl>
+                                        <p:attrNameLst>
+                                          <p:attrName>style.visibility</p:attrName>
+                                        </p:attrNameLst>
+                                      </p:cBhvr>
+                                      <p:to>
+                                        <p:strVal val="visible"/>
+                                      </p:to>
+                                    </p:set>
+                                  </p:childTnLst>
+                                </p:cTn>
+                              </p:par>
+                              <p:par>
+                                <p:cTn id="29" presetID="1" presetClass="entr" presetSubtype="0" fill="hold" nodeType="withEffect">
+                                  <p:stCondLst>
+                                    <p:cond delay="0"/>
+                                  </p:stCondLst>
+                                  <p:childTnLst>
+                                    <p:set>
+                                      <p:cBhvr>
+                                        <p:cTn id="30" dur="1" fill="hold">
+                                          <p:stCondLst>
+                                            <p:cond delay="0"/>
+                                          </p:stCondLst>
+                                        </p:cTn>
+                                        <p:tgtEl>
+                                          <p:spTgt spid="5">
+                                            <p:txEl>
+                                              <p:pRg st="11" end="11"/>
+                                            </p:txEl>
+                                          </p:spTgt>
+                                        </p:tgtEl>
+                                        <p:attrNameLst>
+                                          <p:attrName>style.visibility</p:attrName>
+                                        </p:attrNameLst>
+                                      </p:cBhvr>
+                                      <p:to>
+                                        <p:strVal val="visible"/>
+                                      </p:to>
+                                    </p:set>
+                                  </p:childTnLst>
+                                </p:cTn>
+                              </p:par>
+                              <p:par>
+                                <p:cTn id="31" presetID="1" presetClass="entr" presetSubtype="0" fill="hold" nodeType="withEffect">
+                                  <p:stCondLst>
+                                    <p:cond delay="0"/>
+                                  </p:stCondLst>
+                                  <p:childTnLst>
+                                    <p:set>
+                                      <p:cBhvr>
+                                        <p:cTn id="32" dur="1" fill="hold">
+                                          <p:stCondLst>
+                                            <p:cond delay="0"/>
+                                          </p:stCondLst>
+                                        </p:cTn>
+                                        <p:tgtEl>
+                                          <p:spTgt spid="5">
+                                            <p:txEl>
+                                              <p:pRg st="12" end="12"/>
+                                            </p:txEl>
+                                          </p:spTgt>
+                                        </p:tgtEl>
+                                        <p:attrNameLst>
+                                          <p:attrName>style.visibility</p:attrName>
+                                        </p:attrNameLst>
+                                      </p:cBhvr>
+                                      <p:to>
+                                        <p:strVal val="visible"/>
+                                      </p:to>
+                                    </p:set>
+                                  </p:childTnLst>
+                                </p:cTn>
+                              </p:par>
+                              <p:par>
+                                <p:cTn id="33" presetID="1" presetClass="entr" presetSubtype="0" fill="hold" nodeType="withEffect">
+                                  <p:stCondLst>
+                                    <p:cond delay="0"/>
+                                  </p:stCondLst>
+                                  <p:childTnLst>
+                                    <p:set>
+                                      <p:cBhvr>
+                                        <p:cTn id="34" dur="1" fill="hold">
+                                          <p:stCondLst>
+                                            <p:cond delay="0"/>
+                                          </p:stCondLst>
+                                        </p:cTn>
+                                        <p:tgtEl>
+                                          <p:spTgt spid="5">
+                                            <p:txEl>
+                                              <p:pRg st="13" end="13"/>
+                                            </p:txEl>
+                                          </p:spTgt>
+                                        </p:tgtEl>
+                                        <p:attrNameLst>
+                                          <p:attrName>style.visibility</p:attrName>
+                                        </p:attrNameLst>
+                                      </p:cBhvr>
+                                      <p:to>
+                                        <p:strVal val="visible"/>
+                                      </p:to>
+                                    </p:set>
+                                  </p:childTnLst>
+                                </p:cTn>
+                              </p:par>
+                            </p:childTnLst>
+                          </p:cTn>
+                        </p:par>
+                      </p:childTnLst>
+                    </p:cTn>
+                  </p:par>
+                </p:childTnLst>
+              </p:cTn>
+              <p:prevCondLst>
+                <p:cond evt="onPrev" delay="0">
+                  <p:tgtEl>
+                    <p:sldTgt/>
+                  </p:tgtEl>
+                </p:cond>
+              </p:prevCondLst>
+              <p:nextCondLst>
+                <p:cond evt="onNext" delay="0">
+                  <p:tgtEl>
+                    <p:sldTgt/>
+                  </p:tgtEl>
+                </p:cond>
+              </p:nextCondLst>
+            </p:seq>
+          </p:childTnLst>
+        </p:cTn>
+      </p:par>
+    </p:tnLst>
+  </p:timing>
 </p:sld>
 </file>
 
